--- a/WPF MVVM/3.Projet Friend Organizer.pptx
+++ b/WPF MVVM/3.Projet Friend Organizer.pptx
@@ -54,7 +54,12 @@
     <p:sldId id="302" r:id="rId48"/>
     <p:sldId id="303" r:id="rId49"/>
     <p:sldId id="304" r:id="rId50"/>
-    <p:sldId id="295" r:id="rId51"/>
+    <p:sldId id="307" r:id="rId51"/>
+    <p:sldId id="308" r:id="rId52"/>
+    <p:sldId id="309" r:id="rId53"/>
+    <p:sldId id="310" r:id="rId54"/>
+    <p:sldId id="295" r:id="rId55"/>
+    <p:sldId id="311" r:id="rId56"/>
   </p:sldIdLst>
   <p:sldSz cx="12192000" cy="6858000"/>
   <p:notesSz cx="6858000" cy="9144000"/>
@@ -13869,40 +13874,82 @@
           <a:lstStyle/>
           <a:p>
             <a:r>
-              <a:rPr lang="fr-FR" smtClean="0"/>
-              <a:t>Dans App.xaml Modifier supprimer StartupUri = MainWindow.xaml</a:t>
-            </a:r>
-          </a:p>
-          <a:p>
-            <a:r>
-              <a:rPr lang="fr-FR" smtClean="0"/>
-              <a:t>Remplacer avec Startup=«  Application_StartUp» pour que l’application démarre dans cette méthode et non en chargeant la vue MainView</a:t>
-            </a:r>
-          </a:p>
-          <a:p>
-            <a:r>
-              <a:rPr lang="fr-FR" smtClean="0"/>
+              <a:rPr lang="fr-FR" dirty="0" smtClean="0"/>
+              <a:t>Dans </a:t>
+            </a:r>
+            <a:r>
+              <a:rPr lang="fr-FR" dirty="0" err="1" smtClean="0"/>
+              <a:t>App.xaml</a:t>
+            </a:r>
+            <a:r>
+              <a:rPr lang="fr-FR" dirty="0" smtClean="0"/>
+              <a:t> Modifier supprimer </a:t>
+            </a:r>
+            <a:r>
+              <a:rPr lang="fr-FR" dirty="0" err="1" smtClean="0"/>
+              <a:t>StartupUri</a:t>
+            </a:r>
+            <a:r>
+              <a:rPr lang="fr-FR" dirty="0" smtClean="0"/>
+              <a:t> = </a:t>
+            </a:r>
+            <a:r>
+              <a:rPr lang="fr-FR" dirty="0" err="1" smtClean="0"/>
+              <a:t>MainWindow.xaml</a:t>
+            </a:r>
+            <a:endParaRPr lang="fr-FR" dirty="0" smtClean="0"/>
+          </a:p>
+          <a:p>
+            <a:r>
+              <a:rPr lang="fr-FR" dirty="0" smtClean="0"/>
+              <a:t>Remplacer avec Startup=«  </a:t>
+            </a:r>
+            <a:r>
+              <a:rPr lang="fr-FR" dirty="0" err="1" smtClean="0"/>
+              <a:t>Application_StartUp</a:t>
+            </a:r>
+            <a:r>
+              <a:rPr lang="fr-FR" dirty="0" smtClean="0"/>
+              <a:t>» pour que l’application démarre dans cette méthode et non en chargeant la vue </a:t>
+            </a:r>
+            <a:r>
+              <a:rPr lang="fr-FR" dirty="0" err="1" smtClean="0"/>
+              <a:t>MainView</a:t>
+            </a:r>
+            <a:endParaRPr lang="fr-FR" dirty="0" smtClean="0"/>
+          </a:p>
+          <a:p>
+            <a:r>
+              <a:rPr lang="fr-FR" dirty="0" smtClean="0"/>
               <a:t>Ecrire le code suivant :</a:t>
             </a:r>
           </a:p>
           <a:p>
-            <a:endParaRPr lang="fr-FR"/>
-          </a:p>
-          <a:p>
-            <a:endParaRPr lang="fr-FR" smtClean="0"/>
-          </a:p>
-          <a:p>
-            <a:endParaRPr lang="fr-FR"/>
-          </a:p>
-          <a:p>
-            <a:endParaRPr lang="fr-FR" smtClean="0"/>
-          </a:p>
-          <a:p>
-            <a:r>
-              <a:rPr lang="fr-FR" smtClean="0"/>
-              <a:t>Aller plus loin en injectant aussi le FriendMemoryRepository </a:t>
-            </a:r>
-            <a:endParaRPr lang="fr-FR"/>
+            <a:endParaRPr lang="fr-FR" dirty="0"/>
+          </a:p>
+          <a:p>
+            <a:endParaRPr lang="fr-FR" dirty="0" smtClean="0"/>
+          </a:p>
+          <a:p>
+            <a:endParaRPr lang="fr-FR" dirty="0"/>
+          </a:p>
+          <a:p>
+            <a:endParaRPr lang="fr-FR" dirty="0" smtClean="0"/>
+          </a:p>
+          <a:p>
+            <a:r>
+              <a:rPr lang="fr-FR" dirty="0" smtClean="0"/>
+              <a:t>Aller plus loin en injectant aussi le </a:t>
+            </a:r>
+            <a:r>
+              <a:rPr lang="fr-FR" dirty="0" err="1" smtClean="0"/>
+              <a:t>FriendMemoryRepository</a:t>
+            </a:r>
+            <a:r>
+              <a:rPr lang="fr-FR" dirty="0" smtClean="0"/>
+              <a:t> </a:t>
+            </a:r>
+            <a:endParaRPr lang="fr-FR" dirty="0"/>
           </a:p>
         </p:txBody>
       </p:sp>
@@ -14086,7 +14133,7 @@
       </p:sp>
       <p:pic>
         <p:nvPicPr>
-          <p:cNvPr id="4" name="Picture 3"/>
+          <p:cNvPr id="5" name="Image 4"/>
           <p:cNvPicPr>
             <a:picLocks noChangeAspect="1"/>
           </p:cNvPicPr>
@@ -14100,8 +14147,8 @@
         </p:blipFill>
         <p:spPr>
           <a:xfrm>
-            <a:off x="1154954" y="3244850"/>
-            <a:ext cx="5000625" cy="2133600"/>
+            <a:off x="1068215" y="3035900"/>
+            <a:ext cx="7771147" cy="3686175"/>
           </a:xfrm>
           <a:prstGeom prst="rect">
             <a:avLst/>
@@ -14218,6 +14265,13 @@
   <p:clrMapOvr>
     <a:masterClrMapping/>
   </p:clrMapOvr>
+  <p:timing>
+    <p:tnLst>
+      <p:par>
+        <p:cTn id="1" dur="indefinite" restart="never" nodeType="tmRoot"/>
+      </p:par>
+    </p:tnLst>
+  </p:timing>
 </p:sld>
 </file>
 
@@ -14294,6 +14348,13 @@
   <p:clrMapOvr>
     <a:masterClrMapping/>
   </p:clrMapOvr>
+  <p:timing>
+    <p:tnLst>
+      <p:par>
+        <p:cTn id="1" dur="indefinite" restart="never" nodeType="tmRoot"/>
+      </p:par>
+    </p:tnLst>
+  </p:timing>
 </p:sld>
 </file>
 
@@ -14330,10 +14391,14 @@
           <a:lstStyle/>
           <a:p>
             <a:r>
-              <a:rPr lang="fr-FR" smtClean="0"/>
-              <a:t>Arhcitecture de notre application</a:t>
-            </a:r>
-            <a:endParaRPr lang="fr-FR"/>
+              <a:rPr lang="fr-FR" dirty="0" smtClean="0"/>
+              <a:t>Architecture </a:t>
+            </a:r>
+            <a:r>
+              <a:rPr lang="fr-FR" dirty="0" smtClean="0"/>
+              <a:t>de notre application</a:t>
+            </a:r>
+            <a:endParaRPr lang="fr-FR" dirty="0"/>
           </a:p>
         </p:txBody>
       </p:sp>
@@ -14390,6 +14455,13 @@
   <p:clrMapOvr>
     <a:masterClrMapping/>
   </p:clrMapOvr>
+  <p:timing>
+    <p:tnLst>
+      <p:par>
+        <p:cTn id="1" dur="indefinite" restart="never" nodeType="tmRoot"/>
+      </p:par>
+    </p:tnLst>
+  </p:timing>
 </p:sld>
 </file>
 
@@ -14479,6 +14551,13 @@
   <p:clrMapOvr>
     <a:masterClrMapping/>
   </p:clrMapOvr>
+  <p:timing>
+    <p:tnLst>
+      <p:par>
+        <p:cTn id="1" dur="indefinite" restart="never" nodeType="tmRoot"/>
+      </p:par>
+    </p:tnLst>
+  </p:timing>
 </p:sld>
 </file>
 
@@ -14646,6 +14725,13 @@
   <p:clrMapOvr>
     <a:masterClrMapping/>
   </p:clrMapOvr>
+  <p:timing>
+    <p:tnLst>
+      <p:par>
+        <p:cTn id="1" dur="indefinite" restart="never" nodeType="tmRoot"/>
+      </p:par>
+    </p:tnLst>
+  </p:timing>
 </p:sld>
 </file>
 
@@ -14722,6 +14808,13 @@
   <p:clrMapOvr>
     <a:masterClrMapping/>
   </p:clrMapOvr>
+  <p:timing>
+    <p:tnLst>
+      <p:par>
+        <p:cTn id="1" dur="indefinite" restart="never" nodeType="tmRoot"/>
+      </p:par>
+    </p:tnLst>
+  </p:timing>
 </p:sld>
 </file>
 
@@ -14799,6 +14892,13 @@
   <p:clrMapOvr>
     <a:masterClrMapping/>
   </p:clrMapOvr>
+  <p:timing>
+    <p:tnLst>
+      <p:par>
+        <p:cTn id="1" dur="indefinite" restart="never" nodeType="tmRoot"/>
+      </p:par>
+    </p:tnLst>
+  </p:timing>
 </p:sld>
 </file>
 
@@ -17988,13 +18088,21 @@
           <a:lstStyle/>
           <a:p>
             <a:r>
-              <a:rPr lang="fr-FR" smtClean="0"/>
-              <a:t>Save un nouveau Friend</a:t>
+              <a:rPr lang="fr-FR" dirty="0" smtClean="0"/>
+              <a:t>Save un nouveau </a:t>
+            </a:r>
+            <a:r>
+              <a:rPr lang="fr-FR" dirty="0" err="1" smtClean="0"/>
+              <a:t>Friend</a:t>
+            </a:r>
+            <a:r>
+              <a:rPr lang="fr-FR" dirty="0" smtClean="0"/>
+              <a:t/>
             </a:r>
             <a:br>
-              <a:rPr lang="fr-FR" smtClean="0"/>
+              <a:rPr lang="fr-FR" dirty="0" smtClean="0"/>
             </a:br>
-            <a:endParaRPr lang="fr-FR"/>
+            <a:endParaRPr lang="fr-FR" dirty="0"/>
           </a:p>
         </p:txBody>
       </p:sp>
@@ -18013,10 +18121,107 @@
           <a:bodyPr/>
           <a:lstStyle/>
           <a:p>
-            <a:endParaRPr lang="fr-FR"/>
-          </a:p>
-        </p:txBody>
-      </p:sp>
+            <a:r>
+              <a:rPr lang="fr-FR" dirty="0" smtClean="0"/>
+              <a:t>Créer une nouvelle propriété </a:t>
+            </a:r>
+            <a:r>
+              <a:rPr lang="fr-FR" dirty="0" err="1" smtClean="0"/>
+              <a:t>SaveCommand</a:t>
+            </a:r>
+            <a:r>
+              <a:rPr lang="fr-FR" dirty="0" smtClean="0"/>
+              <a:t> dans </a:t>
+            </a:r>
+            <a:r>
+              <a:rPr lang="fr-FR" dirty="0" err="1" smtClean="0"/>
+              <a:t>FriendDetailViewModel</a:t>
+            </a:r>
+            <a:endParaRPr lang="fr-FR" dirty="0" smtClean="0"/>
+          </a:p>
+          <a:p>
+            <a:endParaRPr lang="fr-FR" dirty="0"/>
+          </a:p>
+          <a:p>
+            <a:endParaRPr lang="fr-FR" dirty="0" smtClean="0"/>
+          </a:p>
+          <a:p>
+            <a:endParaRPr lang="fr-FR" dirty="0"/>
+          </a:p>
+          <a:p>
+            <a:r>
+              <a:rPr lang="fr-FR" dirty="0"/>
+              <a:t>Dans </a:t>
+            </a:r>
+            <a:r>
+              <a:rPr lang="fr-FR" dirty="0" err="1" smtClean="0"/>
+              <a:t>FriendDetailView</a:t>
+            </a:r>
+            <a:r>
+              <a:rPr lang="fr-FR" dirty="0" smtClean="0"/>
+              <a:t> </a:t>
+            </a:r>
+            <a:r>
+              <a:rPr lang="fr-FR" dirty="0"/>
+              <a:t>binder un bouton sur l’appel de la commande :</a:t>
+            </a:r>
+          </a:p>
+          <a:p>
+            <a:endParaRPr lang="fr-FR" dirty="0" smtClean="0"/>
+          </a:p>
+          <a:p>
+            <a:endParaRPr lang="fr-FR" dirty="0"/>
+          </a:p>
+        </p:txBody>
+      </p:sp>
+      <p:pic>
+        <p:nvPicPr>
+          <p:cNvPr id="4" name="Image 3"/>
+          <p:cNvPicPr>
+            <a:picLocks noChangeAspect="1"/>
+          </p:cNvPicPr>
+          <p:nvPr/>
+        </p:nvPicPr>
+        <p:blipFill>
+          <a:blip r:embed="rId2"/>
+          <a:stretch>
+            <a:fillRect/>
+          </a:stretch>
+        </p:blipFill>
+        <p:spPr>
+          <a:xfrm>
+            <a:off x="998322" y="3149171"/>
+            <a:ext cx="6200689" cy="607284"/>
+          </a:xfrm>
+          <a:prstGeom prst="rect">
+            <a:avLst/>
+          </a:prstGeom>
+        </p:spPr>
+      </p:pic>
+      <p:pic>
+        <p:nvPicPr>
+          <p:cNvPr id="5" name="Image 4"/>
+          <p:cNvPicPr>
+            <a:picLocks noChangeAspect="1"/>
+          </p:cNvPicPr>
+          <p:nvPr/>
+        </p:nvPicPr>
+        <p:blipFill>
+          <a:blip r:embed="rId3"/>
+          <a:stretch>
+            <a:fillRect/>
+          </a:stretch>
+        </p:blipFill>
+        <p:spPr>
+          <a:xfrm>
+            <a:off x="1154954" y="4849979"/>
+            <a:ext cx="8100324" cy="750030"/>
+          </a:xfrm>
+          <a:prstGeom prst="rect">
+            <a:avLst/>
+          </a:prstGeom>
+        </p:spPr>
+      </p:pic>
     </p:spTree>
     <p:extLst>
       <p:ext uri="{BB962C8B-B14F-4D97-AF65-F5344CB8AC3E}">
@@ -18142,12 +18347,12 @@
       </p:grpSpPr>
       <p:sp>
         <p:nvSpPr>
-          <p:cNvPr id="2" name="Title 1"/>
-          <p:cNvSpPr>
-            <a:spLocks noGrp="1"/>
-          </p:cNvSpPr>
-          <p:nvPr>
-            <p:ph type="ctrTitle"/>
+          <p:cNvPr id="2" name="Titre 1"/>
+          <p:cNvSpPr>
+            <a:spLocks noGrp="1"/>
+          </p:cNvSpPr>
+          <p:nvPr>
+            <p:ph type="title"/>
           </p:nvPr>
         </p:nvSpPr>
         <p:spPr/>
@@ -18155,26 +18360,629 @@
           <a:bodyPr/>
           <a:lstStyle/>
           <a:p>
-            <a:endParaRPr lang="fr-FR"/>
-          </a:p>
-        </p:txBody>
-      </p:sp>
-      <p:sp>
-        <p:nvSpPr>
-          <p:cNvPr id="3" name="Subtitle 2"/>
-          <p:cNvSpPr>
-            <a:spLocks noGrp="1"/>
-          </p:cNvSpPr>
-          <p:nvPr>
-            <p:ph type="subTitle" idx="1"/>
-          </p:nvPr>
-        </p:nvSpPr>
-        <p:spPr/>
+            <a:r>
+              <a:rPr lang="fr-FR" dirty="0" smtClean="0"/>
+              <a:t>Code pour la commande</a:t>
+            </a:r>
+            <a:endParaRPr lang="fr-FR" dirty="0"/>
+          </a:p>
+        </p:txBody>
+      </p:sp>
+      <p:sp>
+        <p:nvSpPr>
+          <p:cNvPr id="3" name="Espace réservé du contenu 2"/>
+          <p:cNvSpPr>
+            <a:spLocks noGrp="1"/>
+          </p:cNvSpPr>
+          <p:nvPr>
+            <p:ph idx="1"/>
+          </p:nvPr>
+        </p:nvSpPr>
+        <p:spPr>
+          <a:xfrm>
+            <a:off x="1154954" y="2603499"/>
+            <a:ext cx="8952873" cy="3883797"/>
+          </a:xfrm>
+        </p:spPr>
+        <p:txBody>
+          <a:bodyPr>
+            <a:normAutofit/>
+          </a:bodyPr>
+          <a:lstStyle/>
+          <a:p>
+            <a:r>
+              <a:rPr lang="fr-FR" dirty="0" smtClean="0"/>
+              <a:t>Dans le VM </a:t>
+            </a:r>
+            <a:r>
+              <a:rPr lang="fr-FR" dirty="0" err="1" smtClean="0"/>
+              <a:t>instantier</a:t>
+            </a:r>
+            <a:r>
+              <a:rPr lang="fr-FR" dirty="0" smtClean="0"/>
+              <a:t> la commande </a:t>
+            </a:r>
+            <a:r>
+              <a:rPr lang="fr-FR" dirty="0" err="1" smtClean="0"/>
+              <a:t>SaveCommand</a:t>
+            </a:r>
+            <a:r>
+              <a:rPr lang="fr-FR" dirty="0" smtClean="0"/>
+              <a:t> (créez aussi les 2 méthodes </a:t>
+            </a:r>
+            <a:r>
+              <a:rPr lang="fr-FR" dirty="0" err="1" smtClean="0"/>
+              <a:t>OnsaveExecute</a:t>
+            </a:r>
+            <a:r>
+              <a:rPr lang="fr-FR" dirty="0" smtClean="0"/>
+              <a:t> et </a:t>
+            </a:r>
+            <a:r>
+              <a:rPr lang="fr-FR" dirty="0" err="1" smtClean="0"/>
+              <a:t>OnSaveCanExecute</a:t>
+            </a:r>
+            <a:r>
+              <a:rPr lang="fr-FR" dirty="0" smtClean="0"/>
+              <a:t>)</a:t>
+            </a:r>
+          </a:p>
+          <a:p>
+            <a:endParaRPr lang="fr-FR" dirty="0"/>
+          </a:p>
+          <a:p>
+            <a:endParaRPr lang="fr-FR" dirty="0" smtClean="0"/>
+          </a:p>
+          <a:p>
+            <a:endParaRPr lang="fr-FR" dirty="0"/>
+          </a:p>
+          <a:p>
+            <a:endParaRPr lang="fr-FR" dirty="0" smtClean="0"/>
+          </a:p>
+          <a:p>
+            <a:endParaRPr lang="fr-FR" dirty="0"/>
+          </a:p>
+          <a:p>
+            <a:endParaRPr lang="fr-FR" dirty="0" smtClean="0"/>
+          </a:p>
+          <a:p>
+            <a:pPr marL="0" indent="0">
+              <a:buNone/>
+            </a:pPr>
+            <a:endParaRPr lang="fr-FR" dirty="0"/>
+          </a:p>
+          <a:p>
+            <a:pPr marL="0" indent="0">
+              <a:buNone/>
+            </a:pPr>
+            <a:endParaRPr lang="fr-FR" dirty="0" smtClean="0"/>
+          </a:p>
+        </p:txBody>
+      </p:sp>
+      <p:pic>
+        <p:nvPicPr>
+          <p:cNvPr id="5" name="Image 4"/>
+          <p:cNvPicPr>
+            <a:picLocks noChangeAspect="1"/>
+          </p:cNvPicPr>
+          <p:nvPr/>
+        </p:nvPicPr>
+        <p:blipFill>
+          <a:blip r:embed="rId2"/>
+          <a:stretch>
+            <a:fillRect/>
+          </a:stretch>
+        </p:blipFill>
+        <p:spPr>
+          <a:xfrm>
+            <a:off x="1154954" y="3311524"/>
+            <a:ext cx="7828408" cy="2386017"/>
+          </a:xfrm>
+          <a:prstGeom prst="rect">
+            <a:avLst/>
+          </a:prstGeom>
+        </p:spPr>
+      </p:pic>
+    </p:spTree>
+    <p:extLst>
+      <p:ext uri="{BB962C8B-B14F-4D97-AF65-F5344CB8AC3E}">
+        <p14:creationId xmlns:p14="http://schemas.microsoft.com/office/powerpoint/2010/main" val="2674729762"/>
+      </p:ext>
+    </p:extLst>
+  </p:cSld>
+  <p:clrMapOvr>
+    <a:masterClrMapping/>
+  </p:clrMapOvr>
+</p:sld>
+</file>
+
+<file path=ppt/slides/slide51.xml><?xml version="1.0" encoding="utf-8"?>
+<p:sld xmlns:a="http://schemas.openxmlformats.org/drawingml/2006/main" xmlns:r="http://schemas.openxmlformats.org/officeDocument/2006/relationships" xmlns:p="http://schemas.openxmlformats.org/presentationml/2006/main">
+  <p:cSld>
+    <p:spTree>
+      <p:nvGrpSpPr>
+        <p:cNvPr id="1" name=""/>
+        <p:cNvGrpSpPr/>
+        <p:nvPr/>
+      </p:nvGrpSpPr>
+      <p:grpSpPr>
+        <a:xfrm>
+          <a:off x="0" y="0"/>
+          <a:ext cx="0" cy="0"/>
+          <a:chOff x="0" y="0"/>
+          <a:chExt cx="0" cy="0"/>
+        </a:xfrm>
+      </p:grpSpPr>
+      <p:sp>
+        <p:nvSpPr>
+          <p:cNvPr id="2" name="Titre 1"/>
+          <p:cNvSpPr>
+            <a:spLocks noGrp="1"/>
+          </p:cNvSpPr>
+          <p:nvPr>
+            <p:ph type="title"/>
+          </p:nvPr>
+        </p:nvSpPr>
+        <p:spPr>
+          <a:xfrm>
+            <a:off x="1154954" y="973668"/>
+            <a:ext cx="9076441" cy="706851"/>
+          </a:xfrm>
+        </p:spPr>
         <p:txBody>
           <a:bodyPr/>
           <a:lstStyle/>
           <a:p>
-            <a:endParaRPr lang="fr-FR"/>
+            <a:r>
+              <a:rPr lang="fr-FR" dirty="0" err="1" smtClean="0"/>
+              <a:t>OnSaveExecute</a:t>
+            </a:r>
+            <a:r>
+              <a:rPr lang="fr-FR" dirty="0" smtClean="0"/>
+              <a:t> et </a:t>
+            </a:r>
+            <a:r>
+              <a:rPr lang="fr-FR" dirty="0" err="1" smtClean="0"/>
+              <a:t>OnSaveCanExecute</a:t>
+            </a:r>
+            <a:endParaRPr lang="fr-FR" dirty="0"/>
+          </a:p>
+        </p:txBody>
+      </p:sp>
+      <p:sp>
+        <p:nvSpPr>
+          <p:cNvPr id="3" name="Espace réservé du contenu 2"/>
+          <p:cNvSpPr>
+            <a:spLocks noGrp="1"/>
+          </p:cNvSpPr>
+          <p:nvPr>
+            <p:ph idx="1"/>
+          </p:nvPr>
+        </p:nvSpPr>
+        <p:spPr>
+          <a:xfrm>
+            <a:off x="1154955" y="2603500"/>
+            <a:ext cx="4195522" cy="3416300"/>
+          </a:xfrm>
+        </p:spPr>
+        <p:txBody>
+          <a:bodyPr>
+            <a:normAutofit lnSpcReduction="10000"/>
+          </a:bodyPr>
+          <a:lstStyle/>
+          <a:p>
+            <a:pPr marL="0" indent="0">
+              <a:buNone/>
+            </a:pPr>
+            <a:r>
+              <a:rPr lang="fr-FR" b="1" dirty="0" err="1" smtClean="0"/>
+              <a:t>OnSaveCanExecute</a:t>
+            </a:r>
+            <a:r>
+              <a:rPr lang="fr-FR" dirty="0" smtClean="0"/>
+              <a:t> détermine si on peut </a:t>
+            </a:r>
+            <a:r>
+              <a:rPr lang="fr-FR" dirty="0" err="1" smtClean="0"/>
+              <a:t>executer</a:t>
+            </a:r>
+            <a:r>
+              <a:rPr lang="fr-FR" dirty="0" smtClean="0"/>
+              <a:t> ou non la commande.</a:t>
+            </a:r>
+          </a:p>
+          <a:p>
+            <a:pPr marL="0" indent="0">
+              <a:buNone/>
+            </a:pPr>
+            <a:endParaRPr lang="fr-FR" dirty="0"/>
+          </a:p>
+          <a:p>
+            <a:pPr marL="0" indent="0">
+              <a:buNone/>
+            </a:pPr>
+            <a:r>
+              <a:rPr lang="fr-FR" b="1" dirty="0" err="1" smtClean="0"/>
+              <a:t>OnSaveExecute</a:t>
+            </a:r>
+            <a:r>
+              <a:rPr lang="fr-FR" dirty="0" smtClean="0"/>
+              <a:t> va héberger le code qu’on doit </a:t>
+            </a:r>
+            <a:r>
+              <a:rPr lang="fr-FR" dirty="0" err="1" smtClean="0"/>
+              <a:t>executer</a:t>
+            </a:r>
+            <a:r>
+              <a:rPr lang="fr-FR" dirty="0" smtClean="0"/>
+              <a:t> pour faire la sauvegarde</a:t>
+            </a:r>
+          </a:p>
+          <a:p>
+            <a:r>
+              <a:rPr lang="fr-FR" dirty="0" smtClean="0"/>
+              <a:t>Tester avec le debugger que si vous cliquez sur le bouton « Save » qu’on entre bien dans </a:t>
+            </a:r>
+            <a:r>
+              <a:rPr lang="fr-FR" dirty="0" err="1" smtClean="0"/>
+              <a:t>OnSaveExecute</a:t>
+            </a:r>
+            <a:endParaRPr lang="fr-FR" dirty="0"/>
+          </a:p>
+        </p:txBody>
+      </p:sp>
+      <p:pic>
+        <p:nvPicPr>
+          <p:cNvPr id="5" name="Image 4"/>
+          <p:cNvPicPr>
+            <a:picLocks noChangeAspect="1"/>
+          </p:cNvPicPr>
+          <p:nvPr/>
+        </p:nvPicPr>
+        <p:blipFill>
+          <a:blip r:embed="rId2"/>
+          <a:stretch>
+            <a:fillRect/>
+          </a:stretch>
+        </p:blipFill>
+        <p:spPr>
+          <a:xfrm>
+            <a:off x="5597610" y="2505077"/>
+            <a:ext cx="5696465" cy="2993208"/>
+          </a:xfrm>
+          <a:prstGeom prst="rect">
+            <a:avLst/>
+          </a:prstGeom>
+        </p:spPr>
+      </p:pic>
+    </p:spTree>
+    <p:extLst>
+      <p:ext uri="{BB962C8B-B14F-4D97-AF65-F5344CB8AC3E}">
+        <p14:creationId xmlns:p14="http://schemas.microsoft.com/office/powerpoint/2010/main" val="2523151668"/>
+      </p:ext>
+    </p:extLst>
+  </p:cSld>
+  <p:clrMapOvr>
+    <a:masterClrMapping/>
+  </p:clrMapOvr>
+</p:sld>
+</file>
+
+<file path=ppt/slides/slide52.xml><?xml version="1.0" encoding="utf-8"?>
+<p:sld xmlns:a="http://schemas.openxmlformats.org/drawingml/2006/main" xmlns:r="http://schemas.openxmlformats.org/officeDocument/2006/relationships" xmlns:p="http://schemas.openxmlformats.org/presentationml/2006/main">
+  <p:cSld>
+    <p:spTree>
+      <p:nvGrpSpPr>
+        <p:cNvPr id="1" name=""/>
+        <p:cNvGrpSpPr/>
+        <p:nvPr/>
+      </p:nvGrpSpPr>
+      <p:grpSpPr>
+        <a:xfrm>
+          <a:off x="0" y="0"/>
+          <a:ext cx="0" cy="0"/>
+          <a:chOff x="0" y="0"/>
+          <a:chExt cx="0" cy="0"/>
+        </a:xfrm>
+      </p:grpSpPr>
+      <p:sp>
+        <p:nvSpPr>
+          <p:cNvPr id="2" name="Titre 1"/>
+          <p:cNvSpPr>
+            <a:spLocks noGrp="1"/>
+          </p:cNvSpPr>
+          <p:nvPr>
+            <p:ph type="title"/>
+          </p:nvPr>
+        </p:nvSpPr>
+        <p:spPr/>
+        <p:txBody>
+          <a:bodyPr/>
+          <a:lstStyle/>
+          <a:p>
+            <a:r>
+              <a:rPr lang="fr-FR" dirty="0" smtClean="0"/>
+              <a:t>Save </a:t>
+            </a:r>
+            <a:r>
+              <a:rPr lang="fr-FR" dirty="0" err="1" smtClean="0"/>
+              <a:t>friend</a:t>
+            </a:r>
+            <a:endParaRPr lang="fr-FR" dirty="0"/>
+          </a:p>
+        </p:txBody>
+      </p:sp>
+      <p:sp>
+        <p:nvSpPr>
+          <p:cNvPr id="3" name="Espace réservé du contenu 2"/>
+          <p:cNvSpPr>
+            <a:spLocks noGrp="1"/>
+          </p:cNvSpPr>
+          <p:nvPr>
+            <p:ph idx="1"/>
+          </p:nvPr>
+        </p:nvSpPr>
+        <p:spPr/>
+        <p:txBody>
+          <a:bodyPr>
+            <a:normAutofit fontScale="92500" lnSpcReduction="20000"/>
+          </a:bodyPr>
+          <a:lstStyle/>
+          <a:p>
+            <a:r>
+              <a:rPr lang="fr-FR" dirty="0" smtClean="0"/>
+              <a:t>Créer une méthode Save dans </a:t>
+            </a:r>
+            <a:r>
+              <a:rPr lang="fr-FR" dirty="0" err="1" smtClean="0"/>
+              <a:t>IFriendRepository</a:t>
+            </a:r>
+            <a:endParaRPr lang="fr-FR" dirty="0" smtClean="0"/>
+          </a:p>
+          <a:p>
+            <a:r>
+              <a:rPr lang="fr-FR" dirty="0" smtClean="0"/>
+              <a:t>Implémenter celle-ci dans les classes concrètes implémentant </a:t>
+            </a:r>
+            <a:r>
+              <a:rPr lang="fr-FR" dirty="0" err="1" smtClean="0"/>
+              <a:t>IFriendRepository</a:t>
+            </a:r>
+            <a:r>
+              <a:rPr lang="fr-FR" dirty="0" smtClean="0"/>
+              <a:t> </a:t>
+            </a:r>
+            <a:r>
+              <a:rPr lang="fr-FR" dirty="0"/>
+              <a:t>(Ne gérer que l’update pas l’insert)</a:t>
+            </a:r>
+          </a:p>
+          <a:p>
+            <a:endParaRPr lang="fr-FR" dirty="0" smtClean="0"/>
+          </a:p>
+          <a:p>
+            <a:endParaRPr lang="fr-FR" dirty="0"/>
+          </a:p>
+          <a:p>
+            <a:endParaRPr lang="fr-FR" dirty="0" smtClean="0"/>
+          </a:p>
+          <a:p>
+            <a:endParaRPr lang="fr-FR" dirty="0"/>
+          </a:p>
+          <a:p>
+            <a:endParaRPr lang="fr-FR" dirty="0" smtClean="0"/>
+          </a:p>
+          <a:p>
+            <a:r>
+              <a:rPr lang="fr-FR" dirty="0" smtClean="0"/>
+              <a:t>Ecrire le code manquant dans </a:t>
+            </a:r>
+            <a:r>
+              <a:rPr lang="fr-FR" dirty="0" err="1" smtClean="0"/>
+              <a:t>OnSaveExecute</a:t>
+            </a:r>
+            <a:endParaRPr lang="fr-FR" dirty="0" smtClean="0"/>
+          </a:p>
+          <a:p>
+            <a:r>
+              <a:rPr lang="fr-FR" dirty="0" smtClean="0"/>
+              <a:t>Tester si cela marche (normalement oui!) </a:t>
+            </a:r>
+          </a:p>
+          <a:p>
+            <a:endParaRPr lang="fr-FR" dirty="0"/>
+          </a:p>
+        </p:txBody>
+      </p:sp>
+      <p:pic>
+        <p:nvPicPr>
+          <p:cNvPr id="4" name="Image 3"/>
+          <p:cNvPicPr>
+            <a:picLocks noChangeAspect="1"/>
+          </p:cNvPicPr>
+          <p:nvPr/>
+        </p:nvPicPr>
+        <p:blipFill>
+          <a:blip r:embed="rId2"/>
+          <a:stretch>
+            <a:fillRect/>
+          </a:stretch>
+        </p:blipFill>
+        <p:spPr>
+          <a:xfrm>
+            <a:off x="7166403" y="3536736"/>
+            <a:ext cx="4445838" cy="1900237"/>
+          </a:xfrm>
+          <a:prstGeom prst="rect">
+            <a:avLst/>
+          </a:prstGeom>
+        </p:spPr>
+      </p:pic>
+    </p:spTree>
+    <p:extLst>
+      <p:ext uri="{BB962C8B-B14F-4D97-AF65-F5344CB8AC3E}">
+        <p14:creationId xmlns:p14="http://schemas.microsoft.com/office/powerpoint/2010/main" val="462334908"/>
+      </p:ext>
+    </p:extLst>
+  </p:cSld>
+  <p:clrMapOvr>
+    <a:masterClrMapping/>
+  </p:clrMapOvr>
+</p:sld>
+</file>
+
+<file path=ppt/slides/slide53.xml><?xml version="1.0" encoding="utf-8"?>
+<p:sld xmlns:a="http://schemas.openxmlformats.org/drawingml/2006/main" xmlns:r="http://schemas.openxmlformats.org/officeDocument/2006/relationships" xmlns:p="http://schemas.openxmlformats.org/presentationml/2006/main">
+  <p:cSld>
+    <p:spTree>
+      <p:nvGrpSpPr>
+        <p:cNvPr id="1" name=""/>
+        <p:cNvGrpSpPr/>
+        <p:nvPr/>
+      </p:nvGrpSpPr>
+      <p:grpSpPr>
+        <a:xfrm>
+          <a:off x="0" y="0"/>
+          <a:ext cx="0" cy="0"/>
+          <a:chOff x="0" y="0"/>
+          <a:chExt cx="0" cy="0"/>
+        </a:xfrm>
+      </p:grpSpPr>
+      <p:sp>
+        <p:nvSpPr>
+          <p:cNvPr id="2" name="Titre 1"/>
+          <p:cNvSpPr>
+            <a:spLocks noGrp="1"/>
+          </p:cNvSpPr>
+          <p:nvPr>
+            <p:ph type="title"/>
+          </p:nvPr>
+        </p:nvSpPr>
+        <p:spPr/>
+        <p:txBody>
+          <a:bodyPr/>
+          <a:lstStyle/>
+          <a:p>
+            <a:r>
+              <a:rPr lang="fr-FR" dirty="0" err="1" smtClean="0"/>
+              <a:t>Delete</a:t>
+            </a:r>
+            <a:r>
+              <a:rPr lang="fr-FR" dirty="0" smtClean="0"/>
+              <a:t> </a:t>
+            </a:r>
+            <a:r>
+              <a:rPr lang="fr-FR" dirty="0" err="1" smtClean="0"/>
+              <a:t>Friend</a:t>
+            </a:r>
+            <a:endParaRPr lang="fr-FR" dirty="0"/>
+          </a:p>
+        </p:txBody>
+      </p:sp>
+      <p:sp>
+        <p:nvSpPr>
+          <p:cNvPr id="3" name="Espace réservé du contenu 2"/>
+          <p:cNvSpPr>
+            <a:spLocks noGrp="1"/>
+          </p:cNvSpPr>
+          <p:nvPr>
+            <p:ph idx="1"/>
+          </p:nvPr>
+        </p:nvSpPr>
+        <p:spPr/>
+        <p:txBody>
+          <a:bodyPr/>
+          <a:lstStyle/>
+          <a:p>
+            <a:r>
+              <a:rPr lang="fr-FR" dirty="0" smtClean="0"/>
+              <a:t>TODO : Exposer un bouton </a:t>
+            </a:r>
+            <a:r>
+              <a:rPr lang="fr-FR" dirty="0" err="1" smtClean="0"/>
+              <a:t>Delete</a:t>
+            </a:r>
+            <a:r>
+              <a:rPr lang="fr-FR" dirty="0" smtClean="0"/>
+              <a:t> et faire le code pour supprimer un ami</a:t>
+            </a:r>
+            <a:endParaRPr lang="fr-FR" dirty="0"/>
+          </a:p>
+        </p:txBody>
+      </p:sp>
+    </p:spTree>
+    <p:extLst>
+      <p:ext uri="{BB962C8B-B14F-4D97-AF65-F5344CB8AC3E}">
+        <p14:creationId xmlns:p14="http://schemas.microsoft.com/office/powerpoint/2010/main" val="2759935746"/>
+      </p:ext>
+    </p:extLst>
+  </p:cSld>
+  <p:clrMapOvr>
+    <a:masterClrMapping/>
+  </p:clrMapOvr>
+</p:sld>
+</file>
+
+<file path=ppt/slides/slide54.xml><?xml version="1.0" encoding="utf-8"?>
+<p:sld xmlns:a="http://schemas.openxmlformats.org/drawingml/2006/main" xmlns:r="http://schemas.openxmlformats.org/officeDocument/2006/relationships" xmlns:p="http://schemas.openxmlformats.org/presentationml/2006/main">
+  <p:cSld>
+    <p:spTree>
+      <p:nvGrpSpPr>
+        <p:cNvPr id="1" name=""/>
+        <p:cNvGrpSpPr/>
+        <p:nvPr/>
+      </p:nvGrpSpPr>
+      <p:grpSpPr>
+        <a:xfrm>
+          <a:off x="0" y="0"/>
+          <a:ext cx="0" cy="0"/>
+          <a:chOff x="0" y="0"/>
+          <a:chExt cx="0" cy="0"/>
+        </a:xfrm>
+      </p:grpSpPr>
+      <p:sp>
+        <p:nvSpPr>
+          <p:cNvPr id="2" name="Title 1"/>
+          <p:cNvSpPr>
+            <a:spLocks noGrp="1"/>
+          </p:cNvSpPr>
+          <p:nvPr>
+            <p:ph type="ctrTitle"/>
+          </p:nvPr>
+        </p:nvSpPr>
+        <p:spPr/>
+        <p:txBody>
+          <a:bodyPr/>
+          <a:lstStyle/>
+          <a:p>
+            <a:r>
+              <a:rPr lang="fr-FR" dirty="0" smtClean="0"/>
+              <a:t>Validation des données</a:t>
+            </a:r>
+            <a:endParaRPr lang="fr-FR" dirty="0"/>
+          </a:p>
+        </p:txBody>
+      </p:sp>
+      <p:sp>
+        <p:nvSpPr>
+          <p:cNvPr id="3" name="Subtitle 2"/>
+          <p:cNvSpPr>
+            <a:spLocks noGrp="1"/>
+          </p:cNvSpPr>
+          <p:nvPr>
+            <p:ph type="subTitle" idx="1"/>
+          </p:nvPr>
+        </p:nvSpPr>
+        <p:spPr/>
+        <p:txBody>
+          <a:bodyPr/>
+          <a:lstStyle/>
+          <a:p>
+            <a:r>
+              <a:rPr lang="fr-FR" dirty="0" smtClean="0"/>
+              <a:t>La vie en rouge souligné</a:t>
+            </a:r>
+            <a:endParaRPr lang="fr-FR" dirty="0"/>
           </a:p>
         </p:txBody>
       </p:sp>
@@ -18182,6 +18990,74 @@
     <p:extLst>
       <p:ext uri="{BB962C8B-B14F-4D97-AF65-F5344CB8AC3E}">
         <p14:creationId xmlns:p14="http://schemas.microsoft.com/office/powerpoint/2010/main" val="1007868945"/>
+      </p:ext>
+    </p:extLst>
+  </p:cSld>
+  <p:clrMapOvr>
+    <a:masterClrMapping/>
+  </p:clrMapOvr>
+</p:sld>
+</file>
+
+<file path=ppt/slides/slide55.xml><?xml version="1.0" encoding="utf-8"?>
+<p:sld xmlns:a="http://schemas.openxmlformats.org/drawingml/2006/main" xmlns:r="http://schemas.openxmlformats.org/officeDocument/2006/relationships" xmlns:p="http://schemas.openxmlformats.org/presentationml/2006/main">
+  <p:cSld>
+    <p:spTree>
+      <p:nvGrpSpPr>
+        <p:cNvPr id="1" name=""/>
+        <p:cNvGrpSpPr/>
+        <p:nvPr/>
+      </p:nvGrpSpPr>
+      <p:grpSpPr>
+        <a:xfrm>
+          <a:off x="0" y="0"/>
+          <a:ext cx="0" cy="0"/>
+          <a:chOff x="0" y="0"/>
+          <a:chExt cx="0" cy="0"/>
+        </a:xfrm>
+      </p:grpSpPr>
+      <p:sp>
+        <p:nvSpPr>
+          <p:cNvPr id="2" name="Titre 1"/>
+          <p:cNvSpPr>
+            <a:spLocks noGrp="1"/>
+          </p:cNvSpPr>
+          <p:nvPr>
+            <p:ph type="title"/>
+          </p:nvPr>
+        </p:nvSpPr>
+        <p:spPr/>
+        <p:txBody>
+          <a:bodyPr/>
+          <a:lstStyle/>
+          <a:p>
+            <a:endParaRPr lang="fr-FR"/>
+          </a:p>
+        </p:txBody>
+      </p:sp>
+      <p:sp>
+        <p:nvSpPr>
+          <p:cNvPr id="3" name="Espace réservé du contenu 2"/>
+          <p:cNvSpPr>
+            <a:spLocks noGrp="1"/>
+          </p:cNvSpPr>
+          <p:nvPr>
+            <p:ph idx="1"/>
+          </p:nvPr>
+        </p:nvSpPr>
+        <p:spPr/>
+        <p:txBody>
+          <a:bodyPr/>
+          <a:lstStyle/>
+          <a:p>
+            <a:endParaRPr lang="fr-FR"/>
+          </a:p>
+        </p:txBody>
+      </p:sp>
+    </p:spTree>
+    <p:extLst>
+      <p:ext uri="{BB962C8B-B14F-4D97-AF65-F5344CB8AC3E}">
+        <p14:creationId xmlns:p14="http://schemas.microsoft.com/office/powerpoint/2010/main" val="2213186051"/>
       </p:ext>
     </p:extLst>
   </p:cSld>

--- a/WPF MVVM/3.Projet Friend Organizer.pptx
+++ b/WPF MVVM/3.Projet Friend Organizer.pptx
@@ -42,24 +42,52 @@
     <p:sldId id="289" r:id="rId36"/>
     <p:sldId id="290" r:id="rId37"/>
     <p:sldId id="291" r:id="rId38"/>
-    <p:sldId id="292" r:id="rId39"/>
-    <p:sldId id="293" r:id="rId40"/>
-    <p:sldId id="294" r:id="rId41"/>
-    <p:sldId id="272" r:id="rId42"/>
-    <p:sldId id="297" r:id="rId43"/>
-    <p:sldId id="298" r:id="rId44"/>
-    <p:sldId id="299" r:id="rId45"/>
-    <p:sldId id="300" r:id="rId46"/>
-    <p:sldId id="301" r:id="rId47"/>
-    <p:sldId id="302" r:id="rId48"/>
-    <p:sldId id="303" r:id="rId49"/>
-    <p:sldId id="304" r:id="rId50"/>
-    <p:sldId id="307" r:id="rId51"/>
-    <p:sldId id="308" r:id="rId52"/>
-    <p:sldId id="309" r:id="rId53"/>
-    <p:sldId id="310" r:id="rId54"/>
-    <p:sldId id="295" r:id="rId55"/>
-    <p:sldId id="311" r:id="rId56"/>
+    <p:sldId id="338" r:id="rId39"/>
+    <p:sldId id="292" r:id="rId40"/>
+    <p:sldId id="293" r:id="rId41"/>
+    <p:sldId id="294" r:id="rId42"/>
+    <p:sldId id="272" r:id="rId43"/>
+    <p:sldId id="297" r:id="rId44"/>
+    <p:sldId id="298" r:id="rId45"/>
+    <p:sldId id="299" r:id="rId46"/>
+    <p:sldId id="300" r:id="rId47"/>
+    <p:sldId id="301" r:id="rId48"/>
+    <p:sldId id="302" r:id="rId49"/>
+    <p:sldId id="303" r:id="rId50"/>
+    <p:sldId id="304" r:id="rId51"/>
+    <p:sldId id="307" r:id="rId52"/>
+    <p:sldId id="308" r:id="rId53"/>
+    <p:sldId id="309" r:id="rId54"/>
+    <p:sldId id="310" r:id="rId55"/>
+    <p:sldId id="339" r:id="rId56"/>
+    <p:sldId id="295" r:id="rId57"/>
+    <p:sldId id="311" r:id="rId58"/>
+    <p:sldId id="316" r:id="rId59"/>
+    <p:sldId id="312" r:id="rId60"/>
+    <p:sldId id="313" r:id="rId61"/>
+    <p:sldId id="314" r:id="rId62"/>
+    <p:sldId id="315" r:id="rId63"/>
+    <p:sldId id="317" r:id="rId64"/>
+    <p:sldId id="318" r:id="rId65"/>
+    <p:sldId id="319" r:id="rId66"/>
+    <p:sldId id="320" r:id="rId67"/>
+    <p:sldId id="321" r:id="rId68"/>
+    <p:sldId id="322" r:id="rId69"/>
+    <p:sldId id="323" r:id="rId70"/>
+    <p:sldId id="324" r:id="rId71"/>
+    <p:sldId id="325" r:id="rId72"/>
+    <p:sldId id="326" r:id="rId73"/>
+    <p:sldId id="327" r:id="rId74"/>
+    <p:sldId id="328" r:id="rId75"/>
+    <p:sldId id="330" r:id="rId76"/>
+    <p:sldId id="331" r:id="rId77"/>
+    <p:sldId id="332" r:id="rId78"/>
+    <p:sldId id="334" r:id="rId79"/>
+    <p:sldId id="333" r:id="rId80"/>
+    <p:sldId id="335" r:id="rId81"/>
+    <p:sldId id="329" r:id="rId82"/>
+    <p:sldId id="336" r:id="rId83"/>
+    <p:sldId id="337" r:id="rId84"/>
   </p:sldIdLst>
   <p:sldSz cx="12192000" cy="6858000"/>
   <p:notesSz cx="6858000" cy="9144000"/>
@@ -502,7 +530,7 @@
             <a:fld id="{5923F103-BC34-4FE4-A40E-EDDEECFDA5D0}" type="datetimeFigureOut">
               <a:rPr lang="en-US" dirty="0"/>
               <a:pPr/>
-              <a:t>5/7/2019</a:t>
+              <a:t>5/9/2019</a:t>
             </a:fld>
             <a:endParaRPr lang="en-US" dirty="0"/>
           </a:p>
@@ -1590,7 +1618,7 @@
           <a:p>
             <a:fld id="{923A1CC3-2375-41D4-9E03-427CAF2A4C1A}" type="datetimeFigureOut">
               <a:rPr lang="en-US" dirty="0"/>
-              <a:t>5/7/2019</a:t>
+              <a:t>5/9/2019</a:t>
             </a:fld>
             <a:endParaRPr lang="en-US" dirty="0"/>
           </a:p>
@@ -2570,7 +2598,7 @@
           <a:p>
             <a:fld id="{AFF16868-8199-4C2C-A5B1-63AEE139F88E}" type="datetimeFigureOut">
               <a:rPr lang="en-US" dirty="0"/>
-              <a:t>5/7/2019</a:t>
+              <a:t>5/9/2019</a:t>
             </a:fld>
             <a:endParaRPr lang="en-US" dirty="0"/>
           </a:p>
@@ -3704,7 +3732,7 @@
           <a:p>
             <a:fld id="{AAD9FF7F-6988-44CC-821B-644E70CD2F73}" type="datetimeFigureOut">
               <a:rPr lang="en-US" dirty="0"/>
-              <a:t>5/7/2019</a:t>
+              <a:t>5/9/2019</a:t>
             </a:fld>
             <a:endParaRPr lang="en-US" dirty="0"/>
           </a:p>
@@ -4737,7 +4765,7 @@
           <a:p>
             <a:fld id="{5C12C299-16B2-4475-990D-751901EACC14}" type="datetimeFigureOut">
               <a:rPr lang="en-US" dirty="0"/>
-              <a:t>5/7/2019</a:t>
+              <a:t>5/9/2019</a:t>
             </a:fld>
             <a:endParaRPr lang="en-US" dirty="0"/>
           </a:p>
@@ -5397,7 +5425,7 @@
           <a:p>
             <a:fld id="{9FE86839-B9D8-4651-8783-F325ECE74E65}" type="datetimeFigureOut">
               <a:rPr lang="en-US" dirty="0"/>
-              <a:t>5/7/2019</a:t>
+              <a:t>5/9/2019</a:t>
             </a:fld>
             <a:endParaRPr lang="en-US" dirty="0"/>
           </a:p>
@@ -6258,7 +6286,7 @@
           <a:p>
             <a:fld id="{FD484F64-32F6-45C5-931F-ADC1662401D0}" type="datetimeFigureOut">
               <a:rPr lang="en-US" dirty="0"/>
-              <a:t>5/7/2019</a:t>
+              <a:t>5/9/2019</a:t>
             </a:fld>
             <a:endParaRPr lang="en-US" dirty="0"/>
           </a:p>
@@ -6448,7 +6476,7 @@
           <a:p>
             <a:fld id="{53086D93-FCAC-47E0-A2EE-787E62CA814C}" type="datetimeFigureOut">
               <a:rPr lang="en-US" dirty="0"/>
-              <a:t>5/7/2019</a:t>
+              <a:t>5/9/2019</a:t>
             </a:fld>
             <a:endParaRPr lang="en-US" dirty="0"/>
           </a:p>
@@ -7420,7 +7448,7 @@
           <a:p>
             <a:fld id="{CDA879A6-0FD0-4734-A311-86BFCA472E6E}" type="datetimeFigureOut">
               <a:rPr lang="en-US" dirty="0"/>
-              <a:t>5/7/2019</a:t>
+              <a:t>5/9/2019</a:t>
             </a:fld>
             <a:endParaRPr lang="en-US" dirty="0"/>
           </a:p>
@@ -7631,7 +7659,7 @@
           <a:p>
             <a:fld id="{19C9CA7B-DFD4-44B5-8C60-D14B8CD1FB59}" type="datetimeFigureOut">
               <a:rPr lang="en-US" dirty="0"/>
-              <a:t>5/7/2019</a:t>
+              <a:t>5/9/2019</a:t>
             </a:fld>
             <a:endParaRPr lang="en-US" dirty="0"/>
           </a:p>
@@ -8665,7 +8693,7 @@
           <a:p>
             <a:fld id="{F34E6425-0181-43F2-84FC-787E803FD2F8}" type="datetimeFigureOut">
               <a:rPr lang="en-US" dirty="0"/>
-              <a:t>5/7/2019</a:t>
+              <a:t>5/9/2019</a:t>
             </a:fld>
             <a:endParaRPr lang="en-US" dirty="0"/>
           </a:p>
@@ -8937,7 +8965,7 @@
           <a:p>
             <a:fld id="{3BDB8791-F1B0-41E7-B7FD-A781E65C4266}" type="datetimeFigureOut">
               <a:rPr lang="en-US" dirty="0"/>
-              <a:t>5/7/2019</a:t>
+              <a:t>5/9/2019</a:t>
             </a:fld>
             <a:endParaRPr lang="en-US" dirty="0"/>
           </a:p>
@@ -9347,7 +9375,7 @@
           <a:p>
             <a:fld id="{5FDD63B2-E120-4ED8-B27B-C685F510A5FE}" type="datetimeFigureOut">
               <a:rPr lang="en-US" dirty="0"/>
-              <a:t>5/7/2019</a:t>
+              <a:t>5/9/2019</a:t>
             </a:fld>
             <a:endParaRPr lang="en-US" dirty="0"/>
           </a:p>
@@ -9474,7 +9502,7 @@
           <a:p>
             <a:fld id="{7AA18ACC-A947-437B-A130-35BD54FDF1E9}" type="datetimeFigureOut">
               <a:rPr lang="en-US" dirty="0"/>
-              <a:t>5/7/2019</a:t>
+              <a:t>5/9/2019</a:t>
             </a:fld>
             <a:endParaRPr lang="en-US" dirty="0"/>
           </a:p>
@@ -9569,7 +9597,7 @@
           <a:p>
             <a:fld id="{7C8D7E02-BCB8-4D50-A234-369438C08659}" type="datetimeFigureOut">
               <a:rPr lang="en-US" dirty="0"/>
-              <a:t>5/7/2019</a:t>
+              <a:t>5/9/2019</a:t>
             </a:fld>
             <a:endParaRPr lang="en-US" dirty="0"/>
           </a:p>
@@ -10650,7 +10678,7 @@
           <a:p>
             <a:fld id="{76E86A4C-8E40-4F87-A4F0-01A0687C5742}" type="datetimeFigureOut">
               <a:rPr lang="en-US" dirty="0"/>
-              <a:t>5/7/2019</a:t>
+              <a:t>5/9/2019</a:t>
             </a:fld>
             <a:endParaRPr lang="en-US" dirty="0"/>
           </a:p>
@@ -11758,7 +11786,7 @@
           <a:p>
             <a:fld id="{35E72C73-2D91-4E12-BA25-F0AA0C03599B}" type="datetimeFigureOut">
               <a:rPr lang="en-US" dirty="0"/>
-              <a:t>5/7/2019</a:t>
+              <a:t>5/9/2019</a:t>
             </a:fld>
             <a:endParaRPr lang="en-US" dirty="0"/>
           </a:p>
@@ -12755,7 +12783,7 @@
           <a:p>
             <a:fld id="{2BE451C3-0FF4-47C4-B829-773ADF60F88C}" type="datetimeFigureOut">
               <a:rPr lang="en-US" dirty="0"/>
-              <a:t>5/7/2019</a:t>
+              <a:t>5/9/2019</a:t>
             </a:fld>
             <a:endParaRPr lang="en-US" dirty="0"/>
           </a:p>
@@ -14392,11 +14420,7 @@
           <a:p>
             <a:r>
               <a:rPr lang="fr-FR" dirty="0" smtClean="0"/>
-              <a:t>Architecture </a:t>
-            </a:r>
-            <a:r>
-              <a:rPr lang="fr-FR" dirty="0" smtClean="0"/>
-              <a:t>de notre application</a:t>
+              <a:t>Architecture de notre application</a:t>
             </a:r>
             <a:endParaRPr lang="fr-FR" dirty="0"/>
           </a:p>
@@ -14976,6 +15000,13 @@
   <p:clrMapOvr>
     <a:masterClrMapping/>
   </p:clrMapOvr>
+  <p:timing>
+    <p:tnLst>
+      <p:par>
+        <p:cTn id="1" dur="indefinite" restart="never" nodeType="tmRoot"/>
+      </p:par>
+    </p:tnLst>
+  </p:timing>
 </p:sld>
 </file>
 
@@ -15072,6 +15103,13 @@
   <p:clrMapOvr>
     <a:masterClrMapping/>
   </p:clrMapOvr>
+  <p:timing>
+    <p:tnLst>
+      <p:par>
+        <p:cTn id="1" dur="indefinite" restart="never" nodeType="tmRoot"/>
+      </p:par>
+    </p:tnLst>
+  </p:timing>
 </p:sld>
 </file>
 
@@ -15213,6 +15251,13 @@
   <p:clrMapOvr>
     <a:masterClrMapping/>
   </p:clrMapOvr>
+  <p:timing>
+    <p:tnLst>
+      <p:par>
+        <p:cTn id="1" dur="indefinite" restart="never" nodeType="tmRoot"/>
+      </p:par>
+    </p:tnLst>
+  </p:timing>
 </p:sld>
 </file>
 
@@ -15272,34 +15317,129 @@
           <a:lstStyle/>
           <a:p>
             <a:r>
-              <a:rPr lang="fr-FR" smtClean="0"/>
-              <a:t>Créer un dossier Views ( pas obliogatoire mais juste plus clair)</a:t>
-            </a:r>
-          </a:p>
-          <a:p>
-            <a:r>
-              <a:rPr lang="fr-FR" smtClean="0"/>
-              <a:t>Ajouter un nouveau UserControl (WPF) NavigationView.xaml</a:t>
-            </a:r>
-          </a:p>
-          <a:p>
-            <a:r>
-              <a:rPr lang="fr-FR" smtClean="0"/>
-              <a:t>Récupérer le xaml code de Main.xaml vers NavigationView.xaml</a:t>
-            </a:r>
-          </a:p>
-          <a:p>
-            <a:r>
-              <a:rPr lang="fr-FR" smtClean="0"/>
-              <a:t>Dans Main.xaml, créer un nouvel objet NavigationView et Binder le Datacontext à la propriété  NavigationViewModel présente dans MainViewViewModel</a:t>
-            </a:r>
-          </a:p>
-          <a:p>
-            <a:r>
-              <a:rPr lang="fr-FR" smtClean="0"/>
-              <a:t>(Pour l’instant supprimer le binding lié à SelectedFriend – on perd une partie des fonctionnalités de l’application)</a:t>
-            </a:r>
-            <a:endParaRPr lang="fr-FR"/>
+              <a:rPr lang="fr-FR" dirty="0" smtClean="0"/>
+              <a:t>Créer un dossier </a:t>
+            </a:r>
+            <a:r>
+              <a:rPr lang="fr-FR" dirty="0" err="1" smtClean="0"/>
+              <a:t>Views</a:t>
+            </a:r>
+            <a:r>
+              <a:rPr lang="fr-FR" dirty="0" smtClean="0"/>
+              <a:t> ( pas </a:t>
+            </a:r>
+            <a:r>
+              <a:rPr lang="fr-FR" dirty="0" err="1" smtClean="0"/>
+              <a:t>obliogatoire</a:t>
+            </a:r>
+            <a:r>
+              <a:rPr lang="fr-FR" dirty="0" smtClean="0"/>
+              <a:t> mais juste plus clair)</a:t>
+            </a:r>
+          </a:p>
+          <a:p>
+            <a:r>
+              <a:rPr lang="fr-FR" dirty="0" smtClean="0"/>
+              <a:t>Ajouter un nouveau </a:t>
+            </a:r>
+            <a:r>
+              <a:rPr lang="fr-FR" dirty="0" err="1" smtClean="0"/>
+              <a:t>UserControl</a:t>
+            </a:r>
+            <a:r>
+              <a:rPr lang="fr-FR" dirty="0" smtClean="0"/>
+              <a:t> (WPF) </a:t>
+            </a:r>
+            <a:r>
+              <a:rPr lang="fr-FR" dirty="0" err="1" smtClean="0"/>
+              <a:t>NavigationView.xaml</a:t>
+            </a:r>
+            <a:endParaRPr lang="fr-FR" dirty="0" smtClean="0"/>
+          </a:p>
+          <a:p>
+            <a:r>
+              <a:rPr lang="fr-FR" dirty="0" smtClean="0"/>
+              <a:t>Récupérer le </a:t>
+            </a:r>
+            <a:r>
+              <a:rPr lang="fr-FR" dirty="0" err="1" smtClean="0"/>
+              <a:t>xaml</a:t>
+            </a:r>
+            <a:r>
+              <a:rPr lang="fr-FR" dirty="0" smtClean="0"/>
+              <a:t> code de </a:t>
+            </a:r>
+            <a:r>
+              <a:rPr lang="fr-FR" dirty="0" err="1" smtClean="0"/>
+              <a:t>Main.xaml</a:t>
+            </a:r>
+            <a:r>
+              <a:rPr lang="fr-FR" dirty="0" smtClean="0"/>
+              <a:t> vers </a:t>
+            </a:r>
+            <a:r>
+              <a:rPr lang="fr-FR" dirty="0" err="1" smtClean="0"/>
+              <a:t>NavigationView.xaml</a:t>
+            </a:r>
+            <a:endParaRPr lang="fr-FR" dirty="0" smtClean="0"/>
+          </a:p>
+          <a:p>
+            <a:r>
+              <a:rPr lang="fr-FR" dirty="0" smtClean="0"/>
+              <a:t>Dans </a:t>
+            </a:r>
+            <a:r>
+              <a:rPr lang="fr-FR" dirty="0" err="1" smtClean="0"/>
+              <a:t>Main.xaml</a:t>
+            </a:r>
+            <a:r>
+              <a:rPr lang="fr-FR" dirty="0" smtClean="0"/>
+              <a:t>, créer un nouvel objet </a:t>
+            </a:r>
+            <a:r>
+              <a:rPr lang="fr-FR" dirty="0" err="1" smtClean="0"/>
+              <a:t>NavigationView</a:t>
+            </a:r>
+            <a:r>
+              <a:rPr lang="fr-FR" dirty="0" smtClean="0"/>
+              <a:t> et Binder le </a:t>
+            </a:r>
+            <a:r>
+              <a:rPr lang="fr-FR" dirty="0" err="1" smtClean="0"/>
+              <a:t>Datacontext</a:t>
+            </a:r>
+            <a:r>
+              <a:rPr lang="fr-FR" dirty="0" smtClean="0"/>
+              <a:t> à la propriété  </a:t>
+            </a:r>
+            <a:r>
+              <a:rPr lang="fr-FR" dirty="0" err="1" smtClean="0"/>
+              <a:t>NavigationViewModel</a:t>
+            </a:r>
+            <a:r>
+              <a:rPr lang="fr-FR" dirty="0" smtClean="0"/>
+              <a:t> présente dans </a:t>
+            </a:r>
+            <a:r>
+              <a:rPr lang="fr-FR" dirty="0" err="1" smtClean="0"/>
+              <a:t>MainViewViewModel</a:t>
+            </a:r>
+            <a:endParaRPr lang="fr-FR" dirty="0" smtClean="0"/>
+          </a:p>
+          <a:p>
+            <a:r>
+              <a:rPr lang="fr-FR" dirty="0" smtClean="0"/>
+              <a:t>(Pour l’instant supprimer le binding lié à </a:t>
+            </a:r>
+            <a:r>
+              <a:rPr lang="fr-FR" dirty="0" err="1" smtClean="0"/>
+              <a:t>SelectedFriend</a:t>
+            </a:r>
+            <a:r>
+              <a:rPr lang="fr-FR" dirty="0" smtClean="0"/>
+              <a:t> – on perd une partie des fonctionnalités de l’application)</a:t>
+            </a:r>
+            <a:endParaRPr lang="fr-FR" dirty="0"/>
           </a:p>
         </p:txBody>
       </p:sp>
@@ -15313,6 +15453,13 @@
   <p:clrMapOvr>
     <a:masterClrMapping/>
   </p:clrMapOvr>
+  <p:timing>
+    <p:tnLst>
+      <p:par>
+        <p:cTn id="1" dur="indefinite" restart="never" nodeType="tmRoot"/>
+      </p:par>
+    </p:tnLst>
+  </p:timing>
 </p:sld>
 </file>
 
@@ -15441,6 +15588,13 @@
   <p:clrMapOvr>
     <a:masterClrMapping/>
   </p:clrMapOvr>
+  <p:timing>
+    <p:tnLst>
+      <p:par>
+        <p:cTn id="1" dur="indefinite" restart="never" nodeType="tmRoot"/>
+      </p:par>
+    </p:tnLst>
+  </p:timing>
 </p:sld>
 </file>
 
@@ -15477,10 +15631,14 @@
           <a:lstStyle/>
           <a:p>
             <a:r>
-              <a:rPr lang="fr-FR" smtClean="0"/>
-              <a:t>Créer la FriendDetailView</a:t>
-            </a:r>
-            <a:endParaRPr lang="fr-FR"/>
+              <a:rPr lang="fr-FR" dirty="0" smtClean="0"/>
+              <a:t>Créer la </a:t>
+            </a:r>
+            <a:r>
+              <a:rPr lang="fr-FR" dirty="0" err="1" smtClean="0"/>
+              <a:t>FriendDetailView</a:t>
+            </a:r>
+            <a:endParaRPr lang="fr-FR" dirty="0"/>
           </a:p>
         </p:txBody>
       </p:sp>
@@ -15533,6 +15691,13 @@
   <p:clrMapOvr>
     <a:masterClrMapping/>
   </p:clrMapOvr>
+  <p:timing>
+    <p:tnLst>
+      <p:par>
+        <p:cTn id="1" dur="indefinite" restart="never" nodeType="tmRoot"/>
+      </p:par>
+    </p:tnLst>
+  </p:timing>
 </p:sld>
 </file>
 
@@ -15788,6 +15953,13 @@
   <p:clrMapOvr>
     <a:masterClrMapping/>
   </p:clrMapOvr>
+  <p:timing>
+    <p:tnLst>
+      <p:par>
+        <p:cTn id="1" dur="indefinite" restart="never" nodeType="tmRoot"/>
+      </p:par>
+    </p:tnLst>
+  </p:timing>
 </p:sld>
 </file>
 
@@ -15884,6 +16056,13 @@
   <p:clrMapOvr>
     <a:masterClrMapping/>
   </p:clrMapOvr>
+  <p:timing>
+    <p:tnLst>
+      <p:par>
+        <p:cTn id="1" dur="indefinite" restart="never" nodeType="tmRoot"/>
+      </p:par>
+    </p:tnLst>
+  </p:timing>
 </p:sld>
 </file>
 
@@ -15943,7 +16122,7 @@
           <a:lstStyle/>
           <a:p>
             <a:r>
-              <a:rPr lang="fr-FR" smtClean="0"/>
+              <a:rPr lang="fr-FR" dirty="0" smtClean="0"/>
               <a:t>Principe : </a:t>
             </a:r>
           </a:p>
@@ -15953,13 +16132,22 @@
               <a:buAutoNum type="arabicPeriod"/>
             </a:pPr>
             <a:r>
-              <a:rPr lang="fr-FR" smtClean="0"/>
-              <a:t>Créer un évenement </a:t>
-            </a:r>
-            <a:r>
-              <a:rPr lang="fr-FR" b="1" i="1" smtClean="0"/>
+              <a:rPr lang="fr-FR" dirty="0" smtClean="0"/>
+              <a:t>Créer un </a:t>
+            </a:r>
+            <a:r>
+              <a:rPr lang="fr-FR" dirty="0" err="1" smtClean="0"/>
+              <a:t>évenement</a:t>
+            </a:r>
+            <a:r>
+              <a:rPr lang="fr-FR" dirty="0" smtClean="0"/>
+              <a:t> </a:t>
+            </a:r>
+            <a:r>
+              <a:rPr lang="fr-FR" b="1" i="1" dirty="0" err="1" smtClean="0"/>
               <a:t>OpenFriendDetailViewEvent</a:t>
             </a:r>
+            <a:endParaRPr lang="fr-FR" b="1" i="1" dirty="0" smtClean="0"/>
           </a:p>
           <a:p>
             <a:pPr>
@@ -15967,17 +16155,26 @@
               <a:buAutoNum type="arabicPeriod"/>
             </a:pPr>
             <a:r>
-              <a:rPr lang="fr-FR" b="1" smtClean="0"/>
+              <a:rPr lang="fr-FR" b="1" dirty="0" smtClean="0"/>
               <a:t>Publier</a:t>
             </a:r>
             <a:r>
-              <a:rPr lang="fr-FR" smtClean="0"/>
-              <a:t> cet évenement à partir du </a:t>
-            </a:r>
-            <a:r>
-              <a:rPr lang="fr-FR" b="1" i="1" smtClean="0"/>
+              <a:rPr lang="fr-FR" dirty="0" smtClean="0"/>
+              <a:t> cet </a:t>
+            </a:r>
+            <a:r>
+              <a:rPr lang="fr-FR" dirty="0" err="1" smtClean="0"/>
+              <a:t>évenement</a:t>
+            </a:r>
+            <a:r>
+              <a:rPr lang="fr-FR" dirty="0" smtClean="0"/>
+              <a:t> à partir du </a:t>
+            </a:r>
+            <a:r>
+              <a:rPr lang="fr-FR" b="1" i="1" dirty="0" err="1" smtClean="0"/>
               <a:t>NavigationViewModel</a:t>
             </a:r>
+            <a:endParaRPr lang="fr-FR" b="1" i="1" dirty="0" smtClean="0"/>
           </a:p>
           <a:p>
             <a:pPr>
@@ -15985,18 +16182,26 @@
               <a:buAutoNum type="arabicPeriod"/>
             </a:pPr>
             <a:r>
-              <a:rPr lang="fr-FR" b="1" smtClean="0"/>
+              <a:rPr lang="fr-FR" b="1" dirty="0" smtClean="0"/>
               <a:t>Souscrire</a:t>
             </a:r>
             <a:r>
-              <a:rPr lang="fr-FR" smtClean="0"/>
-              <a:t> à l’evenement dans le </a:t>
-            </a:r>
-            <a:r>
-              <a:rPr lang="fr-FR" b="1" i="1" smtClean="0"/>
+              <a:rPr lang="fr-FR" dirty="0" smtClean="0"/>
+              <a:t> à l’</a:t>
+            </a:r>
+            <a:r>
+              <a:rPr lang="fr-FR" dirty="0" err="1" smtClean="0"/>
+              <a:t>evenement</a:t>
+            </a:r>
+            <a:r>
+              <a:rPr lang="fr-FR" dirty="0" smtClean="0"/>
+              <a:t> dans le </a:t>
+            </a:r>
+            <a:r>
+              <a:rPr lang="fr-FR" b="1" i="1" dirty="0" err="1" smtClean="0"/>
               <a:t>FriendDetailViewModel</a:t>
             </a:r>
-            <a:endParaRPr lang="fr-FR" b="1" i="1"/>
+            <a:endParaRPr lang="fr-FR" b="1" i="1" dirty="0"/>
           </a:p>
         </p:txBody>
       </p:sp>
@@ -16010,6 +16215,13 @@
   <p:clrMapOvr>
     <a:masterClrMapping/>
   </p:clrMapOvr>
+  <p:timing>
+    <p:tnLst>
+      <p:par>
+        <p:cTn id="1" dur="indefinite" restart="never" nodeType="tmRoot"/>
+      </p:par>
+    </p:tnLst>
+  </p:timing>
 </p:sld>
 </file>
 
@@ -16076,43 +16288,65 @@
           <a:lstStyle/>
           <a:p>
             <a:r>
-              <a:rPr lang="fr-FR" smtClean="0"/>
-              <a:t>Ajout Nuget </a:t>
-            </a:r>
-            <a:r>
-              <a:rPr lang="fr-FR" b="1" i="1" smtClean="0"/>
+              <a:rPr lang="fr-FR" dirty="0" smtClean="0"/>
+              <a:t>Ajout </a:t>
+            </a:r>
+            <a:r>
+              <a:rPr lang="fr-FR" dirty="0" err="1" smtClean="0"/>
+              <a:t>Nuget</a:t>
+            </a:r>
+            <a:r>
+              <a:rPr lang="fr-FR" dirty="0" smtClean="0"/>
+              <a:t> </a:t>
+            </a:r>
+            <a:r>
+              <a:rPr lang="fr-FR" b="1" i="1" dirty="0" err="1" smtClean="0"/>
               <a:t>Prism.Core</a:t>
             </a:r>
-          </a:p>
-          <a:p>
-            <a:r>
-              <a:rPr lang="fr-FR" smtClean="0"/>
-              <a:t>Dans bootstrapper ajouter cette ligne :</a:t>
-            </a:r>
-          </a:p>
-          <a:p>
-            <a:endParaRPr lang="fr-FR"/>
-          </a:p>
-          <a:p>
-            <a:r>
-              <a:rPr lang="fr-FR" smtClean="0"/>
+            <a:endParaRPr lang="fr-FR" b="1" i="1" dirty="0" smtClean="0"/>
+          </a:p>
+          <a:p>
+            <a:r>
+              <a:rPr lang="fr-FR" dirty="0" smtClean="0"/>
+              <a:t>Dans </a:t>
+            </a:r>
+            <a:r>
+              <a:rPr lang="fr-FR" dirty="0" err="1" smtClean="0"/>
+              <a:t>bootstrapper</a:t>
+            </a:r>
+            <a:r>
+              <a:rPr lang="fr-FR" dirty="0" smtClean="0"/>
+              <a:t> ajouter cette ligne :</a:t>
+            </a:r>
+          </a:p>
+          <a:p>
+            <a:endParaRPr lang="fr-FR" dirty="0"/>
+          </a:p>
+          <a:p>
+            <a:r>
+              <a:rPr lang="fr-FR" dirty="0" smtClean="0"/>
               <a:t>Créer un dossier Events</a:t>
             </a:r>
           </a:p>
           <a:p>
             <a:r>
-              <a:rPr lang="fr-FR" smtClean="0"/>
-              <a:t>Ajouter une nouvelle classe OpenFriendDetailViewEvent</a:t>
-            </a:r>
-          </a:p>
-          <a:p>
-            <a:endParaRPr lang="fr-FR"/>
-          </a:p>
-          <a:p>
-            <a:endParaRPr lang="fr-FR" smtClean="0"/>
-          </a:p>
-          <a:p>
-            <a:endParaRPr lang="fr-FR"/>
+              <a:rPr lang="fr-FR" dirty="0" smtClean="0"/>
+              <a:t>Ajouter une nouvelle classe </a:t>
+            </a:r>
+            <a:r>
+              <a:rPr lang="fr-FR" dirty="0" err="1" smtClean="0"/>
+              <a:t>OpenFriendDetailViewEvent</a:t>
+            </a:r>
+            <a:endParaRPr lang="fr-FR" dirty="0" smtClean="0"/>
+          </a:p>
+          <a:p>
+            <a:endParaRPr lang="fr-FR" dirty="0"/>
+          </a:p>
+          <a:p>
+            <a:endParaRPr lang="fr-FR" dirty="0" smtClean="0"/>
+          </a:p>
+          <a:p>
+            <a:endParaRPr lang="fr-FR" dirty="0"/>
           </a:p>
         </p:txBody>
       </p:sp>
@@ -16259,6 +16493,13 @@
   <p:clrMapOvr>
     <a:masterClrMapping/>
   </p:clrMapOvr>
+  <p:timing>
+    <p:tnLst>
+      <p:par>
+        <p:cTn id="1" dur="indefinite" restart="never" nodeType="tmRoot"/>
+      </p:par>
+    </p:tnLst>
+  </p:timing>
 </p:sld>
 </file>
 
@@ -16391,10 +16632,34 @@
           <a:lstStyle/>
           <a:p>
             <a:r>
-              <a:rPr lang="fr-FR" smtClean="0"/>
-              <a:t>On a accès à l’event aggregator mais commen publier l’evenement ?</a:t>
-            </a:r>
-            <a:endParaRPr lang="fr-FR"/>
+              <a:rPr lang="fr-FR" dirty="0" smtClean="0"/>
+              <a:t>On a accès à l’</a:t>
+            </a:r>
+            <a:r>
+              <a:rPr lang="fr-FR" dirty="0" err="1" smtClean="0"/>
+              <a:t>event</a:t>
+            </a:r>
+            <a:r>
+              <a:rPr lang="fr-FR" dirty="0" smtClean="0"/>
+              <a:t> </a:t>
+            </a:r>
+            <a:r>
+              <a:rPr lang="fr-FR" dirty="0" err="1" smtClean="0"/>
+              <a:t>aggregator</a:t>
+            </a:r>
+            <a:r>
+              <a:rPr lang="fr-FR" dirty="0" smtClean="0"/>
+              <a:t> mais comment publier l’</a:t>
+            </a:r>
+            <a:r>
+              <a:rPr lang="fr-FR" dirty="0" err="1" smtClean="0"/>
+              <a:t>evenement</a:t>
+            </a:r>
+            <a:r>
+              <a:rPr lang="fr-FR" dirty="0" smtClean="0"/>
+              <a:t> ?</a:t>
+            </a:r>
+            <a:endParaRPr lang="fr-FR" dirty="0"/>
           </a:p>
         </p:txBody>
       </p:sp>
@@ -16408,6 +16673,13 @@
   <p:clrMapOvr>
     <a:masterClrMapping/>
   </p:clrMapOvr>
+  <p:timing>
+    <p:tnLst>
+      <p:par>
+        <p:cTn id="1" dur="indefinite" restart="never" nodeType="tmRoot"/>
+      </p:par>
+    </p:tnLst>
+  </p:timing>
 </p:sld>
 </file>
 
@@ -16549,6 +16821,13 @@
   <p:clrMapOvr>
     <a:masterClrMapping/>
   </p:clrMapOvr>
+  <p:timing>
+    <p:tnLst>
+      <p:par>
+        <p:cTn id="1" dur="indefinite" restart="never" nodeType="tmRoot"/>
+      </p:par>
+    </p:tnLst>
+  </p:timing>
 </p:sld>
 </file>
 
@@ -16661,6 +16940,13 @@
   <p:clrMapOvr>
     <a:masterClrMapping/>
   </p:clrMapOvr>
+  <p:timing>
+    <p:tnLst>
+      <p:par>
+        <p:cTn id="1" dur="indefinite" restart="never" nodeType="tmRoot"/>
+      </p:par>
+    </p:tnLst>
+  </p:timing>
 </p:sld>
 </file>
 
@@ -16758,6 +17044,13 @@
   <p:clrMapOvr>
     <a:masterClrMapping/>
   </p:clrMapOvr>
+  <p:timing>
+    <p:tnLst>
+      <p:par>
+        <p:cTn id="1" dur="indefinite" restart="never" nodeType="tmRoot"/>
+      </p:par>
+    </p:tnLst>
+  </p:timing>
 </p:sld>
 </file>
 
@@ -16780,12 +17073,12 @@
       </p:grpSpPr>
       <p:sp>
         <p:nvSpPr>
-          <p:cNvPr id="2" name="Title 1"/>
-          <p:cNvSpPr>
-            <a:spLocks noGrp="1"/>
-          </p:cNvSpPr>
-          <p:nvPr>
-            <p:ph type="ctrTitle"/>
+          <p:cNvPr id="2" name="Titre 1"/>
+          <p:cNvSpPr>
+            <a:spLocks noGrp="1"/>
+          </p:cNvSpPr>
+          <p:nvPr>
+            <p:ph type="title"/>
           </p:nvPr>
         </p:nvSpPr>
         <p:spPr/>
@@ -16794,12 +17087,220 @@
           <a:lstStyle/>
           <a:p>
             <a:r>
-              <a:rPr lang="fr-FR" smtClean="0"/>
+              <a:rPr lang="fr-FR" dirty="0" smtClean="0"/>
+              <a:t>Nécessité d’implémenter </a:t>
+            </a:r>
+            <a:r>
+              <a:rPr lang="fr-FR" dirty="0" err="1" smtClean="0"/>
+              <a:t>INotifyPropertyChanged</a:t>
+            </a:r>
+            <a:endParaRPr lang="fr-FR" dirty="0"/>
+          </a:p>
+        </p:txBody>
+      </p:sp>
+      <p:sp>
+        <p:nvSpPr>
+          <p:cNvPr id="3" name="Espace réservé du contenu 2"/>
+          <p:cNvSpPr>
+            <a:spLocks noGrp="1"/>
+          </p:cNvSpPr>
+          <p:nvPr>
+            <p:ph idx="1"/>
+          </p:nvPr>
+        </p:nvSpPr>
+        <p:spPr/>
+        <p:txBody>
+          <a:bodyPr>
+            <a:normAutofit lnSpcReduction="10000"/>
+          </a:bodyPr>
+          <a:lstStyle/>
+          <a:p>
+            <a:r>
+              <a:rPr lang="fr-FR" dirty="0" smtClean="0"/>
+              <a:t>Même </a:t>
+            </a:r>
+            <a:r>
+              <a:rPr lang="fr-FR" dirty="0" smtClean="0"/>
+              <a:t>si la valeur de </a:t>
+            </a:r>
+            <a:r>
+              <a:rPr lang="fr-FR" dirty="0" err="1" smtClean="0"/>
+              <a:t>CurrentFriend</a:t>
+            </a:r>
+            <a:r>
+              <a:rPr lang="fr-FR" dirty="0" smtClean="0"/>
+              <a:t> change, la vue n’est pas mise à jour par défaut.</a:t>
+            </a:r>
+          </a:p>
+          <a:p>
+            <a:r>
+              <a:rPr lang="fr-FR" dirty="0" smtClean="0"/>
+              <a:t>Il faut que notre </a:t>
+            </a:r>
+            <a:r>
+              <a:rPr lang="fr-FR" dirty="0" err="1" smtClean="0"/>
+              <a:t>FriendDetailViewModel</a:t>
+            </a:r>
+            <a:r>
+              <a:rPr lang="fr-FR" dirty="0" smtClean="0"/>
+              <a:t> implémente </a:t>
+            </a:r>
+            <a:r>
+              <a:rPr lang="fr-FR" b="1" dirty="0" err="1" smtClean="0"/>
+              <a:t>INotifyPropertyChanged</a:t>
+            </a:r>
+            <a:r>
+              <a:rPr lang="fr-FR" dirty="0" smtClean="0"/>
+              <a:t> afin de déclencher la propagation vers l’IHM à chaque changement de la valeur </a:t>
+            </a:r>
+            <a:r>
+              <a:rPr lang="fr-FR" b="1" dirty="0" err="1" smtClean="0"/>
+              <a:t>CurrentFriend</a:t>
+            </a:r>
+            <a:endParaRPr lang="fr-FR" b="1" dirty="0" smtClean="0"/>
+          </a:p>
+          <a:p>
+            <a:endParaRPr lang="fr-FR" b="1" dirty="0"/>
+          </a:p>
+          <a:p>
+            <a:r>
+              <a:rPr lang="fr-FR" dirty="0" smtClean="0"/>
+              <a:t>Note : </a:t>
+            </a:r>
+            <a:r>
+              <a:rPr lang="fr-FR" i="1" dirty="0" err="1" smtClean="0"/>
+              <a:t>ObservableCollection</a:t>
+            </a:r>
+            <a:r>
+              <a:rPr lang="fr-FR" dirty="0" smtClean="0"/>
+              <a:t> est une collection qui implémente nativement </a:t>
+            </a:r>
+            <a:r>
+              <a:rPr lang="fr-FR" dirty="0" err="1" smtClean="0"/>
+              <a:t>INotifyPropertyChanged</a:t>
+            </a:r>
+            <a:r>
+              <a:rPr lang="fr-FR" dirty="0" smtClean="0"/>
+              <a:t>. On est obligé d’implémenter l’interface uniquement si on a des propriétés dans d’autres type ( string, </a:t>
+            </a:r>
+            <a:r>
+              <a:rPr lang="fr-FR" dirty="0" err="1" smtClean="0"/>
+              <a:t>int</a:t>
+            </a:r>
+            <a:r>
+              <a:rPr lang="fr-FR" dirty="0" smtClean="0"/>
+              <a:t> et autres objets comme </a:t>
+            </a:r>
+            <a:r>
+              <a:rPr lang="fr-FR" dirty="0" err="1" smtClean="0"/>
+              <a:t>CurrentFriend</a:t>
+            </a:r>
+            <a:r>
+              <a:rPr lang="fr-FR" dirty="0" smtClean="0"/>
+              <a:t>)</a:t>
+            </a:r>
+          </a:p>
+          <a:p>
+            <a:r>
+              <a:rPr lang="fr-FR" dirty="0" smtClean="0"/>
+              <a:t>Passer notre List&lt;</a:t>
+            </a:r>
+            <a:r>
+              <a:rPr lang="fr-FR" dirty="0" err="1" smtClean="0"/>
+              <a:t>Friend</a:t>
+            </a:r>
+            <a:r>
+              <a:rPr lang="fr-FR" dirty="0" smtClean="0"/>
+              <a:t>&gt; en </a:t>
+            </a:r>
+            <a:r>
+              <a:rPr lang="fr-FR" dirty="0" err="1" smtClean="0"/>
+              <a:t>ObservableCollection</a:t>
+            </a:r>
+            <a:r>
+              <a:rPr lang="fr-FR" dirty="0" smtClean="0"/>
+              <a:t>&lt;</a:t>
+            </a:r>
+            <a:r>
+              <a:rPr lang="fr-FR" dirty="0" err="1" smtClean="0"/>
+              <a:t>Friend</a:t>
+            </a:r>
+            <a:r>
+              <a:rPr lang="fr-FR" dirty="0" smtClean="0"/>
+              <a:t>&gt;</a:t>
+            </a:r>
+          </a:p>
+          <a:p>
+            <a:endParaRPr lang="fr-FR" dirty="0"/>
+          </a:p>
+          <a:p>
+            <a:endParaRPr lang="fr-FR" dirty="0"/>
+          </a:p>
+        </p:txBody>
+      </p:sp>
+    </p:spTree>
+    <p:extLst>
+      <p:ext uri="{BB962C8B-B14F-4D97-AF65-F5344CB8AC3E}">
+        <p14:creationId xmlns:p14="http://schemas.microsoft.com/office/powerpoint/2010/main" val="1111526611"/>
+      </p:ext>
+    </p:extLst>
+  </p:cSld>
+  <p:clrMapOvr>
+    <a:masterClrMapping/>
+  </p:clrMapOvr>
+  <p:timing>
+    <p:tnLst>
+      <p:par>
+        <p:cTn id="1" dur="indefinite" restart="never" nodeType="tmRoot"/>
+      </p:par>
+    </p:tnLst>
+  </p:timing>
+</p:sld>
+</file>
+
+<file path=ppt/slides/slide39.xml><?xml version="1.0" encoding="utf-8"?>
+<p:sld xmlns:a="http://schemas.openxmlformats.org/drawingml/2006/main" xmlns:r="http://schemas.openxmlformats.org/officeDocument/2006/relationships" xmlns:p="http://schemas.openxmlformats.org/presentationml/2006/main">
+  <p:cSld>
+    <p:spTree>
+      <p:nvGrpSpPr>
+        <p:cNvPr id="1" name=""/>
+        <p:cNvGrpSpPr/>
+        <p:nvPr/>
+      </p:nvGrpSpPr>
+      <p:grpSpPr>
+        <a:xfrm>
+          <a:off x="0" y="0"/>
+          <a:ext cx="0" cy="0"/>
+          <a:chOff x="0" y="0"/>
+          <a:chExt cx="0" cy="0"/>
+        </a:xfrm>
+      </p:grpSpPr>
+      <p:sp>
+        <p:nvSpPr>
+          <p:cNvPr id="2" name="Title 1"/>
+          <p:cNvSpPr>
+            <a:spLocks noGrp="1"/>
+          </p:cNvSpPr>
+          <p:nvPr>
+            <p:ph type="ctrTitle"/>
+          </p:nvPr>
+        </p:nvSpPr>
+        <p:spPr/>
+        <p:txBody>
+          <a:bodyPr/>
+          <a:lstStyle/>
+          <a:p>
+            <a:r>
+              <a:rPr lang="fr-FR" dirty="0" smtClean="0"/>
               <a:t>Classe générique pour gérer les </a:t>
             </a:r>
             <a:r>
-              <a:rPr lang="fr-FR"/>
-              <a:t>INotifyPropertyChanged </a:t>
+              <a:rPr lang="fr-FR" dirty="0" err="1"/>
+              <a:t>INotifyPropertyChanged</a:t>
+            </a:r>
+            <a:r>
+              <a:rPr lang="fr-FR" dirty="0"/>
+              <a:t> </a:t>
             </a:r>
           </a:p>
         </p:txBody>
@@ -16837,10 +17338,122 @@
   <p:clrMapOvr>
     <a:masterClrMapping/>
   </p:clrMapOvr>
+  <p:timing>
+    <p:tnLst>
+      <p:par>
+        <p:cTn id="1" dur="indefinite" restart="never" nodeType="tmRoot"/>
+      </p:par>
+    </p:tnLst>
+  </p:timing>
 </p:sld>
 </file>
 
-<file path=ppt/slides/slide39.xml><?xml version="1.0" encoding="utf-8"?>
+<file path=ppt/slides/slide4.xml><?xml version="1.0" encoding="utf-8"?>
+<p:sld xmlns:a="http://schemas.openxmlformats.org/drawingml/2006/main" xmlns:r="http://schemas.openxmlformats.org/officeDocument/2006/relationships" xmlns:p="http://schemas.openxmlformats.org/presentationml/2006/main">
+  <p:cSld>
+    <p:spTree>
+      <p:nvGrpSpPr>
+        <p:cNvPr id="1" name=""/>
+        <p:cNvGrpSpPr/>
+        <p:nvPr/>
+      </p:nvGrpSpPr>
+      <p:grpSpPr>
+        <a:xfrm>
+          <a:off x="0" y="0"/>
+          <a:ext cx="0" cy="0"/>
+          <a:chOff x="0" y="0"/>
+          <a:chExt cx="0" cy="0"/>
+        </a:xfrm>
+      </p:grpSpPr>
+      <p:sp>
+        <p:nvSpPr>
+          <p:cNvPr id="2" name="Title 1"/>
+          <p:cNvSpPr>
+            <a:spLocks noGrp="1"/>
+          </p:cNvSpPr>
+          <p:nvPr>
+            <p:ph type="title"/>
+          </p:nvPr>
+        </p:nvSpPr>
+        <p:spPr/>
+        <p:txBody>
+          <a:bodyPr/>
+          <a:lstStyle/>
+          <a:p>
+            <a:r>
+              <a:rPr lang="fr-FR"/>
+              <a:t>2</a:t>
+            </a:r>
+            <a:r>
+              <a:rPr lang="fr-FR" smtClean="0"/>
+              <a:t>) Mise en place de l’IHM</a:t>
+            </a:r>
+            <a:endParaRPr lang="fr-FR"/>
+          </a:p>
+        </p:txBody>
+      </p:sp>
+      <p:sp>
+        <p:nvSpPr>
+          <p:cNvPr id="3" name="Content Placeholder 2"/>
+          <p:cNvSpPr>
+            <a:spLocks noGrp="1"/>
+          </p:cNvSpPr>
+          <p:nvPr>
+            <p:ph idx="1"/>
+          </p:nvPr>
+        </p:nvSpPr>
+        <p:spPr>
+          <a:xfrm>
+            <a:off x="1154954" y="2603499"/>
+            <a:ext cx="7569168" cy="3470729"/>
+          </a:xfrm>
+        </p:spPr>
+        <p:txBody>
+          <a:bodyPr/>
+          <a:lstStyle/>
+          <a:p>
+            <a:r>
+              <a:rPr lang="fr-FR" smtClean="0"/>
+              <a:t>Créer 2 colonnes dans la Grid, la première ayant une largeur de 200px, la seconde prenant l’espace restant</a:t>
+            </a:r>
+          </a:p>
+          <a:p>
+            <a:r>
+              <a:rPr lang="fr-FR" smtClean="0"/>
+              <a:t>Ajouter une ListView et Binder la propriété ItemsSource sur la propriété Friend du ViewModel</a:t>
+            </a:r>
+          </a:p>
+          <a:p>
+            <a:r>
+              <a:rPr lang="fr-FR" smtClean="0"/>
+              <a:t>Lancer l’application et observer le probleme</a:t>
+            </a:r>
+          </a:p>
+          <a:p>
+            <a:r>
+              <a:rPr lang="fr-FR" smtClean="0"/>
+              <a:t>Corriger le probleme (indice : DisplayMemberPath)</a:t>
+            </a:r>
+          </a:p>
+          <a:p>
+            <a:endParaRPr lang="fr-FR"/>
+          </a:p>
+        </p:txBody>
+      </p:sp>
+    </p:spTree>
+    <p:extLst>
+      <p:ext uri="{BB962C8B-B14F-4D97-AF65-F5344CB8AC3E}">
+        <p14:creationId xmlns:p14="http://schemas.microsoft.com/office/powerpoint/2010/main" val="2092510044"/>
+      </p:ext>
+    </p:extLst>
+  </p:cSld>
+  <p:clrMapOvr>
+    <a:masterClrMapping/>
+  </p:clrMapOvr>
+</p:sld>
+</file>
+
+<file path=ppt/slides/slide40.xml><?xml version="1.0" encoding="utf-8"?>
 <p:sld xmlns:a="http://schemas.openxmlformats.org/drawingml/2006/main" xmlns:r="http://schemas.openxmlformats.org/officeDocument/2006/relationships" xmlns:p="http://schemas.openxmlformats.org/presentationml/2006/main">
   <p:cSld>
     <p:spTree>
@@ -16937,115 +17550,17 @@
   <p:clrMapOvr>
     <a:masterClrMapping/>
   </p:clrMapOvr>
+  <p:timing>
+    <p:tnLst>
+      <p:par>
+        <p:cTn id="1" dur="indefinite" restart="never" nodeType="tmRoot"/>
+      </p:par>
+    </p:tnLst>
+  </p:timing>
 </p:sld>
 </file>
 
-<file path=ppt/slides/slide4.xml><?xml version="1.0" encoding="utf-8"?>
-<p:sld xmlns:a="http://schemas.openxmlformats.org/drawingml/2006/main" xmlns:r="http://schemas.openxmlformats.org/officeDocument/2006/relationships" xmlns:p="http://schemas.openxmlformats.org/presentationml/2006/main">
-  <p:cSld>
-    <p:spTree>
-      <p:nvGrpSpPr>
-        <p:cNvPr id="1" name=""/>
-        <p:cNvGrpSpPr/>
-        <p:nvPr/>
-      </p:nvGrpSpPr>
-      <p:grpSpPr>
-        <a:xfrm>
-          <a:off x="0" y="0"/>
-          <a:ext cx="0" cy="0"/>
-          <a:chOff x="0" y="0"/>
-          <a:chExt cx="0" cy="0"/>
-        </a:xfrm>
-      </p:grpSpPr>
-      <p:sp>
-        <p:nvSpPr>
-          <p:cNvPr id="2" name="Title 1"/>
-          <p:cNvSpPr>
-            <a:spLocks noGrp="1"/>
-          </p:cNvSpPr>
-          <p:nvPr>
-            <p:ph type="title"/>
-          </p:nvPr>
-        </p:nvSpPr>
-        <p:spPr/>
-        <p:txBody>
-          <a:bodyPr/>
-          <a:lstStyle/>
-          <a:p>
-            <a:r>
-              <a:rPr lang="fr-FR"/>
-              <a:t>2</a:t>
-            </a:r>
-            <a:r>
-              <a:rPr lang="fr-FR" smtClean="0"/>
-              <a:t>) Mise en place de l’IHM</a:t>
-            </a:r>
-            <a:endParaRPr lang="fr-FR"/>
-          </a:p>
-        </p:txBody>
-      </p:sp>
-      <p:sp>
-        <p:nvSpPr>
-          <p:cNvPr id="3" name="Content Placeholder 2"/>
-          <p:cNvSpPr>
-            <a:spLocks noGrp="1"/>
-          </p:cNvSpPr>
-          <p:nvPr>
-            <p:ph idx="1"/>
-          </p:nvPr>
-        </p:nvSpPr>
-        <p:spPr>
-          <a:xfrm>
-            <a:off x="1154954" y="2603499"/>
-            <a:ext cx="7569168" cy="3470729"/>
-          </a:xfrm>
-        </p:spPr>
-        <p:txBody>
-          <a:bodyPr/>
-          <a:lstStyle/>
-          <a:p>
-            <a:r>
-              <a:rPr lang="fr-FR" smtClean="0"/>
-              <a:t>Créer 2 colonnes dans la Grid, la première ayant une largeur de 200px, la seconde prenant l’espace restant</a:t>
-            </a:r>
-          </a:p>
-          <a:p>
-            <a:r>
-              <a:rPr lang="fr-FR" smtClean="0"/>
-              <a:t>Ajouter une ListView et Binder la propriété ItemsSource sur la propriété Friend du ViewModel</a:t>
-            </a:r>
-          </a:p>
-          <a:p>
-            <a:r>
-              <a:rPr lang="fr-FR" smtClean="0"/>
-              <a:t>Lancer l’application et observer le probleme</a:t>
-            </a:r>
-          </a:p>
-          <a:p>
-            <a:r>
-              <a:rPr lang="fr-FR" smtClean="0"/>
-              <a:t>Corriger le probleme (indice : DisplayMemberPath)</a:t>
-            </a:r>
-          </a:p>
-          <a:p>
-            <a:endParaRPr lang="fr-FR"/>
-          </a:p>
-        </p:txBody>
-      </p:sp>
-    </p:spTree>
-    <p:extLst>
-      <p:ext uri="{BB962C8B-B14F-4D97-AF65-F5344CB8AC3E}">
-        <p14:creationId xmlns:p14="http://schemas.microsoft.com/office/powerpoint/2010/main" val="2092510044"/>
-      </p:ext>
-    </p:extLst>
-  </p:cSld>
-  <p:clrMapOvr>
-    <a:masterClrMapping/>
-  </p:clrMapOvr>
-</p:sld>
-</file>
-
-<file path=ppt/slides/slide40.xml><?xml version="1.0" encoding="utf-8"?>
+<file path=ppt/slides/slide41.xml><?xml version="1.0" encoding="utf-8"?>
 <p:sld xmlns:a="http://schemas.openxmlformats.org/drawingml/2006/main" xmlns:r="http://schemas.openxmlformats.org/officeDocument/2006/relationships" xmlns:p="http://schemas.openxmlformats.org/presentationml/2006/main">
   <p:cSld>
     <p:spTree>
@@ -17165,78 +17680,13 @@
   <p:clrMapOvr>
     <a:masterClrMapping/>
   </p:clrMapOvr>
-</p:sld>
-</file>
-
-<file path=ppt/slides/slide41.xml><?xml version="1.0" encoding="utf-8"?>
-<p:sld xmlns:a="http://schemas.openxmlformats.org/drawingml/2006/main" xmlns:r="http://schemas.openxmlformats.org/officeDocument/2006/relationships" xmlns:p="http://schemas.openxmlformats.org/presentationml/2006/main">
-  <p:cSld>
-    <p:spTree>
-      <p:nvGrpSpPr>
-        <p:cNvPr id="1" name=""/>
-        <p:cNvGrpSpPr/>
-        <p:nvPr/>
-      </p:nvGrpSpPr>
-      <p:grpSpPr>
-        <a:xfrm>
-          <a:off x="0" y="0"/>
-          <a:ext cx="0" cy="0"/>
-          <a:chOff x="0" y="0"/>
-          <a:chExt cx="0" cy="0"/>
-        </a:xfrm>
-      </p:grpSpPr>
-      <p:sp>
-        <p:nvSpPr>
-          <p:cNvPr id="2" name="Title 1"/>
-          <p:cNvSpPr>
-            <a:spLocks noGrp="1"/>
-          </p:cNvSpPr>
-          <p:nvPr>
-            <p:ph type="ctrTitle"/>
-          </p:nvPr>
-        </p:nvSpPr>
-        <p:spPr/>
-        <p:txBody>
-          <a:bodyPr/>
-          <a:lstStyle/>
-          <a:p>
-            <a:r>
-              <a:rPr lang="fr-FR" smtClean="0"/>
-              <a:t>Commande</a:t>
-            </a:r>
-            <a:endParaRPr lang="fr-FR"/>
-          </a:p>
-        </p:txBody>
-      </p:sp>
-      <p:sp>
-        <p:nvSpPr>
-          <p:cNvPr id="3" name="Subtitle 2"/>
-          <p:cNvSpPr>
-            <a:spLocks noGrp="1"/>
-          </p:cNvSpPr>
-          <p:nvPr>
-            <p:ph type="subTitle" idx="1"/>
-          </p:nvPr>
-        </p:nvSpPr>
-        <p:spPr/>
-        <p:txBody>
-          <a:bodyPr/>
-          <a:lstStyle/>
-          <a:p>
-            <a:endParaRPr lang="fr-FR"/>
-          </a:p>
-        </p:txBody>
-      </p:sp>
-    </p:spTree>
-    <p:extLst>
-      <p:ext uri="{BB962C8B-B14F-4D97-AF65-F5344CB8AC3E}">
-        <p14:creationId xmlns:p14="http://schemas.microsoft.com/office/powerpoint/2010/main" val="55774008"/>
-      </p:ext>
-    </p:extLst>
-  </p:cSld>
-  <p:clrMapOvr>
-    <a:masterClrMapping/>
-  </p:clrMapOvr>
+  <p:timing>
+    <p:tnLst>
+      <p:par>
+        <p:cTn id="1" dur="indefinite" restart="never" nodeType="tmRoot"/>
+      </p:par>
+    </p:tnLst>
+  </p:timing>
 </p:sld>
 </file>
 
@@ -17264,7 +17714,7 @@
             <a:spLocks noGrp="1"/>
           </p:cNvSpPr>
           <p:nvPr>
-            <p:ph type="title"/>
+            <p:ph type="ctrTitle"/>
           </p:nvPr>
         </p:nvSpPr>
         <p:spPr/>
@@ -17274,7 +17724,7 @@
           <a:p>
             <a:r>
               <a:rPr lang="fr-FR" smtClean="0"/>
-              <a:t>Sauvegarder un nouveau Friend en base</a:t>
+              <a:t>Commande</a:t>
             </a:r>
             <a:endParaRPr lang="fr-FR"/>
           </a:p>
@@ -17282,45 +17732,18 @@
       </p:sp>
       <p:sp>
         <p:nvSpPr>
-          <p:cNvPr id="3" name="Content Placeholder 2"/>
-          <p:cNvSpPr>
-            <a:spLocks noGrp="1"/>
-          </p:cNvSpPr>
-          <p:nvPr>
-            <p:ph idx="1"/>
+          <p:cNvPr id="3" name="Subtitle 2"/>
+          <p:cNvSpPr>
+            <a:spLocks noGrp="1"/>
+          </p:cNvSpPr>
+          <p:nvPr>
+            <p:ph type="subTitle" idx="1"/>
           </p:nvPr>
         </p:nvSpPr>
         <p:spPr/>
         <p:txBody>
           <a:bodyPr/>
           <a:lstStyle/>
-          <a:p>
-            <a:r>
-              <a:rPr lang="fr-FR" smtClean="0"/>
-              <a:t>Introduction à ICommand</a:t>
-            </a:r>
-          </a:p>
-          <a:p>
-            <a:r>
-              <a:rPr lang="fr-FR" smtClean="0"/>
-              <a:t>Ajouter SaveCommand au FriendDetailViewModel</a:t>
-            </a:r>
-          </a:p>
-          <a:p>
-            <a:r>
-              <a:rPr lang="fr-FR" smtClean="0"/>
-              <a:t>Enregistrer le Friend en base</a:t>
-            </a:r>
-          </a:p>
-          <a:p>
-            <a:r>
-              <a:rPr lang="fr-FR" smtClean="0"/>
-              <a:t>Mettre à jour la navigation après la sauvegarde</a:t>
-            </a:r>
-          </a:p>
-          <a:p>
-            <a:endParaRPr lang="fr-FR" smtClean="0"/>
-          </a:p>
           <a:p>
             <a:endParaRPr lang="fr-FR"/>
           </a:p>
@@ -17329,13 +17752,20 @@
     </p:spTree>
     <p:extLst>
       <p:ext uri="{BB962C8B-B14F-4D97-AF65-F5344CB8AC3E}">
-        <p14:creationId xmlns:p14="http://schemas.microsoft.com/office/powerpoint/2010/main" val="1379700774"/>
+        <p14:creationId xmlns:p14="http://schemas.microsoft.com/office/powerpoint/2010/main" val="55774008"/>
       </p:ext>
     </p:extLst>
   </p:cSld>
   <p:clrMapOvr>
     <a:masterClrMapping/>
   </p:clrMapOvr>
+  <p:timing>
+    <p:tnLst>
+      <p:par>
+        <p:cTn id="1" dur="indefinite" restart="never" nodeType="tmRoot"/>
+      </p:par>
+    </p:tnLst>
+  </p:timing>
 </p:sld>
 </file>
 
@@ -17373,6 +17803,138 @@
           <a:p>
             <a:r>
               <a:rPr lang="fr-FR" smtClean="0"/>
+              <a:t>Sauvegarder un nouveau Friend en base</a:t>
+            </a:r>
+            <a:endParaRPr lang="fr-FR"/>
+          </a:p>
+        </p:txBody>
+      </p:sp>
+      <p:sp>
+        <p:nvSpPr>
+          <p:cNvPr id="3" name="Content Placeholder 2"/>
+          <p:cNvSpPr>
+            <a:spLocks noGrp="1"/>
+          </p:cNvSpPr>
+          <p:nvPr>
+            <p:ph idx="1"/>
+          </p:nvPr>
+        </p:nvSpPr>
+        <p:spPr/>
+        <p:txBody>
+          <a:bodyPr/>
+          <a:lstStyle/>
+          <a:p>
+            <a:r>
+              <a:rPr lang="fr-FR" dirty="0" smtClean="0"/>
+              <a:t>Introduction à </a:t>
+            </a:r>
+            <a:r>
+              <a:rPr lang="fr-FR" dirty="0" err="1" smtClean="0"/>
+              <a:t>ICommand</a:t>
+            </a:r>
+            <a:endParaRPr lang="fr-FR" dirty="0" smtClean="0"/>
+          </a:p>
+          <a:p>
+            <a:r>
+              <a:rPr lang="fr-FR" dirty="0" smtClean="0"/>
+              <a:t>Ajouter </a:t>
+            </a:r>
+            <a:r>
+              <a:rPr lang="fr-FR" dirty="0" err="1" smtClean="0"/>
+              <a:t>SaveCommand</a:t>
+            </a:r>
+            <a:r>
+              <a:rPr lang="fr-FR" dirty="0" smtClean="0"/>
+              <a:t> au </a:t>
+            </a:r>
+            <a:r>
+              <a:rPr lang="fr-FR" dirty="0" err="1" smtClean="0"/>
+              <a:t>FriendDetailViewModel</a:t>
+            </a:r>
+            <a:endParaRPr lang="fr-FR" dirty="0" smtClean="0"/>
+          </a:p>
+          <a:p>
+            <a:r>
+              <a:rPr lang="fr-FR" dirty="0" smtClean="0"/>
+              <a:t>Enregistrer le </a:t>
+            </a:r>
+            <a:r>
+              <a:rPr lang="fr-FR" dirty="0" err="1" smtClean="0"/>
+              <a:t>Friend</a:t>
+            </a:r>
+            <a:r>
+              <a:rPr lang="fr-FR" dirty="0" smtClean="0"/>
+              <a:t> en base</a:t>
+            </a:r>
+          </a:p>
+          <a:p>
+            <a:r>
+              <a:rPr lang="fr-FR" dirty="0" smtClean="0"/>
+              <a:t>Mettre à jour la navigation après la sauvegarde</a:t>
+            </a:r>
+          </a:p>
+          <a:p>
+            <a:endParaRPr lang="fr-FR" dirty="0" smtClean="0"/>
+          </a:p>
+          <a:p>
+            <a:endParaRPr lang="fr-FR" dirty="0"/>
+          </a:p>
+        </p:txBody>
+      </p:sp>
+    </p:spTree>
+    <p:extLst>
+      <p:ext uri="{BB962C8B-B14F-4D97-AF65-F5344CB8AC3E}">
+        <p14:creationId xmlns:p14="http://schemas.microsoft.com/office/powerpoint/2010/main" val="1379700774"/>
+      </p:ext>
+    </p:extLst>
+  </p:cSld>
+  <p:clrMapOvr>
+    <a:masterClrMapping/>
+  </p:clrMapOvr>
+  <p:timing>
+    <p:tnLst>
+      <p:par>
+        <p:cTn id="1" dur="indefinite" restart="never" nodeType="tmRoot"/>
+      </p:par>
+    </p:tnLst>
+  </p:timing>
+</p:sld>
+</file>
+
+<file path=ppt/slides/slide44.xml><?xml version="1.0" encoding="utf-8"?>
+<p:sld xmlns:a="http://schemas.openxmlformats.org/drawingml/2006/main" xmlns:r="http://schemas.openxmlformats.org/officeDocument/2006/relationships" xmlns:p="http://schemas.openxmlformats.org/presentationml/2006/main">
+  <p:cSld>
+    <p:spTree>
+      <p:nvGrpSpPr>
+        <p:cNvPr id="1" name=""/>
+        <p:cNvGrpSpPr/>
+        <p:nvPr/>
+      </p:nvGrpSpPr>
+      <p:grpSpPr>
+        <a:xfrm>
+          <a:off x="0" y="0"/>
+          <a:ext cx="0" cy="0"/>
+          <a:chOff x="0" y="0"/>
+          <a:chExt cx="0" cy="0"/>
+        </a:xfrm>
+      </p:grpSpPr>
+      <p:sp>
+        <p:nvSpPr>
+          <p:cNvPr id="2" name="Title 1"/>
+          <p:cNvSpPr>
+            <a:spLocks noGrp="1"/>
+          </p:cNvSpPr>
+          <p:nvPr>
+            <p:ph type="title"/>
+          </p:nvPr>
+        </p:nvSpPr>
+        <p:spPr/>
+        <p:txBody>
+          <a:bodyPr/>
+          <a:lstStyle/>
+          <a:p>
+            <a:r>
+              <a:rPr lang="fr-FR" smtClean="0"/>
               <a:t>Qu’est ce qu’une commande ?</a:t>
             </a:r>
             <a:endParaRPr lang="fr-FR"/>
@@ -17456,10 +18018,17 @@
   <p:clrMapOvr>
     <a:masterClrMapping/>
   </p:clrMapOvr>
+  <p:timing>
+    <p:tnLst>
+      <p:par>
+        <p:cTn id="1" dur="indefinite" restart="never" nodeType="tmRoot"/>
+      </p:par>
+    </p:tnLst>
+  </p:timing>
 </p:sld>
 </file>
 
-<file path=ppt/slides/slide44.xml><?xml version="1.0" encoding="utf-8"?>
+<file path=ppt/slides/slide45.xml><?xml version="1.0" encoding="utf-8"?>
 <p:sld xmlns:a="http://schemas.openxmlformats.org/drawingml/2006/main" xmlns:r="http://schemas.openxmlformats.org/officeDocument/2006/relationships" xmlns:p="http://schemas.openxmlformats.org/presentationml/2006/main">
   <p:cSld>
     <p:spTree>
@@ -17552,10 +18121,17 @@
   <p:clrMapOvr>
     <a:masterClrMapping/>
   </p:clrMapOvr>
+  <p:timing>
+    <p:tnLst>
+      <p:par>
+        <p:cTn id="1" dur="indefinite" restart="never" nodeType="tmRoot"/>
+      </p:par>
+    </p:tnLst>
+  </p:timing>
 </p:sld>
 </file>
 
-<file path=ppt/slides/slide45.xml><?xml version="1.0" encoding="utf-8"?>
+<file path=ppt/slides/slide46.xml><?xml version="1.0" encoding="utf-8"?>
 <p:sld xmlns:a="http://schemas.openxmlformats.org/drawingml/2006/main" xmlns:r="http://schemas.openxmlformats.org/officeDocument/2006/relationships" xmlns:p="http://schemas.openxmlformats.org/presentationml/2006/main">
   <p:cSld>
     <p:spTree>
@@ -17616,44 +18192,80 @@
           <a:lstStyle/>
           <a:p>
             <a:r>
-              <a:rPr lang="fr-FR" smtClean="0"/>
-              <a:t>1 evenement et 2 méthodes</a:t>
-            </a:r>
-          </a:p>
-          <a:p>
-            <a:r>
-              <a:rPr lang="fr-FR" b="1" smtClean="0"/>
+              <a:rPr lang="fr-FR" dirty="0" smtClean="0"/>
+              <a:t>1 </a:t>
+            </a:r>
+            <a:r>
+              <a:rPr lang="fr-FR" dirty="0" err="1" smtClean="0"/>
+              <a:t>evenement</a:t>
+            </a:r>
+            <a:r>
+              <a:rPr lang="fr-FR" dirty="0" smtClean="0"/>
+              <a:t> et 2 méthodes</a:t>
+            </a:r>
+          </a:p>
+          <a:p>
+            <a:r>
+              <a:rPr lang="fr-FR" b="1" dirty="0" err="1" smtClean="0"/>
               <a:t>Execute</a:t>
             </a:r>
             <a:r>
-              <a:rPr lang="fr-FR" smtClean="0"/>
-              <a:t> pour executer la commande</a:t>
-            </a:r>
-          </a:p>
-          <a:p>
-            <a:r>
-              <a:rPr lang="fr-FR" b="1" smtClean="0"/>
+              <a:rPr lang="fr-FR" dirty="0" smtClean="0"/>
+              <a:t> pour </a:t>
+            </a:r>
+            <a:r>
+              <a:rPr lang="fr-FR" dirty="0" err="1" smtClean="0"/>
+              <a:t>executer</a:t>
+            </a:r>
+            <a:r>
+              <a:rPr lang="fr-FR" dirty="0" smtClean="0"/>
+              <a:t> la commande</a:t>
+            </a:r>
+          </a:p>
+          <a:p>
+            <a:r>
+              <a:rPr lang="fr-FR" b="1" dirty="0" err="1" smtClean="0"/>
               <a:t>CanExecute</a:t>
             </a:r>
             <a:r>
-              <a:rPr lang="fr-FR" smtClean="0"/>
-              <a:t> pour savoir si on peut executer la commande</a:t>
-            </a:r>
-          </a:p>
-          <a:p>
-            <a:r>
-              <a:rPr lang="fr-FR" smtClean="0"/>
-              <a:t>L’evenement </a:t>
-            </a:r>
-            <a:r>
-              <a:rPr lang="fr-FR" b="1" smtClean="0"/>
+              <a:rPr lang="fr-FR" dirty="0" smtClean="0"/>
+              <a:t> pour savoir si on peut </a:t>
+            </a:r>
+            <a:r>
+              <a:rPr lang="fr-FR" dirty="0" err="1" smtClean="0"/>
+              <a:t>executer</a:t>
+            </a:r>
+            <a:r>
+              <a:rPr lang="fr-FR" dirty="0" smtClean="0"/>
+              <a:t> la commande</a:t>
+            </a:r>
+          </a:p>
+          <a:p>
+            <a:r>
+              <a:rPr lang="fr-FR" dirty="0" smtClean="0"/>
+              <a:t>L’</a:t>
+            </a:r>
+            <a:r>
+              <a:rPr lang="fr-FR" dirty="0" err="1" smtClean="0"/>
+              <a:t>evenement</a:t>
+            </a:r>
+            <a:r>
+              <a:rPr lang="fr-FR" dirty="0" smtClean="0"/>
+              <a:t> </a:t>
+            </a:r>
+            <a:r>
+              <a:rPr lang="fr-FR" b="1" dirty="0" err="1" smtClean="0"/>
               <a:t>CanExecuteChanged</a:t>
             </a:r>
             <a:r>
-              <a:rPr lang="fr-FR" smtClean="0"/>
-              <a:t> pour changer la valeur liée à CanExecute</a:t>
-            </a:r>
-            <a:endParaRPr lang="fr-FR"/>
+              <a:rPr lang="fr-FR" dirty="0" smtClean="0"/>
+              <a:t> pour changer la valeur liée à </a:t>
+            </a:r>
+            <a:r>
+              <a:rPr lang="fr-FR" dirty="0" err="1" smtClean="0"/>
+              <a:t>CanExecute</a:t>
+            </a:r>
+            <a:endParaRPr lang="fr-FR" dirty="0"/>
           </a:p>
         </p:txBody>
       </p:sp>
@@ -17691,124 +18303,13 @@
   <p:clrMapOvr>
     <a:masterClrMapping/>
   </p:clrMapOvr>
-</p:sld>
-</file>
-
-<file path=ppt/slides/slide46.xml><?xml version="1.0" encoding="utf-8"?>
-<p:sld xmlns:a="http://schemas.openxmlformats.org/drawingml/2006/main" xmlns:r="http://schemas.openxmlformats.org/officeDocument/2006/relationships" xmlns:p="http://schemas.openxmlformats.org/presentationml/2006/main">
-  <p:cSld>
-    <p:spTree>
-      <p:nvGrpSpPr>
-        <p:cNvPr id="1" name=""/>
-        <p:cNvGrpSpPr/>
-        <p:nvPr/>
-      </p:nvGrpSpPr>
-      <p:grpSpPr>
-        <a:xfrm>
-          <a:off x="0" y="0"/>
-          <a:ext cx="0" cy="0"/>
-          <a:chOff x="0" y="0"/>
-          <a:chExt cx="0" cy="0"/>
-        </a:xfrm>
-      </p:grpSpPr>
-      <p:sp>
-        <p:nvSpPr>
-          <p:cNvPr id="2" name="Title 1"/>
-          <p:cNvSpPr>
-            <a:spLocks noGrp="1"/>
-          </p:cNvSpPr>
-          <p:nvPr>
-            <p:ph type="title"/>
-          </p:nvPr>
-        </p:nvSpPr>
-        <p:spPr/>
-        <p:txBody>
-          <a:bodyPr/>
-          <a:lstStyle/>
-          <a:p>
-            <a:r>
-              <a:rPr lang="fr-FR" smtClean="0"/>
-              <a:t>Routed Command </a:t>
-            </a:r>
-            <a:endParaRPr lang="fr-FR"/>
-          </a:p>
-        </p:txBody>
-      </p:sp>
-      <p:sp>
-        <p:nvSpPr>
-          <p:cNvPr id="3" name="Content Placeholder 2"/>
-          <p:cNvSpPr>
-            <a:spLocks noGrp="1"/>
-          </p:cNvSpPr>
-          <p:nvPr>
-            <p:ph idx="1"/>
-          </p:nvPr>
-        </p:nvSpPr>
-        <p:spPr/>
-        <p:txBody>
-          <a:bodyPr/>
-          <a:lstStyle/>
-          <a:p>
-            <a:r>
-              <a:rPr lang="fr-FR" smtClean="0"/>
-              <a:t>Que se passe t il quand on mixe Routed Events avec une Commande ?</a:t>
-            </a:r>
-          </a:p>
-          <a:p>
-            <a:r>
-              <a:rPr lang="fr-FR"/>
-              <a:t>Une </a:t>
-            </a:r>
-            <a:r>
-              <a:rPr lang="fr-FR" b="1"/>
-              <a:t>commande routée </a:t>
-            </a:r>
-            <a:r>
-              <a:rPr lang="fr-FR"/>
-              <a:t>est un objet de commande </a:t>
-            </a:r>
-            <a:r>
-              <a:rPr lang="fr-FR" b="1"/>
-              <a:t>qui ne sait pas comment accomplir la tâche qu'il représente</a:t>
-            </a:r>
-            <a:r>
-              <a:rPr lang="fr-FR"/>
-              <a:t>. </a:t>
-            </a:r>
-            <a:endParaRPr lang="fr-FR" smtClean="0"/>
-          </a:p>
-          <a:p>
-            <a:r>
-              <a:rPr lang="fr-FR" smtClean="0"/>
-              <a:t>Il </a:t>
-            </a:r>
-            <a:r>
-              <a:rPr lang="fr-FR"/>
-              <a:t>représente simplement la tâche / fonctionnalité. Lorsqu'on lui demande si elle peut exécuter et quand on lui dit d'exécuter, il délègue simplement cette responsabilité à un autre endroit</a:t>
-            </a:r>
-            <a:r>
-              <a:rPr lang="fr-FR" smtClean="0"/>
-              <a:t>.</a:t>
-            </a:r>
-          </a:p>
-          <a:p>
-            <a:r>
-              <a:rPr lang="fr-FR" smtClean="0"/>
-              <a:t>(Une commande utilise un Routed Event de manière interne)</a:t>
-            </a:r>
-          </a:p>
-        </p:txBody>
-      </p:sp>
-    </p:spTree>
-    <p:extLst>
-      <p:ext uri="{BB962C8B-B14F-4D97-AF65-F5344CB8AC3E}">
-        <p14:creationId xmlns:p14="http://schemas.microsoft.com/office/powerpoint/2010/main" val="1499912458"/>
-      </p:ext>
-    </p:extLst>
-  </p:cSld>
-  <p:clrMapOvr>
-    <a:masterClrMapping/>
-  </p:clrMapOvr>
+  <p:timing>
+    <p:tnLst>
+      <p:par>
+        <p:cTn id="1" dur="indefinite" restart="never" nodeType="tmRoot"/>
+      </p:par>
+    </p:tnLst>
+  </p:timing>
 </p:sld>
 </file>
 
@@ -17845,9 +18346,10 @@
           <a:lstStyle/>
           <a:p>
             <a:r>
-              <a:rPr lang="fr-FR"/>
-              <a:t>A qui/quoi délègue t on la responsabilité ?</a:t>
-            </a:r>
+              <a:rPr lang="fr-FR" smtClean="0"/>
+              <a:t>Routed Command </a:t>
+            </a:r>
+            <a:endParaRPr lang="fr-FR"/>
           </a:p>
         </p:txBody>
       </p:sp>
@@ -17868,32 +18370,40 @@
           <a:p>
             <a:r>
               <a:rPr lang="fr-FR" smtClean="0"/>
-              <a:t>A </a:t>
-            </a:r>
+              <a:t>Que se passe t il quand on mixe Routed Events avec une Commande ?</a:t>
+            </a:r>
+          </a:p>
+          <a:p>
             <a:r>
               <a:rPr lang="fr-FR"/>
-              <a:t>qui/quoi délègue t on la responsabilité ?  </a:t>
+              <a:t>Une </a:t>
+            </a:r>
+            <a:r>
+              <a:rPr lang="fr-FR" b="1"/>
+              <a:t>commande routée </a:t>
+            </a:r>
+            <a:r>
+              <a:rPr lang="fr-FR"/>
+              <a:t>est un objet de commande </a:t>
+            </a:r>
+            <a:r>
+              <a:rPr lang="fr-FR" b="1"/>
+              <a:t>qui ne sait pas comment accomplir la tâche qu'il représente</a:t>
+            </a:r>
+            <a:r>
+              <a:rPr lang="fr-FR"/>
+              <a:t>. </a:t>
             </a:r>
             <a:endParaRPr lang="fr-FR" smtClean="0"/>
           </a:p>
           <a:p>
             <a:r>
-              <a:rPr lang="fr-FR" b="1" smtClean="0"/>
-              <a:t>La </a:t>
-            </a:r>
-            <a:r>
-              <a:rPr lang="fr-FR" b="1"/>
-              <a:t>commande ne le sait pas</a:t>
-            </a:r>
-          </a:p>
-          <a:p>
+              <a:rPr lang="fr-FR" smtClean="0"/>
+              <a:t>Il </a:t>
+            </a:r>
             <a:r>
               <a:rPr lang="fr-FR"/>
-              <a:t>Certains événements routés traversent l’arborescence des éléments, </a:t>
-            </a:r>
-            <a:r>
-              <a:rPr lang="fr-FR" b="1"/>
-              <a:t>ce qui permet à chaque élément de l’interface utilisateur de s’acquitter du travail de la commande</a:t>
+              <a:t>représente simplement la tâche / fonctionnalité. Lorsqu'on lui demande si elle peut exécuter et quand on lui dit d'exécuter, il délègue simplement cette responsabilité à un autre endroit</a:t>
             </a:r>
             <a:r>
               <a:rPr lang="fr-FR" smtClean="0"/>
@@ -17903,22 +18413,28 @@
           <a:p>
             <a:r>
               <a:rPr lang="fr-FR" smtClean="0"/>
-              <a:t>Imaginez quelqu’un qui crie un message codé dans la rue. Seule la personne au courant du code va pouvoir traiter le message; le crieur lui-même ne saura pas qui a traité le message.</a:t>
-            </a:r>
-            <a:endParaRPr lang="fr-FR"/>
+              <a:t>(Une commande utilise un Routed Event de manière interne)</a:t>
+            </a:r>
           </a:p>
         </p:txBody>
       </p:sp>
     </p:spTree>
     <p:extLst>
       <p:ext uri="{BB962C8B-B14F-4D97-AF65-F5344CB8AC3E}">
-        <p14:creationId xmlns:p14="http://schemas.microsoft.com/office/powerpoint/2010/main" val="1034392627"/>
+        <p14:creationId xmlns:p14="http://schemas.microsoft.com/office/powerpoint/2010/main" val="1499912458"/>
       </p:ext>
     </p:extLst>
   </p:cSld>
   <p:clrMapOvr>
     <a:masterClrMapping/>
   </p:clrMapOvr>
+  <p:timing>
+    <p:tnLst>
+      <p:par>
+        <p:cTn id="1" dur="indefinite" restart="never" nodeType="tmRoot"/>
+      </p:par>
+    </p:tnLst>
+  </p:timing>
 </p:sld>
 </file>
 
@@ -17949,21 +18465,15 @@
             <p:ph type="title"/>
           </p:nvPr>
         </p:nvSpPr>
-        <p:spPr>
-          <a:xfrm>
-            <a:off x="1154954" y="927948"/>
-            <a:ext cx="8761413" cy="706964"/>
-          </a:xfrm>
-        </p:spPr>
+        <p:spPr/>
         <p:txBody>
           <a:bodyPr/>
           <a:lstStyle/>
           <a:p>
             <a:r>
-              <a:rPr lang="fr-FR" smtClean="0"/>
-              <a:t>Pourquoi ne pas simplement utiliser un RoutedEvent ?</a:t>
-            </a:r>
-            <a:endParaRPr lang="fr-FR"/>
+              <a:rPr lang="fr-FR"/>
+              <a:t>A qui/quoi délègue t on la responsabilité ?</a:t>
+            </a:r>
           </a:p>
         </p:txBody>
       </p:sp>
@@ -17984,59 +18494,42 @@
           <a:p>
             <a:r>
               <a:rPr lang="fr-FR" smtClean="0"/>
-              <a:t>C’est possible bien sur !</a:t>
-            </a:r>
-          </a:p>
-          <a:p>
-            <a:r>
-              <a:rPr lang="fr-FR" smtClean="0"/>
-              <a:t>Une commande est </a:t>
-            </a:r>
+              <a:t>A </a:t>
+            </a:r>
+            <a:r>
+              <a:rPr lang="fr-FR"/>
+              <a:t>qui/quoi délègue t on la responsabilité ?  </a:t>
+            </a:r>
+            <a:endParaRPr lang="fr-FR" smtClean="0"/>
+          </a:p>
+          <a:p>
             <a:r>
               <a:rPr lang="fr-FR" b="1" smtClean="0"/>
-              <a:t>faiblement couplée </a:t>
-            </a:r>
-            <a:r>
-              <a:rPr lang="fr-FR" smtClean="0"/>
-              <a:t>: le Crieur est faiblement couplée à l’Executeur =&gt; </a:t>
-            </a:r>
-            <a:r>
-              <a:rPr lang="fr-FR" b="1" smtClean="0"/>
-              <a:t>on découple l’interface de la logique</a:t>
-            </a:r>
-          </a:p>
-          <a:p>
-            <a:r>
-              <a:rPr lang="fr-FR" smtClean="0"/>
-              <a:t>Il est </a:t>
-            </a:r>
-            <a:r>
-              <a:rPr lang="fr-FR" b="1" smtClean="0"/>
-              <a:t>possible de désactiver l’execution </a:t>
-            </a:r>
-            <a:r>
-              <a:rPr lang="fr-FR" smtClean="0"/>
-              <a:t>d’une commande avec la méthode CanExecute</a:t>
-            </a:r>
-          </a:p>
-          <a:p>
-            <a:r>
-              <a:rPr lang="fr-FR" smtClean="0"/>
-              <a:t>Moins de code à écrire (du moins avec les routed event natif, avec ceux de Prism c’est debattable)</a:t>
-            </a:r>
-          </a:p>
-          <a:p>
-            <a:r>
-              <a:rPr lang="fr-FR" smtClean="0"/>
-              <a:t>Une Must en MVVM, MVC où on cherche </a:t>
-            </a:r>
-            <a:r>
-              <a:rPr lang="fr-FR" b="1" smtClean="0"/>
-              <a:t>un faible couplage</a:t>
+              <a:t>La </a:t>
+            </a:r>
+            <a:r>
+              <a:rPr lang="fr-FR" b="1"/>
+              <a:t>commande ne le sait pas</a:t>
+            </a:r>
+          </a:p>
+          <a:p>
+            <a:r>
+              <a:rPr lang="fr-FR"/>
+              <a:t>Certains événements routés traversent l’arborescence des éléments, </a:t>
+            </a:r>
+            <a:r>
+              <a:rPr lang="fr-FR" b="1"/>
+              <a:t>ce qui permet à chaque élément de l’interface utilisateur de s’acquitter du travail de la commande</a:t>
             </a:r>
             <a:r>
               <a:rPr lang="fr-FR" smtClean="0"/>
               <a:t>.</a:t>
+            </a:r>
+          </a:p>
+          <a:p>
+            <a:r>
+              <a:rPr lang="fr-FR" smtClean="0"/>
+              <a:t>Imaginez quelqu’un qui crie un message codé dans la rue. Seule la personne au courant du code va pouvoir traiter le message; le crieur lui-même ne saura pas qui a traité le message.</a:t>
             </a:r>
             <a:endParaRPr lang="fr-FR"/>
           </a:p>
@@ -18045,13 +18538,20 @@
     </p:spTree>
     <p:extLst>
       <p:ext uri="{BB962C8B-B14F-4D97-AF65-F5344CB8AC3E}">
-        <p14:creationId xmlns:p14="http://schemas.microsoft.com/office/powerpoint/2010/main" val="839129425"/>
+        <p14:creationId xmlns:p14="http://schemas.microsoft.com/office/powerpoint/2010/main" val="1034392627"/>
       </p:ext>
     </p:extLst>
   </p:cSld>
   <p:clrMapOvr>
     <a:masterClrMapping/>
   </p:clrMapOvr>
+  <p:timing>
+    <p:tnLst>
+      <p:par>
+        <p:cTn id="1" dur="indefinite" restart="never" nodeType="tmRoot"/>
+      </p:par>
+    </p:tnLst>
+  </p:timing>
 </p:sld>
 </file>
 
@@ -18082,6 +18582,239 @@
             <p:ph type="title"/>
           </p:nvPr>
         </p:nvSpPr>
+        <p:spPr>
+          <a:xfrm>
+            <a:off x="1154954" y="927948"/>
+            <a:ext cx="8761413" cy="706964"/>
+          </a:xfrm>
+        </p:spPr>
+        <p:txBody>
+          <a:bodyPr/>
+          <a:lstStyle/>
+          <a:p>
+            <a:r>
+              <a:rPr lang="fr-FR" smtClean="0"/>
+              <a:t>Pourquoi ne pas simplement utiliser un RoutedEvent ?</a:t>
+            </a:r>
+            <a:endParaRPr lang="fr-FR"/>
+          </a:p>
+        </p:txBody>
+      </p:sp>
+      <p:sp>
+        <p:nvSpPr>
+          <p:cNvPr id="3" name="Content Placeholder 2"/>
+          <p:cNvSpPr>
+            <a:spLocks noGrp="1"/>
+          </p:cNvSpPr>
+          <p:nvPr>
+            <p:ph idx="1"/>
+          </p:nvPr>
+        </p:nvSpPr>
+        <p:spPr/>
+        <p:txBody>
+          <a:bodyPr/>
+          <a:lstStyle/>
+          <a:p>
+            <a:r>
+              <a:rPr lang="fr-FR" smtClean="0"/>
+              <a:t>C’est possible bien sur !</a:t>
+            </a:r>
+          </a:p>
+          <a:p>
+            <a:r>
+              <a:rPr lang="fr-FR" smtClean="0"/>
+              <a:t>Une commande est </a:t>
+            </a:r>
+            <a:r>
+              <a:rPr lang="fr-FR" b="1" smtClean="0"/>
+              <a:t>faiblement couplée </a:t>
+            </a:r>
+            <a:r>
+              <a:rPr lang="fr-FR" smtClean="0"/>
+              <a:t>: le Crieur est faiblement couplée à l’Executeur =&gt; </a:t>
+            </a:r>
+            <a:r>
+              <a:rPr lang="fr-FR" b="1" smtClean="0"/>
+              <a:t>on découple l’interface de la logique</a:t>
+            </a:r>
+          </a:p>
+          <a:p>
+            <a:r>
+              <a:rPr lang="fr-FR" smtClean="0"/>
+              <a:t>Il est </a:t>
+            </a:r>
+            <a:r>
+              <a:rPr lang="fr-FR" b="1" smtClean="0"/>
+              <a:t>possible de désactiver l’execution </a:t>
+            </a:r>
+            <a:r>
+              <a:rPr lang="fr-FR" smtClean="0"/>
+              <a:t>d’une commande avec la méthode CanExecute</a:t>
+            </a:r>
+          </a:p>
+          <a:p>
+            <a:r>
+              <a:rPr lang="fr-FR" smtClean="0"/>
+              <a:t>Moins de code à écrire (du moins avec les routed event natif, avec ceux de Prism c’est debattable)</a:t>
+            </a:r>
+          </a:p>
+          <a:p>
+            <a:r>
+              <a:rPr lang="fr-FR" smtClean="0"/>
+              <a:t>Une Must en MVVM, MVC où on cherche </a:t>
+            </a:r>
+            <a:r>
+              <a:rPr lang="fr-FR" b="1" smtClean="0"/>
+              <a:t>un faible couplage</a:t>
+            </a:r>
+            <a:r>
+              <a:rPr lang="fr-FR" smtClean="0"/>
+              <a:t>.</a:t>
+            </a:r>
+            <a:endParaRPr lang="fr-FR"/>
+          </a:p>
+        </p:txBody>
+      </p:sp>
+    </p:spTree>
+    <p:extLst>
+      <p:ext uri="{BB962C8B-B14F-4D97-AF65-F5344CB8AC3E}">
+        <p14:creationId xmlns:p14="http://schemas.microsoft.com/office/powerpoint/2010/main" val="839129425"/>
+      </p:ext>
+    </p:extLst>
+  </p:cSld>
+  <p:clrMapOvr>
+    <a:masterClrMapping/>
+  </p:clrMapOvr>
+  <p:timing>
+    <p:tnLst>
+      <p:par>
+        <p:cTn id="1" dur="indefinite" restart="never" nodeType="tmRoot"/>
+      </p:par>
+    </p:tnLst>
+  </p:timing>
+</p:sld>
+</file>
+
+<file path=ppt/slides/slide5.xml><?xml version="1.0" encoding="utf-8"?>
+<p:sld xmlns:a="http://schemas.openxmlformats.org/drawingml/2006/main" xmlns:r="http://schemas.openxmlformats.org/officeDocument/2006/relationships" xmlns:p="http://schemas.openxmlformats.org/presentationml/2006/main">
+  <p:cSld>
+    <p:spTree>
+      <p:nvGrpSpPr>
+        <p:cNvPr id="1" name=""/>
+        <p:cNvGrpSpPr/>
+        <p:nvPr/>
+      </p:nvGrpSpPr>
+      <p:grpSpPr>
+        <a:xfrm>
+          <a:off x="0" y="0"/>
+          <a:ext cx="0" cy="0"/>
+          <a:chOff x="0" y="0"/>
+          <a:chExt cx="0" cy="0"/>
+        </a:xfrm>
+      </p:grpSpPr>
+      <p:sp>
+        <p:nvSpPr>
+          <p:cNvPr id="2" name="Title 1"/>
+          <p:cNvSpPr>
+            <a:spLocks noGrp="1"/>
+          </p:cNvSpPr>
+          <p:nvPr>
+            <p:ph type="title"/>
+          </p:nvPr>
+        </p:nvSpPr>
+        <p:spPr/>
+        <p:txBody>
+          <a:bodyPr/>
+          <a:lstStyle/>
+          <a:p>
+            <a:r>
+              <a:rPr lang="fr-FR" smtClean="0"/>
+              <a:t>3) SelectedFriend</a:t>
+            </a:r>
+            <a:endParaRPr lang="fr-FR"/>
+          </a:p>
+        </p:txBody>
+      </p:sp>
+      <p:sp>
+        <p:nvSpPr>
+          <p:cNvPr id="3" name="Content Placeholder 2"/>
+          <p:cNvSpPr>
+            <a:spLocks noGrp="1"/>
+          </p:cNvSpPr>
+          <p:nvPr>
+            <p:ph idx="1"/>
+          </p:nvPr>
+        </p:nvSpPr>
+        <p:spPr/>
+        <p:txBody>
+          <a:bodyPr/>
+          <a:lstStyle/>
+          <a:p>
+            <a:r>
+              <a:rPr lang="fr-FR" smtClean="0"/>
+              <a:t>Ajouter une nouvelle propriété de type Friend dans notre VM. On l’apellera SelectedFriend. </a:t>
+            </a:r>
+          </a:p>
+          <a:p>
+            <a:r>
+              <a:rPr lang="fr-FR" smtClean="0"/>
+              <a:t>Implémenter INotifyPropertyChanged sur notre VM pour que les changements de la propriété Friend se propagent à l’IHM. (cf support de cours )</a:t>
+            </a:r>
+          </a:p>
+          <a:p>
+            <a:r>
+              <a:rPr lang="fr-FR" smtClean="0"/>
+              <a:t>Binder SelectedFriend à la valeur selectionnée dans le ListView ( je vous laisse chercher le nom de propriété de la ListView à binder) </a:t>
+            </a:r>
+          </a:p>
+          <a:p>
+            <a:r>
+              <a:rPr lang="fr-FR" smtClean="0"/>
+              <a:t>Vérifier avec le debugger que quand on selectionne un Frienddans la ListView, on entre bien dans le set de la propriété SelectedFriend</a:t>
+            </a:r>
+          </a:p>
+        </p:txBody>
+      </p:sp>
+    </p:spTree>
+    <p:extLst>
+      <p:ext uri="{BB962C8B-B14F-4D97-AF65-F5344CB8AC3E}">
+        <p14:creationId xmlns:p14="http://schemas.microsoft.com/office/powerpoint/2010/main" val="1875150305"/>
+      </p:ext>
+    </p:extLst>
+  </p:cSld>
+  <p:clrMapOvr>
+    <a:masterClrMapping/>
+  </p:clrMapOvr>
+</p:sld>
+</file>
+
+<file path=ppt/slides/slide50.xml><?xml version="1.0" encoding="utf-8"?>
+<p:sld xmlns:a="http://schemas.openxmlformats.org/drawingml/2006/main" xmlns:r="http://schemas.openxmlformats.org/officeDocument/2006/relationships" xmlns:p="http://schemas.openxmlformats.org/presentationml/2006/main">
+  <p:cSld>
+    <p:spTree>
+      <p:nvGrpSpPr>
+        <p:cNvPr id="1" name=""/>
+        <p:cNvGrpSpPr/>
+        <p:nvPr/>
+      </p:nvGrpSpPr>
+      <p:grpSpPr>
+        <a:xfrm>
+          <a:off x="0" y="0"/>
+          <a:ext cx="0" cy="0"/>
+          <a:chOff x="0" y="0"/>
+          <a:chExt cx="0" cy="0"/>
+        </a:xfrm>
+      </p:grpSpPr>
+      <p:sp>
+        <p:nvSpPr>
+          <p:cNvPr id="2" name="Title 1"/>
+          <p:cNvSpPr>
+            <a:spLocks noGrp="1"/>
+          </p:cNvSpPr>
+          <p:nvPr>
+            <p:ph type="title"/>
+          </p:nvPr>
+        </p:nvSpPr>
         <p:spPr/>
         <p:txBody>
           <a:bodyPr/>
@@ -18134,10 +18867,10 @@
               <a:t> dans </a:t>
             </a:r>
             <a:r>
-              <a:rPr lang="fr-FR" dirty="0" err="1" smtClean="0"/>
+              <a:rPr lang="fr-FR" b="1" dirty="0" err="1" smtClean="0"/>
               <a:t>FriendDetailViewModel</a:t>
             </a:r>
-            <a:endParaRPr lang="fr-FR" dirty="0" smtClean="0"/>
+            <a:endParaRPr lang="fr-FR" b="1" dirty="0" smtClean="0"/>
           </a:p>
           <a:p>
             <a:endParaRPr lang="fr-FR" dirty="0"/>
@@ -18232,103 +18965,17 @@
   <p:clrMapOvr>
     <a:masterClrMapping/>
   </p:clrMapOvr>
+  <p:timing>
+    <p:tnLst>
+      <p:par>
+        <p:cTn id="1" dur="indefinite" restart="never" nodeType="tmRoot"/>
+      </p:par>
+    </p:tnLst>
+  </p:timing>
 </p:sld>
 </file>
 
-<file path=ppt/slides/slide5.xml><?xml version="1.0" encoding="utf-8"?>
-<p:sld xmlns:a="http://schemas.openxmlformats.org/drawingml/2006/main" xmlns:r="http://schemas.openxmlformats.org/officeDocument/2006/relationships" xmlns:p="http://schemas.openxmlformats.org/presentationml/2006/main">
-  <p:cSld>
-    <p:spTree>
-      <p:nvGrpSpPr>
-        <p:cNvPr id="1" name=""/>
-        <p:cNvGrpSpPr/>
-        <p:nvPr/>
-      </p:nvGrpSpPr>
-      <p:grpSpPr>
-        <a:xfrm>
-          <a:off x="0" y="0"/>
-          <a:ext cx="0" cy="0"/>
-          <a:chOff x="0" y="0"/>
-          <a:chExt cx="0" cy="0"/>
-        </a:xfrm>
-      </p:grpSpPr>
-      <p:sp>
-        <p:nvSpPr>
-          <p:cNvPr id="2" name="Title 1"/>
-          <p:cNvSpPr>
-            <a:spLocks noGrp="1"/>
-          </p:cNvSpPr>
-          <p:nvPr>
-            <p:ph type="title"/>
-          </p:nvPr>
-        </p:nvSpPr>
-        <p:spPr/>
-        <p:txBody>
-          <a:bodyPr/>
-          <a:lstStyle/>
-          <a:p>
-            <a:r>
-              <a:rPr lang="fr-FR" smtClean="0"/>
-              <a:t>3) SelectedFriend</a:t>
-            </a:r>
-            <a:endParaRPr lang="fr-FR"/>
-          </a:p>
-        </p:txBody>
-      </p:sp>
-      <p:sp>
-        <p:nvSpPr>
-          <p:cNvPr id="3" name="Content Placeholder 2"/>
-          <p:cNvSpPr>
-            <a:spLocks noGrp="1"/>
-          </p:cNvSpPr>
-          <p:nvPr>
-            <p:ph idx="1"/>
-          </p:nvPr>
-        </p:nvSpPr>
-        <p:spPr/>
-        <p:txBody>
-          <a:bodyPr/>
-          <a:lstStyle/>
-          <a:p>
-            <a:r>
-              <a:rPr lang="fr-FR" smtClean="0"/>
-              <a:t>Ajouter une nouvelle propriété de type Friend dans notre VM. On l’apellera SelectedFriend. </a:t>
-            </a:r>
-          </a:p>
-          <a:p>
-            <a:r>
-              <a:rPr lang="fr-FR" smtClean="0"/>
-              <a:t>Implémenter INotifyPropertyChanged sur notre VM pour que les changements de la propriété Friend se propagent à l’IHM. (cf support de cours )</a:t>
-            </a:r>
-          </a:p>
-          <a:p>
-            <a:r>
-              <a:rPr lang="fr-FR" smtClean="0"/>
-              <a:t>Binder SelectedFriend à la valeur selectionnée dans le ListView ( je vous laisse chercher le nom de propriété de la ListView à binder) </a:t>
-            </a:r>
-          </a:p>
-          <a:p>
-            <a:r>
-              <a:rPr lang="fr-FR" smtClean="0"/>
-              <a:t>Vérifier avec le debugger que quand on selectionne un Frienddans la ListView, on entre bien dans le set de la propriété SelectedFriend</a:t>
-            </a:r>
-          </a:p>
-        </p:txBody>
-      </p:sp>
-    </p:spTree>
-    <p:extLst>
-      <p:ext uri="{BB962C8B-B14F-4D97-AF65-F5344CB8AC3E}">
-        <p14:creationId xmlns:p14="http://schemas.microsoft.com/office/powerpoint/2010/main" val="1875150305"/>
-      </p:ext>
-    </p:extLst>
-  </p:cSld>
-  <p:clrMapOvr>
-    <a:masterClrMapping/>
-  </p:clrMapOvr>
-</p:sld>
-</file>
-
-<file path=ppt/slides/slide50.xml><?xml version="1.0" encoding="utf-8"?>
+<file path=ppt/slides/slide51.xml><?xml version="1.0" encoding="utf-8"?>
 <p:sld xmlns:a="http://schemas.openxmlformats.org/drawingml/2006/main" xmlns:r="http://schemas.openxmlformats.org/officeDocument/2006/relationships" xmlns:p="http://schemas.openxmlformats.org/presentationml/2006/main">
   <p:cSld>
     <p:spTree>
@@ -18493,10 +19140,17 @@
   <p:clrMapOvr>
     <a:masterClrMapping/>
   </p:clrMapOvr>
+  <p:timing>
+    <p:tnLst>
+      <p:par>
+        <p:cTn id="1" dur="indefinite" restart="never" nodeType="tmRoot"/>
+      </p:par>
+    </p:tnLst>
+  </p:timing>
 </p:sld>
 </file>
 
-<file path=ppt/slides/slide51.xml><?xml version="1.0" encoding="utf-8"?>
+<file path=ppt/slides/slide52.xml><?xml version="1.0" encoding="utf-8"?>
 <p:sld xmlns:a="http://schemas.openxmlformats.org/drawingml/2006/main" xmlns:r="http://schemas.openxmlformats.org/officeDocument/2006/relationships" xmlns:p="http://schemas.openxmlformats.org/presentationml/2006/main">
   <p:cSld>
     <p:spTree>
@@ -18665,10 +19319,17 @@
   <p:clrMapOvr>
     <a:masterClrMapping/>
   </p:clrMapOvr>
+  <p:timing>
+    <p:tnLst>
+      <p:par>
+        <p:cTn id="1" dur="indefinite" restart="never" nodeType="tmRoot"/>
+      </p:par>
+    </p:tnLst>
+  </p:timing>
 </p:sld>
 </file>
 
-<file path=ppt/slides/slide52.xml><?xml version="1.0" encoding="utf-8"?>
+<file path=ppt/slides/slide53.xml><?xml version="1.0" encoding="utf-8"?>
 <p:sld xmlns:a="http://schemas.openxmlformats.org/drawingml/2006/main" xmlns:r="http://schemas.openxmlformats.org/officeDocument/2006/relationships" xmlns:p="http://schemas.openxmlformats.org/presentationml/2006/main">
   <p:cSld>
     <p:spTree>
@@ -18828,98 +19489,13 @@
   <p:clrMapOvr>
     <a:masterClrMapping/>
   </p:clrMapOvr>
-</p:sld>
-</file>
-
-<file path=ppt/slides/slide53.xml><?xml version="1.0" encoding="utf-8"?>
-<p:sld xmlns:a="http://schemas.openxmlformats.org/drawingml/2006/main" xmlns:r="http://schemas.openxmlformats.org/officeDocument/2006/relationships" xmlns:p="http://schemas.openxmlformats.org/presentationml/2006/main">
-  <p:cSld>
-    <p:spTree>
-      <p:nvGrpSpPr>
-        <p:cNvPr id="1" name=""/>
-        <p:cNvGrpSpPr/>
-        <p:nvPr/>
-      </p:nvGrpSpPr>
-      <p:grpSpPr>
-        <a:xfrm>
-          <a:off x="0" y="0"/>
-          <a:ext cx="0" cy="0"/>
-          <a:chOff x="0" y="0"/>
-          <a:chExt cx="0" cy="0"/>
-        </a:xfrm>
-      </p:grpSpPr>
-      <p:sp>
-        <p:nvSpPr>
-          <p:cNvPr id="2" name="Titre 1"/>
-          <p:cNvSpPr>
-            <a:spLocks noGrp="1"/>
-          </p:cNvSpPr>
-          <p:nvPr>
-            <p:ph type="title"/>
-          </p:nvPr>
-        </p:nvSpPr>
-        <p:spPr/>
-        <p:txBody>
-          <a:bodyPr/>
-          <a:lstStyle/>
-          <a:p>
-            <a:r>
-              <a:rPr lang="fr-FR" dirty="0" err="1" smtClean="0"/>
-              <a:t>Delete</a:t>
-            </a:r>
-            <a:r>
-              <a:rPr lang="fr-FR" dirty="0" smtClean="0"/>
-              <a:t> </a:t>
-            </a:r>
-            <a:r>
-              <a:rPr lang="fr-FR" dirty="0" err="1" smtClean="0"/>
-              <a:t>Friend</a:t>
-            </a:r>
-            <a:endParaRPr lang="fr-FR" dirty="0"/>
-          </a:p>
-        </p:txBody>
-      </p:sp>
-      <p:sp>
-        <p:nvSpPr>
-          <p:cNvPr id="3" name="Espace réservé du contenu 2"/>
-          <p:cNvSpPr>
-            <a:spLocks noGrp="1"/>
-          </p:cNvSpPr>
-          <p:nvPr>
-            <p:ph idx="1"/>
-          </p:nvPr>
-        </p:nvSpPr>
-        <p:spPr/>
-        <p:txBody>
-          <a:bodyPr/>
-          <a:lstStyle/>
-          <a:p>
-            <a:r>
-              <a:rPr lang="fr-FR" dirty="0" smtClean="0"/>
-              <a:t>TODO : Exposer un bouton </a:t>
-            </a:r>
-            <a:r>
-              <a:rPr lang="fr-FR" dirty="0" err="1" smtClean="0"/>
-              <a:t>Delete</a:t>
-            </a:r>
-            <a:r>
-              <a:rPr lang="fr-FR" dirty="0" smtClean="0"/>
-              <a:t> et faire le code pour supprimer un ami</a:t>
-            </a:r>
-            <a:endParaRPr lang="fr-FR" dirty="0"/>
-          </a:p>
-        </p:txBody>
-      </p:sp>
-    </p:spTree>
-    <p:extLst>
-      <p:ext uri="{BB962C8B-B14F-4D97-AF65-F5344CB8AC3E}">
-        <p14:creationId xmlns:p14="http://schemas.microsoft.com/office/powerpoint/2010/main" val="2759935746"/>
-      </p:ext>
-    </p:extLst>
-  </p:cSld>
-  <p:clrMapOvr>
-    <a:masterClrMapping/>
-  </p:clrMapOvr>
+  <p:timing>
+    <p:tnLst>
+      <p:par>
+        <p:cTn id="1" dur="indefinite" restart="never" nodeType="tmRoot"/>
+      </p:par>
+    </p:tnLst>
+  </p:timing>
 </p:sld>
 </file>
 
@@ -18942,12 +19518,12 @@
       </p:grpSpPr>
       <p:sp>
         <p:nvSpPr>
-          <p:cNvPr id="2" name="Title 1"/>
-          <p:cNvSpPr>
-            <a:spLocks noGrp="1"/>
-          </p:cNvSpPr>
-          <p:nvPr>
-            <p:ph type="ctrTitle"/>
+          <p:cNvPr id="2" name="Titre 1"/>
+          <p:cNvSpPr>
+            <a:spLocks noGrp="1"/>
+          </p:cNvSpPr>
+          <p:nvPr>
+            <p:ph type="title"/>
           </p:nvPr>
         </p:nvSpPr>
         <p:spPr/>
@@ -18956,8 +19532,16 @@
           <a:lstStyle/>
           <a:p>
             <a:r>
+              <a:rPr lang="fr-FR" dirty="0" err="1" smtClean="0"/>
+              <a:t>Delete</a:t>
+            </a:r>
+            <a:r>
               <a:rPr lang="fr-FR" dirty="0" smtClean="0"/>
-              <a:t>Validation des données</a:t>
+              <a:t> </a:t>
+            </a:r>
+            <a:r>
+              <a:rPr lang="fr-FR" dirty="0" err="1" smtClean="0"/>
+              <a:t>Friend</a:t>
             </a:r>
             <a:endParaRPr lang="fr-FR" dirty="0"/>
           </a:p>
@@ -18965,12 +19549,12 @@
       </p:sp>
       <p:sp>
         <p:nvSpPr>
-          <p:cNvPr id="3" name="Subtitle 2"/>
-          <p:cNvSpPr>
-            <a:spLocks noGrp="1"/>
-          </p:cNvSpPr>
-          <p:nvPr>
-            <p:ph type="subTitle" idx="1"/>
+          <p:cNvPr id="3" name="Espace réservé du contenu 2"/>
+          <p:cNvSpPr>
+            <a:spLocks noGrp="1"/>
+          </p:cNvSpPr>
+          <p:nvPr>
+            <p:ph idx="1"/>
           </p:nvPr>
         </p:nvSpPr>
         <p:spPr/>
@@ -18980,7 +19564,15 @@
           <a:p>
             <a:r>
               <a:rPr lang="fr-FR" dirty="0" smtClean="0"/>
-              <a:t>La vie en rouge souligné</a:t>
+              <a:t>TODO : Exposer un bouton </a:t>
+            </a:r>
+            <a:r>
+              <a:rPr lang="fr-FR" dirty="0" err="1" smtClean="0"/>
+              <a:t>Delete</a:t>
+            </a:r>
+            <a:r>
+              <a:rPr lang="fr-FR" dirty="0" smtClean="0"/>
+              <a:t> et faire le code pour supprimer un ami</a:t>
             </a:r>
             <a:endParaRPr lang="fr-FR" dirty="0"/>
           </a:p>
@@ -18989,13 +19581,20 @@
     </p:spTree>
     <p:extLst>
       <p:ext uri="{BB962C8B-B14F-4D97-AF65-F5344CB8AC3E}">
-        <p14:creationId xmlns:p14="http://schemas.microsoft.com/office/powerpoint/2010/main" val="1007868945"/>
+        <p14:creationId xmlns:p14="http://schemas.microsoft.com/office/powerpoint/2010/main" val="2759935746"/>
       </p:ext>
     </p:extLst>
   </p:cSld>
   <p:clrMapOvr>
     <a:masterClrMapping/>
   </p:clrMapOvr>
+  <p:timing>
+    <p:tnLst>
+      <p:par>
+        <p:cTn id="1" dur="indefinite" restart="never" nodeType="tmRoot"/>
+      </p:par>
+    </p:tnLst>
+  </p:timing>
 </p:sld>
 </file>
 
@@ -19031,7 +19630,27 @@
           <a:bodyPr/>
           <a:lstStyle/>
           <a:p>
-            <a:endParaRPr lang="fr-FR"/>
+            <a:r>
+              <a:rPr lang="fr-FR" dirty="0" smtClean="0"/>
+              <a:t>Mettre à jour la </a:t>
+            </a:r>
+            <a:r>
+              <a:rPr lang="fr-FR" dirty="0" err="1"/>
+              <a:t>L</a:t>
+            </a:r>
+            <a:r>
+              <a:rPr lang="fr-FR" smtClean="0"/>
+              <a:t>istview</a:t>
+            </a:r>
+            <a:r>
+              <a:rPr lang="fr-FR" dirty="0" smtClean="0"/>
+              <a:t> </a:t>
+            </a:r>
+            <a:r>
+              <a:rPr lang="fr-FR" dirty="0" smtClean="0"/>
+              <a:t>de navigation</a:t>
+            </a:r>
+            <a:endParaRPr lang="fr-FR" dirty="0"/>
           </a:p>
         </p:txBody>
       </p:sp>
@@ -19050,7 +19669,323 @@
           <a:bodyPr/>
           <a:lstStyle/>
           <a:p>
-            <a:endParaRPr lang="fr-FR"/>
+            <a:r>
+              <a:rPr lang="fr-FR" dirty="0" smtClean="0"/>
+              <a:t>Quand on sauvegarde un </a:t>
+            </a:r>
+            <a:r>
+              <a:rPr lang="fr-FR" dirty="0" err="1" smtClean="0"/>
+              <a:t>friend</a:t>
+            </a:r>
+            <a:r>
+              <a:rPr lang="fr-FR" dirty="0" smtClean="0"/>
+              <a:t> et qu’on a changé le prénom, la </a:t>
+            </a:r>
+            <a:r>
+              <a:rPr lang="fr-FR" dirty="0" err="1" smtClean="0"/>
+              <a:t>ListView</a:t>
+            </a:r>
+            <a:r>
+              <a:rPr lang="fr-FR" dirty="0" smtClean="0"/>
+              <a:t> de navigation n’est pas mise à jour et il faut </a:t>
+            </a:r>
+            <a:r>
+              <a:rPr lang="fr-FR" dirty="0" err="1" smtClean="0"/>
+              <a:t>redemarrer</a:t>
+            </a:r>
+            <a:r>
+              <a:rPr lang="fr-FR" dirty="0" smtClean="0"/>
+              <a:t> l’application pour voir le changement</a:t>
+            </a:r>
+          </a:p>
+          <a:p>
+            <a:r>
+              <a:rPr lang="fr-FR" dirty="0" smtClean="0"/>
+              <a:t>Comment faire pour mettre à jour cette </a:t>
+            </a:r>
+            <a:r>
+              <a:rPr lang="fr-FR" dirty="0" err="1" smtClean="0"/>
+              <a:t>listView</a:t>
+            </a:r>
+            <a:r>
+              <a:rPr lang="fr-FR" dirty="0" smtClean="0"/>
+              <a:t> ?</a:t>
+            </a:r>
+          </a:p>
+          <a:p>
+            <a:r>
+              <a:rPr lang="fr-FR" dirty="0" smtClean="0"/>
+              <a:t>Créer un </a:t>
+            </a:r>
+            <a:r>
+              <a:rPr lang="fr-FR" dirty="0" err="1" smtClean="0"/>
+              <a:t>evenement</a:t>
+            </a:r>
+            <a:r>
+              <a:rPr lang="fr-FR" dirty="0" smtClean="0"/>
+              <a:t> </a:t>
+            </a:r>
+            <a:r>
+              <a:rPr lang="fr-FR" dirty="0" err="1" smtClean="0"/>
+              <a:t>SaveFriendEvent</a:t>
+            </a:r>
+            <a:endParaRPr lang="fr-FR" dirty="0" smtClean="0"/>
+          </a:p>
+          <a:p>
+            <a:r>
+              <a:rPr lang="fr-FR" dirty="0" smtClean="0"/>
+              <a:t>A chaque fois qu’une sauvegarde est faite on publie l’</a:t>
+            </a:r>
+            <a:r>
+              <a:rPr lang="fr-FR" dirty="0" err="1" smtClean="0"/>
+              <a:t>evenement</a:t>
+            </a:r>
+            <a:endParaRPr lang="fr-FR" dirty="0" smtClean="0"/>
+          </a:p>
+          <a:p>
+            <a:r>
+              <a:rPr lang="fr-FR" dirty="0" smtClean="0"/>
+              <a:t>Notre </a:t>
+            </a:r>
+            <a:r>
+              <a:rPr lang="fr-FR" dirty="0" err="1" smtClean="0"/>
+              <a:t>NavigationViewModel</a:t>
+            </a:r>
+            <a:r>
+              <a:rPr lang="fr-FR" dirty="0" smtClean="0"/>
+              <a:t> souscrit à l’</a:t>
+            </a:r>
+            <a:r>
+              <a:rPr lang="fr-FR" dirty="0" err="1" smtClean="0"/>
+              <a:t>evenement</a:t>
+            </a:r>
+            <a:r>
+              <a:rPr lang="fr-FR" dirty="0"/>
+              <a:t> </a:t>
+            </a:r>
+            <a:r>
+              <a:rPr lang="fr-FR" dirty="0" smtClean="0"/>
+              <a:t>afin de récupérer la liste de </a:t>
+            </a:r>
+            <a:r>
+              <a:rPr lang="fr-FR" dirty="0" err="1" smtClean="0"/>
+              <a:t>friends</a:t>
+            </a:r>
+            <a:r>
+              <a:rPr lang="fr-FR" dirty="0" smtClean="0"/>
+              <a:t> à partir de la base de données.</a:t>
+            </a:r>
+            <a:endParaRPr lang="fr-FR" dirty="0"/>
+          </a:p>
+        </p:txBody>
+      </p:sp>
+    </p:spTree>
+    <p:extLst>
+      <p:ext uri="{BB962C8B-B14F-4D97-AF65-F5344CB8AC3E}">
+        <p14:creationId xmlns:p14="http://schemas.microsoft.com/office/powerpoint/2010/main" val="1025058645"/>
+      </p:ext>
+    </p:extLst>
+  </p:cSld>
+  <p:clrMapOvr>
+    <a:masterClrMapping/>
+  </p:clrMapOvr>
+  <p:timing>
+    <p:tnLst>
+      <p:par>
+        <p:cTn id="1" dur="indefinite" restart="never" nodeType="tmRoot"/>
+      </p:par>
+    </p:tnLst>
+  </p:timing>
+</p:sld>
+</file>
+
+<file path=ppt/slides/slide56.xml><?xml version="1.0" encoding="utf-8"?>
+<p:sld xmlns:a="http://schemas.openxmlformats.org/drawingml/2006/main" xmlns:r="http://schemas.openxmlformats.org/officeDocument/2006/relationships" xmlns:p="http://schemas.openxmlformats.org/presentationml/2006/main">
+  <p:cSld>
+    <p:spTree>
+      <p:nvGrpSpPr>
+        <p:cNvPr id="1" name=""/>
+        <p:cNvGrpSpPr/>
+        <p:nvPr/>
+      </p:nvGrpSpPr>
+      <p:grpSpPr>
+        <a:xfrm>
+          <a:off x="0" y="0"/>
+          <a:ext cx="0" cy="0"/>
+          <a:chOff x="0" y="0"/>
+          <a:chExt cx="0" cy="0"/>
+        </a:xfrm>
+      </p:grpSpPr>
+      <p:sp>
+        <p:nvSpPr>
+          <p:cNvPr id="2" name="Title 1"/>
+          <p:cNvSpPr>
+            <a:spLocks noGrp="1"/>
+          </p:cNvSpPr>
+          <p:nvPr>
+            <p:ph type="ctrTitle"/>
+          </p:nvPr>
+        </p:nvSpPr>
+        <p:spPr/>
+        <p:txBody>
+          <a:bodyPr/>
+          <a:lstStyle/>
+          <a:p>
+            <a:r>
+              <a:rPr lang="fr-FR" dirty="0" smtClean="0"/>
+              <a:t>Validation des données</a:t>
+            </a:r>
+            <a:endParaRPr lang="fr-FR" dirty="0"/>
+          </a:p>
+        </p:txBody>
+      </p:sp>
+      <p:sp>
+        <p:nvSpPr>
+          <p:cNvPr id="3" name="Subtitle 2"/>
+          <p:cNvSpPr>
+            <a:spLocks noGrp="1"/>
+          </p:cNvSpPr>
+          <p:nvPr>
+            <p:ph type="subTitle" idx="1"/>
+          </p:nvPr>
+        </p:nvSpPr>
+        <p:spPr/>
+        <p:txBody>
+          <a:bodyPr/>
+          <a:lstStyle/>
+          <a:p>
+            <a:r>
+              <a:rPr lang="fr-FR" dirty="0" smtClean="0"/>
+              <a:t>La vie en rouge souligné</a:t>
+            </a:r>
+            <a:endParaRPr lang="fr-FR" dirty="0"/>
+          </a:p>
+        </p:txBody>
+      </p:sp>
+    </p:spTree>
+    <p:extLst>
+      <p:ext uri="{BB962C8B-B14F-4D97-AF65-F5344CB8AC3E}">
+        <p14:creationId xmlns:p14="http://schemas.microsoft.com/office/powerpoint/2010/main" val="1007868945"/>
+      </p:ext>
+    </p:extLst>
+  </p:cSld>
+  <p:clrMapOvr>
+    <a:masterClrMapping/>
+  </p:clrMapOvr>
+  <p:timing>
+    <p:tnLst>
+      <p:par>
+        <p:cTn id="1" dur="indefinite" restart="never" nodeType="tmRoot"/>
+      </p:par>
+    </p:tnLst>
+  </p:timing>
+</p:sld>
+</file>
+
+<file path=ppt/slides/slide57.xml><?xml version="1.0" encoding="utf-8"?>
+<p:sld xmlns:a="http://schemas.openxmlformats.org/drawingml/2006/main" xmlns:r="http://schemas.openxmlformats.org/officeDocument/2006/relationships" xmlns:p="http://schemas.openxmlformats.org/presentationml/2006/main">
+  <p:cSld>
+    <p:spTree>
+      <p:nvGrpSpPr>
+        <p:cNvPr id="1" name=""/>
+        <p:cNvGrpSpPr/>
+        <p:nvPr/>
+      </p:nvGrpSpPr>
+      <p:grpSpPr>
+        <a:xfrm>
+          <a:off x="0" y="0"/>
+          <a:ext cx="0" cy="0"/>
+          <a:chOff x="0" y="0"/>
+          <a:chExt cx="0" cy="0"/>
+        </a:xfrm>
+      </p:grpSpPr>
+      <p:sp>
+        <p:nvSpPr>
+          <p:cNvPr id="2" name="Titre 1"/>
+          <p:cNvSpPr>
+            <a:spLocks noGrp="1"/>
+          </p:cNvSpPr>
+          <p:nvPr>
+            <p:ph type="title"/>
+          </p:nvPr>
+        </p:nvSpPr>
+        <p:spPr/>
+        <p:txBody>
+          <a:bodyPr/>
+          <a:lstStyle/>
+          <a:p>
+            <a:r>
+              <a:rPr lang="fr-FR" dirty="0" smtClean="0"/>
+              <a:t>Ce qu’on va faire </a:t>
+            </a:r>
+            <a:endParaRPr lang="fr-FR" dirty="0"/>
+          </a:p>
+        </p:txBody>
+      </p:sp>
+      <p:sp>
+        <p:nvSpPr>
+          <p:cNvPr id="3" name="Espace réservé du contenu 2"/>
+          <p:cNvSpPr>
+            <a:spLocks noGrp="1"/>
+          </p:cNvSpPr>
+          <p:nvPr>
+            <p:ph idx="1"/>
+          </p:nvPr>
+        </p:nvSpPr>
+        <p:spPr/>
+        <p:txBody>
+          <a:bodyPr/>
+          <a:lstStyle/>
+          <a:p>
+            <a:r>
+              <a:rPr lang="fr-FR" sz="2800" dirty="0" smtClean="0"/>
+              <a:t>Valider avec </a:t>
+            </a:r>
+            <a:r>
+              <a:rPr lang="fr-FR" sz="2800" dirty="0" err="1" smtClean="0"/>
+              <a:t>INotifyDataErrorInfo</a:t>
+            </a:r>
+            <a:endParaRPr lang="fr-FR" sz="2800" dirty="0" smtClean="0"/>
+          </a:p>
+          <a:p>
+            <a:r>
+              <a:rPr lang="fr-FR" sz="2800" dirty="0" smtClean="0"/>
+              <a:t>Utiliser un </a:t>
+            </a:r>
+            <a:r>
+              <a:rPr lang="fr-FR" sz="2800" dirty="0" err="1" smtClean="0"/>
+              <a:t>template</a:t>
+            </a:r>
+            <a:r>
+              <a:rPr lang="fr-FR" sz="2800" dirty="0" smtClean="0"/>
+              <a:t> d’erreur personnalisé</a:t>
+            </a:r>
+          </a:p>
+          <a:p>
+            <a:r>
+              <a:rPr lang="fr-FR" sz="2800" dirty="0" smtClean="0"/>
+              <a:t>Logique pour gérer les erreurs liées aux </a:t>
+            </a:r>
+            <a:r>
+              <a:rPr lang="fr-FR" sz="2800" dirty="0" err="1" smtClean="0"/>
+              <a:t>DataAnnotations</a:t>
+            </a:r>
+            <a:endParaRPr lang="fr-FR" sz="2800" dirty="0" smtClean="0"/>
+          </a:p>
+          <a:p>
+            <a:r>
+              <a:rPr lang="fr-FR" sz="2800" dirty="0" smtClean="0"/>
+              <a:t>Activer/Désactiver le bouton Save</a:t>
+            </a:r>
+          </a:p>
+          <a:p>
+            <a:endParaRPr lang="fr-FR" dirty="0" smtClean="0"/>
+          </a:p>
+          <a:p>
+            <a:pPr marL="457200" lvl="1" indent="0">
+              <a:buNone/>
+            </a:pPr>
+            <a:endParaRPr lang="fr-FR" dirty="0"/>
           </a:p>
         </p:txBody>
       </p:sp>
@@ -19064,6 +19999,225 @@
   <p:clrMapOvr>
     <a:masterClrMapping/>
   </p:clrMapOvr>
+  <p:timing>
+    <p:tnLst>
+      <p:par>
+        <p:cTn id="1" dur="indefinite" restart="never" nodeType="tmRoot"/>
+      </p:par>
+    </p:tnLst>
+  </p:timing>
+</p:sld>
+</file>
+
+<file path=ppt/slides/slide58.xml><?xml version="1.0" encoding="utf-8"?>
+<p:sld xmlns:a="http://schemas.openxmlformats.org/drawingml/2006/main" xmlns:r="http://schemas.openxmlformats.org/officeDocument/2006/relationships" xmlns:p="http://schemas.openxmlformats.org/presentationml/2006/main">
+  <p:cSld>
+    <p:spTree>
+      <p:nvGrpSpPr>
+        <p:cNvPr id="1" name=""/>
+        <p:cNvGrpSpPr/>
+        <p:nvPr/>
+      </p:nvGrpSpPr>
+      <p:grpSpPr>
+        <a:xfrm>
+          <a:off x="0" y="0"/>
+          <a:ext cx="0" cy="0"/>
+          <a:chOff x="0" y="0"/>
+          <a:chExt cx="0" cy="0"/>
+        </a:xfrm>
+      </p:grpSpPr>
+      <p:sp>
+        <p:nvSpPr>
+          <p:cNvPr id="2" name="Titre 1"/>
+          <p:cNvSpPr>
+            <a:spLocks noGrp="1"/>
+          </p:cNvSpPr>
+          <p:nvPr>
+            <p:ph type="title"/>
+          </p:nvPr>
+        </p:nvSpPr>
+        <p:spPr/>
+        <p:txBody>
+          <a:bodyPr/>
+          <a:lstStyle/>
+          <a:p>
+            <a:r>
+              <a:rPr lang="fr-FR" dirty="0" smtClean="0"/>
+              <a:t>Qu’est ce que la validation ?</a:t>
+            </a:r>
+            <a:endParaRPr lang="fr-FR" dirty="0"/>
+          </a:p>
+        </p:txBody>
+      </p:sp>
+      <p:sp>
+        <p:nvSpPr>
+          <p:cNvPr id="3" name="Espace réservé du contenu 2"/>
+          <p:cNvSpPr>
+            <a:spLocks noGrp="1"/>
+          </p:cNvSpPr>
+          <p:nvPr>
+            <p:ph idx="1"/>
+          </p:nvPr>
+        </p:nvSpPr>
+        <p:spPr/>
+        <p:txBody>
+          <a:bodyPr/>
+          <a:lstStyle/>
+          <a:p>
+            <a:r>
+              <a:rPr lang="fr-FR" dirty="0" smtClean="0"/>
+              <a:t>La validation de données consiste à empêcher l’utilisateur d’entrer des valeurs erronées dans notre application.</a:t>
+            </a:r>
+          </a:p>
+          <a:p>
+            <a:r>
+              <a:rPr lang="fr-FR" dirty="0" smtClean="0"/>
+              <a:t>Ex : prénom vide =&gt; on lui affiche un message d’erreur</a:t>
+            </a:r>
+            <a:endParaRPr lang="fr-FR" dirty="0"/>
+          </a:p>
+        </p:txBody>
+      </p:sp>
+    </p:spTree>
+    <p:extLst>
+      <p:ext uri="{BB962C8B-B14F-4D97-AF65-F5344CB8AC3E}">
+        <p14:creationId xmlns:p14="http://schemas.microsoft.com/office/powerpoint/2010/main" val="3077130589"/>
+      </p:ext>
+    </p:extLst>
+  </p:cSld>
+  <p:clrMapOvr>
+    <a:masterClrMapping/>
+  </p:clrMapOvr>
+  <p:timing>
+    <p:tnLst>
+      <p:par>
+        <p:cTn id="1" dur="indefinite" restart="never" nodeType="tmRoot"/>
+      </p:par>
+    </p:tnLst>
+  </p:timing>
+</p:sld>
+</file>
+
+<file path=ppt/slides/slide59.xml><?xml version="1.0" encoding="utf-8"?>
+<p:sld xmlns:a="http://schemas.openxmlformats.org/drawingml/2006/main" xmlns:r="http://schemas.openxmlformats.org/officeDocument/2006/relationships" xmlns:p="http://schemas.openxmlformats.org/presentationml/2006/main">
+  <p:cSld>
+    <p:spTree>
+      <p:nvGrpSpPr>
+        <p:cNvPr id="1" name=""/>
+        <p:cNvGrpSpPr/>
+        <p:nvPr/>
+      </p:nvGrpSpPr>
+      <p:grpSpPr>
+        <a:xfrm>
+          <a:off x="0" y="0"/>
+          <a:ext cx="0" cy="0"/>
+          <a:chOff x="0" y="0"/>
+          <a:chExt cx="0" cy="0"/>
+        </a:xfrm>
+      </p:grpSpPr>
+      <p:sp>
+        <p:nvSpPr>
+          <p:cNvPr id="2" name="Titre 1"/>
+          <p:cNvSpPr>
+            <a:spLocks noGrp="1"/>
+          </p:cNvSpPr>
+          <p:nvPr>
+            <p:ph type="title"/>
+          </p:nvPr>
+        </p:nvSpPr>
+        <p:spPr/>
+        <p:txBody>
+          <a:bodyPr/>
+          <a:lstStyle/>
+          <a:p>
+            <a:r>
+              <a:rPr lang="fr-FR" dirty="0" smtClean="0"/>
+              <a:t>Exceptions non catchées</a:t>
+            </a:r>
+            <a:endParaRPr lang="fr-FR" dirty="0"/>
+          </a:p>
+        </p:txBody>
+      </p:sp>
+      <p:sp>
+        <p:nvSpPr>
+          <p:cNvPr id="3" name="Espace réservé du contenu 2"/>
+          <p:cNvSpPr>
+            <a:spLocks noGrp="1"/>
+          </p:cNvSpPr>
+          <p:nvPr>
+            <p:ph idx="1"/>
+          </p:nvPr>
+        </p:nvSpPr>
+        <p:spPr/>
+        <p:txBody>
+          <a:bodyPr/>
+          <a:lstStyle/>
+          <a:p>
+            <a:r>
+              <a:rPr lang="fr-FR" sz="2400" dirty="0" smtClean="0"/>
+              <a:t>Que se passe t il si on essaie de sauvegarder un </a:t>
+            </a:r>
+            <a:r>
+              <a:rPr lang="fr-FR" sz="2400" dirty="0" err="1" smtClean="0"/>
+              <a:t>Friend</a:t>
+            </a:r>
+            <a:r>
+              <a:rPr lang="fr-FR" sz="2400" dirty="0" smtClean="0"/>
+              <a:t> en mettant rien à la valeur du prénom ?</a:t>
+            </a:r>
+          </a:p>
+          <a:p>
+            <a:endParaRPr lang="fr-FR" sz="2400" dirty="0"/>
+          </a:p>
+          <a:p>
+            <a:endParaRPr lang="fr-FR" sz="2400" dirty="0" smtClean="0"/>
+          </a:p>
+          <a:p>
+            <a:endParaRPr lang="fr-FR" dirty="0"/>
+          </a:p>
+        </p:txBody>
+      </p:sp>
+      <p:pic>
+        <p:nvPicPr>
+          <p:cNvPr id="4" name="Image 3"/>
+          <p:cNvPicPr>
+            <a:picLocks noChangeAspect="1"/>
+          </p:cNvPicPr>
+          <p:nvPr/>
+        </p:nvPicPr>
+        <p:blipFill>
+          <a:blip r:embed="rId2"/>
+          <a:stretch>
+            <a:fillRect/>
+          </a:stretch>
+        </p:blipFill>
+        <p:spPr>
+          <a:xfrm>
+            <a:off x="2863163" y="3513522"/>
+            <a:ext cx="5119301" cy="2601271"/>
+          </a:xfrm>
+          <a:prstGeom prst="rect">
+            <a:avLst/>
+          </a:prstGeom>
+        </p:spPr>
+      </p:pic>
+    </p:spTree>
+    <p:extLst>
+      <p:ext uri="{BB962C8B-B14F-4D97-AF65-F5344CB8AC3E}">
+        <p14:creationId xmlns:p14="http://schemas.microsoft.com/office/powerpoint/2010/main" val="4093740026"/>
+      </p:ext>
+    </p:extLst>
+  </p:cSld>
+  <p:clrMapOvr>
+    <a:masterClrMapping/>
+  </p:clrMapOvr>
+  <p:timing>
+    <p:tnLst>
+      <p:par>
+        <p:cTn id="1" dur="indefinite" restart="never" nodeType="tmRoot"/>
+      </p:par>
+    </p:tnLst>
+  </p:timing>
 </p:sld>
 </file>
 
@@ -19214,6 +20368,1493 @@
 </p:sld>
 </file>
 
+<file path=ppt/slides/slide60.xml><?xml version="1.0" encoding="utf-8"?>
+<p:sld xmlns:a="http://schemas.openxmlformats.org/drawingml/2006/main" xmlns:r="http://schemas.openxmlformats.org/officeDocument/2006/relationships" xmlns:p="http://schemas.openxmlformats.org/presentationml/2006/main">
+  <p:cSld>
+    <p:spTree>
+      <p:nvGrpSpPr>
+        <p:cNvPr id="1" name=""/>
+        <p:cNvGrpSpPr/>
+        <p:nvPr/>
+      </p:nvGrpSpPr>
+      <p:grpSpPr>
+        <a:xfrm>
+          <a:off x="0" y="0"/>
+          <a:ext cx="0" cy="0"/>
+          <a:chOff x="0" y="0"/>
+          <a:chExt cx="0" cy="0"/>
+        </a:xfrm>
+      </p:grpSpPr>
+      <p:sp>
+        <p:nvSpPr>
+          <p:cNvPr id="2" name="Titre 1"/>
+          <p:cNvSpPr>
+            <a:spLocks noGrp="1"/>
+          </p:cNvSpPr>
+          <p:nvPr>
+            <p:ph type="title"/>
+          </p:nvPr>
+        </p:nvSpPr>
+        <p:spPr/>
+        <p:txBody>
+          <a:bodyPr/>
+          <a:lstStyle/>
+          <a:p>
+            <a:r>
+              <a:rPr lang="fr-FR" dirty="0" smtClean="0"/>
+              <a:t>Catcher les exceptions</a:t>
+            </a:r>
+            <a:endParaRPr lang="fr-FR" dirty="0"/>
+          </a:p>
+        </p:txBody>
+      </p:sp>
+      <p:sp>
+        <p:nvSpPr>
+          <p:cNvPr id="3" name="Espace réservé du contenu 2"/>
+          <p:cNvSpPr>
+            <a:spLocks noGrp="1"/>
+          </p:cNvSpPr>
+          <p:nvPr>
+            <p:ph idx="1"/>
+          </p:nvPr>
+        </p:nvSpPr>
+        <p:spPr/>
+        <p:txBody>
+          <a:bodyPr/>
+          <a:lstStyle/>
+          <a:p>
+            <a:r>
+              <a:rPr lang="fr-FR" dirty="0" smtClean="0"/>
+              <a:t>Ajouter dans </a:t>
+            </a:r>
+            <a:r>
+              <a:rPr lang="fr-FR" dirty="0" err="1" smtClean="0"/>
+              <a:t>App.xaml</a:t>
+            </a:r>
+            <a:r>
+              <a:rPr lang="fr-FR" dirty="0" smtClean="0"/>
+              <a:t> </a:t>
+            </a:r>
+            <a:r>
+              <a:rPr lang="fr-FR" b="1" dirty="0" err="1" smtClean="0"/>
+              <a:t>DispatcherUnhandledException</a:t>
+            </a:r>
+            <a:endParaRPr lang="fr-FR" b="1" dirty="0" smtClean="0"/>
+          </a:p>
+          <a:p>
+            <a:endParaRPr lang="fr-FR" dirty="0"/>
+          </a:p>
+        </p:txBody>
+      </p:sp>
+      <p:pic>
+        <p:nvPicPr>
+          <p:cNvPr id="4" name="Image 3"/>
+          <p:cNvPicPr>
+            <a:picLocks noChangeAspect="1"/>
+          </p:cNvPicPr>
+          <p:nvPr/>
+        </p:nvPicPr>
+        <p:blipFill>
+          <a:blip r:embed="rId2"/>
+          <a:stretch>
+            <a:fillRect/>
+          </a:stretch>
+        </p:blipFill>
+        <p:spPr>
+          <a:xfrm>
+            <a:off x="1154954" y="3214687"/>
+            <a:ext cx="7762875" cy="1343025"/>
+          </a:xfrm>
+          <a:prstGeom prst="rect">
+            <a:avLst/>
+          </a:prstGeom>
+        </p:spPr>
+      </p:pic>
+      <p:pic>
+        <p:nvPicPr>
+          <p:cNvPr id="5" name="Image 4"/>
+          <p:cNvPicPr>
+            <a:picLocks noChangeAspect="1"/>
+          </p:cNvPicPr>
+          <p:nvPr/>
+        </p:nvPicPr>
+        <p:blipFill>
+          <a:blip r:embed="rId3"/>
+          <a:stretch>
+            <a:fillRect/>
+          </a:stretch>
+        </p:blipFill>
+        <p:spPr>
+          <a:xfrm>
+            <a:off x="1277894" y="4722018"/>
+            <a:ext cx="6324600" cy="1133475"/>
+          </a:xfrm>
+          <a:prstGeom prst="rect">
+            <a:avLst/>
+          </a:prstGeom>
+        </p:spPr>
+      </p:pic>
+      <p:sp>
+        <p:nvSpPr>
+          <p:cNvPr id="6" name="ZoneTexte 5"/>
+          <p:cNvSpPr txBox="1"/>
+          <p:nvPr/>
+        </p:nvSpPr>
+        <p:spPr>
+          <a:xfrm>
+            <a:off x="617838" y="5755049"/>
+            <a:ext cx="10722807" cy="369332"/>
+          </a:xfrm>
+          <a:prstGeom prst="rect">
+            <a:avLst/>
+          </a:prstGeom>
+          <a:noFill/>
+        </p:spPr>
+        <p:txBody>
+          <a:bodyPr wrap="none" rtlCol="0">
+            <a:spAutoFit/>
+          </a:bodyPr>
+          <a:lstStyle/>
+          <a:p>
+            <a:r>
+              <a:rPr lang="fr-FR" b="1" dirty="0" smtClean="0"/>
+              <a:t>Avec </a:t>
+            </a:r>
+            <a:r>
+              <a:rPr lang="fr-FR" b="1" dirty="0" err="1" smtClean="0"/>
+              <a:t>e.Handled</a:t>
+            </a:r>
+            <a:r>
+              <a:rPr lang="fr-FR" b="1" dirty="0" smtClean="0"/>
+              <a:t> = </a:t>
+            </a:r>
+            <a:r>
+              <a:rPr lang="fr-FR" b="1" dirty="0" err="1" smtClean="0"/>
+              <a:t>true</a:t>
+            </a:r>
+            <a:r>
+              <a:rPr lang="fr-FR" b="1" dirty="0" smtClean="0"/>
+              <a:t>, l’application va quand </a:t>
+            </a:r>
+            <a:r>
+              <a:rPr lang="fr-FR" b="1" dirty="0" err="1" smtClean="0"/>
+              <a:t>meme</a:t>
+            </a:r>
+            <a:r>
+              <a:rPr lang="fr-FR" b="1" dirty="0" smtClean="0"/>
+              <a:t> continuer à tourner en cas d’exceptions</a:t>
+            </a:r>
+            <a:endParaRPr lang="fr-FR" b="1" dirty="0"/>
+          </a:p>
+        </p:txBody>
+      </p:sp>
+    </p:spTree>
+    <p:extLst>
+      <p:ext uri="{BB962C8B-B14F-4D97-AF65-F5344CB8AC3E}">
+        <p14:creationId xmlns:p14="http://schemas.microsoft.com/office/powerpoint/2010/main" val="1052459713"/>
+      </p:ext>
+    </p:extLst>
+  </p:cSld>
+  <p:clrMapOvr>
+    <a:masterClrMapping/>
+  </p:clrMapOvr>
+  <p:timing>
+    <p:tnLst>
+      <p:par>
+        <p:cTn id="1" dur="indefinite" restart="never" nodeType="tmRoot"/>
+      </p:par>
+    </p:tnLst>
+  </p:timing>
+</p:sld>
+</file>
+
+<file path=ppt/slides/slide61.xml><?xml version="1.0" encoding="utf-8"?>
+<p:sld xmlns:a="http://schemas.openxmlformats.org/drawingml/2006/main" xmlns:r="http://schemas.openxmlformats.org/officeDocument/2006/relationships" xmlns:p="http://schemas.openxmlformats.org/presentationml/2006/main">
+  <p:cSld>
+    <p:spTree>
+      <p:nvGrpSpPr>
+        <p:cNvPr id="1" name=""/>
+        <p:cNvGrpSpPr/>
+        <p:nvPr/>
+      </p:nvGrpSpPr>
+      <p:grpSpPr>
+        <a:xfrm>
+          <a:off x="0" y="0"/>
+          <a:ext cx="0" cy="0"/>
+          <a:chOff x="0" y="0"/>
+          <a:chExt cx="0" cy="0"/>
+        </a:xfrm>
+      </p:grpSpPr>
+      <p:sp>
+        <p:nvSpPr>
+          <p:cNvPr id="2" name="Titre 1"/>
+          <p:cNvSpPr>
+            <a:spLocks noGrp="1"/>
+          </p:cNvSpPr>
+          <p:nvPr>
+            <p:ph type="title"/>
+          </p:nvPr>
+        </p:nvSpPr>
+        <p:spPr/>
+        <p:txBody>
+          <a:bodyPr/>
+          <a:lstStyle/>
+          <a:p>
+            <a:r>
+              <a:rPr lang="fr-FR" dirty="0" smtClean="0"/>
+              <a:t>Exceptions : </a:t>
+            </a:r>
+            <a:r>
+              <a:rPr lang="fr-FR" dirty="0" err="1" smtClean="0"/>
+              <a:t>fenetre</a:t>
+            </a:r>
+            <a:r>
+              <a:rPr lang="fr-FR" dirty="0" smtClean="0"/>
+              <a:t> générique</a:t>
+            </a:r>
+            <a:endParaRPr lang="fr-FR" dirty="0"/>
+          </a:p>
+        </p:txBody>
+      </p:sp>
+      <p:sp>
+        <p:nvSpPr>
+          <p:cNvPr id="3" name="Espace réservé du contenu 2"/>
+          <p:cNvSpPr>
+            <a:spLocks noGrp="1"/>
+          </p:cNvSpPr>
+          <p:nvPr>
+            <p:ph idx="1"/>
+          </p:nvPr>
+        </p:nvSpPr>
+        <p:spPr/>
+        <p:txBody>
+          <a:bodyPr/>
+          <a:lstStyle/>
+          <a:p>
+            <a:r>
+              <a:rPr lang="fr-FR" dirty="0" smtClean="0"/>
+              <a:t>Ajouter une </a:t>
+            </a:r>
+            <a:r>
+              <a:rPr lang="fr-FR" b="1" dirty="0" err="1" smtClean="0"/>
+              <a:t>MessageBox</a:t>
+            </a:r>
+            <a:r>
+              <a:rPr lang="fr-FR" dirty="0" smtClean="0"/>
+              <a:t> comme ci-dessous :</a:t>
+            </a:r>
+            <a:endParaRPr lang="fr-FR" dirty="0"/>
+          </a:p>
+        </p:txBody>
+      </p:sp>
+      <p:pic>
+        <p:nvPicPr>
+          <p:cNvPr id="4" name="Image 3"/>
+          <p:cNvPicPr>
+            <a:picLocks noChangeAspect="1"/>
+          </p:cNvPicPr>
+          <p:nvPr/>
+        </p:nvPicPr>
+        <p:blipFill>
+          <a:blip r:embed="rId2"/>
+          <a:stretch>
+            <a:fillRect/>
+          </a:stretch>
+        </p:blipFill>
+        <p:spPr>
+          <a:xfrm>
+            <a:off x="1542827" y="3168006"/>
+            <a:ext cx="6838950" cy="1990725"/>
+          </a:xfrm>
+          <a:prstGeom prst="rect">
+            <a:avLst/>
+          </a:prstGeom>
+        </p:spPr>
+      </p:pic>
+    </p:spTree>
+    <p:extLst>
+      <p:ext uri="{BB962C8B-B14F-4D97-AF65-F5344CB8AC3E}">
+        <p14:creationId xmlns:p14="http://schemas.microsoft.com/office/powerpoint/2010/main" val="3652464533"/>
+      </p:ext>
+    </p:extLst>
+  </p:cSld>
+  <p:clrMapOvr>
+    <a:masterClrMapping/>
+  </p:clrMapOvr>
+  <p:timing>
+    <p:tnLst>
+      <p:par>
+        <p:cTn id="1" dur="indefinite" restart="never" nodeType="tmRoot"/>
+      </p:par>
+    </p:tnLst>
+  </p:timing>
+</p:sld>
+</file>
+
+<file path=ppt/slides/slide62.xml><?xml version="1.0" encoding="utf-8"?>
+<p:sld xmlns:a="http://schemas.openxmlformats.org/drawingml/2006/main" xmlns:r="http://schemas.openxmlformats.org/officeDocument/2006/relationships" xmlns:p="http://schemas.openxmlformats.org/presentationml/2006/main">
+  <p:cSld>
+    <p:spTree>
+      <p:nvGrpSpPr>
+        <p:cNvPr id="1" name=""/>
+        <p:cNvGrpSpPr/>
+        <p:nvPr/>
+      </p:nvGrpSpPr>
+      <p:grpSpPr>
+        <a:xfrm>
+          <a:off x="0" y="0"/>
+          <a:ext cx="0" cy="0"/>
+          <a:chOff x="0" y="0"/>
+          <a:chExt cx="0" cy="0"/>
+        </a:xfrm>
+      </p:grpSpPr>
+      <p:sp>
+        <p:nvSpPr>
+          <p:cNvPr id="2" name="Titre 1"/>
+          <p:cNvSpPr>
+            <a:spLocks noGrp="1"/>
+          </p:cNvSpPr>
+          <p:nvPr>
+            <p:ph type="title"/>
+          </p:nvPr>
+        </p:nvSpPr>
+        <p:spPr/>
+        <p:txBody>
+          <a:bodyPr/>
+          <a:lstStyle/>
+          <a:p>
+            <a:r>
+              <a:rPr lang="fr-FR" dirty="0" smtClean="0"/>
+              <a:t>Différentes manière de gérer la validation</a:t>
+            </a:r>
+            <a:endParaRPr lang="fr-FR" dirty="0"/>
+          </a:p>
+        </p:txBody>
+      </p:sp>
+      <p:pic>
+        <p:nvPicPr>
+          <p:cNvPr id="4" name="Espace réservé du contenu 3"/>
+          <p:cNvPicPr>
+            <a:picLocks noGrp="1" noChangeAspect="1"/>
+          </p:cNvPicPr>
+          <p:nvPr>
+            <p:ph idx="1"/>
+          </p:nvPr>
+        </p:nvPicPr>
+        <p:blipFill>
+          <a:blip r:embed="rId2"/>
+          <a:stretch>
+            <a:fillRect/>
+          </a:stretch>
+        </p:blipFill>
+        <p:spPr>
+          <a:xfrm>
+            <a:off x="1529556" y="2782887"/>
+            <a:ext cx="8077200" cy="3057525"/>
+          </a:xfrm>
+          <a:prstGeom prst="rect">
+            <a:avLst/>
+          </a:prstGeom>
+        </p:spPr>
+      </p:pic>
+      <p:sp>
+        <p:nvSpPr>
+          <p:cNvPr id="7" name="Flèche droite 6"/>
+          <p:cNvSpPr/>
+          <p:nvPr/>
+        </p:nvSpPr>
+        <p:spPr>
+          <a:xfrm rot="10800000">
+            <a:off x="9633876" y="4584357"/>
+            <a:ext cx="939113" cy="1037968"/>
+          </a:xfrm>
+          <a:prstGeom prst="rightArrow">
+            <a:avLst/>
+          </a:prstGeom>
+        </p:spPr>
+        <p:style>
+          <a:lnRef idx="2">
+            <a:schemeClr val="accent1">
+              <a:shade val="50000"/>
+            </a:schemeClr>
+          </a:lnRef>
+          <a:fillRef idx="1">
+            <a:schemeClr val="accent1"/>
+          </a:fillRef>
+          <a:effectRef idx="0">
+            <a:schemeClr val="accent1"/>
+          </a:effectRef>
+          <a:fontRef idx="minor">
+            <a:schemeClr val="lt1"/>
+          </a:fontRef>
+        </p:style>
+        <p:txBody>
+          <a:bodyPr rtlCol="0" anchor="ctr"/>
+          <a:lstStyle/>
+          <a:p>
+            <a:pPr algn="ctr"/>
+            <a:endParaRPr lang="fr-FR"/>
+          </a:p>
+        </p:txBody>
+      </p:sp>
+    </p:spTree>
+    <p:extLst>
+      <p:ext uri="{BB962C8B-B14F-4D97-AF65-F5344CB8AC3E}">
+        <p14:creationId xmlns:p14="http://schemas.microsoft.com/office/powerpoint/2010/main" val="1351056145"/>
+      </p:ext>
+    </p:extLst>
+  </p:cSld>
+  <p:clrMapOvr>
+    <a:masterClrMapping/>
+  </p:clrMapOvr>
+  <p:timing>
+    <p:tnLst>
+      <p:par>
+        <p:cTn id="1" dur="indefinite" restart="never" nodeType="tmRoot"/>
+      </p:par>
+    </p:tnLst>
+  </p:timing>
+</p:sld>
+</file>
+
+<file path=ppt/slides/slide63.xml><?xml version="1.0" encoding="utf-8"?>
+<p:sld xmlns:a="http://schemas.openxmlformats.org/drawingml/2006/main" xmlns:r="http://schemas.openxmlformats.org/officeDocument/2006/relationships" xmlns:p="http://schemas.openxmlformats.org/presentationml/2006/main">
+  <p:cSld>
+    <p:spTree>
+      <p:nvGrpSpPr>
+        <p:cNvPr id="1" name=""/>
+        <p:cNvGrpSpPr/>
+        <p:nvPr/>
+      </p:nvGrpSpPr>
+      <p:grpSpPr>
+        <a:xfrm>
+          <a:off x="0" y="0"/>
+          <a:ext cx="0" cy="0"/>
+          <a:chOff x="0" y="0"/>
+          <a:chExt cx="0" cy="0"/>
+        </a:xfrm>
+      </p:grpSpPr>
+      <p:sp>
+        <p:nvSpPr>
+          <p:cNvPr id="2" name="Titre 1"/>
+          <p:cNvSpPr>
+            <a:spLocks noGrp="1"/>
+          </p:cNvSpPr>
+          <p:nvPr>
+            <p:ph type="title"/>
+          </p:nvPr>
+        </p:nvSpPr>
+        <p:spPr/>
+        <p:txBody>
+          <a:bodyPr/>
+          <a:lstStyle/>
+          <a:p>
+            <a:r>
+              <a:rPr lang="fr-FR" dirty="0" err="1"/>
+              <a:t>INotifyDataErrorInfo</a:t>
+            </a:r>
+            <a:endParaRPr lang="fr-FR" dirty="0"/>
+          </a:p>
+        </p:txBody>
+      </p:sp>
+      <p:sp>
+        <p:nvSpPr>
+          <p:cNvPr id="3" name="Espace réservé du contenu 2"/>
+          <p:cNvSpPr>
+            <a:spLocks noGrp="1"/>
+          </p:cNvSpPr>
+          <p:nvPr>
+            <p:ph idx="1"/>
+          </p:nvPr>
+        </p:nvSpPr>
+        <p:spPr/>
+        <p:txBody>
+          <a:bodyPr/>
+          <a:lstStyle/>
+          <a:p>
+            <a:r>
+              <a:rPr lang="fr-FR" b="1" dirty="0" err="1" smtClean="0"/>
+              <a:t>INotifyDataErrorInfo</a:t>
+            </a:r>
+            <a:r>
+              <a:rPr lang="fr-FR" dirty="0" smtClean="0"/>
+              <a:t> permet de retourner plusieurs erreurs pour une </a:t>
+            </a:r>
+            <a:r>
+              <a:rPr lang="fr-FR" dirty="0" err="1" smtClean="0"/>
+              <a:t>propriete</a:t>
+            </a:r>
+            <a:r>
+              <a:rPr lang="fr-FR" dirty="0" smtClean="0"/>
+              <a:t> ( ex </a:t>
+            </a:r>
+            <a:r>
+              <a:rPr lang="fr-FR" dirty="0" err="1" smtClean="0"/>
+              <a:t>FirstName</a:t>
+            </a:r>
+            <a:r>
+              <a:rPr lang="fr-FR" dirty="0" smtClean="0"/>
+              <a:t>). On va implémenter cette interface sur la classe qui contient des propriétés à valider </a:t>
+            </a:r>
+            <a:endParaRPr lang="fr-FR" dirty="0"/>
+          </a:p>
+        </p:txBody>
+      </p:sp>
+      <p:pic>
+        <p:nvPicPr>
+          <p:cNvPr id="4" name="Image 3"/>
+          <p:cNvPicPr>
+            <a:picLocks noChangeAspect="1"/>
+          </p:cNvPicPr>
+          <p:nvPr/>
+        </p:nvPicPr>
+        <p:blipFill>
+          <a:blip r:embed="rId2"/>
+          <a:stretch>
+            <a:fillRect/>
+          </a:stretch>
+        </p:blipFill>
+        <p:spPr>
+          <a:xfrm>
+            <a:off x="1292272" y="3780652"/>
+            <a:ext cx="8486775" cy="2781300"/>
+          </a:xfrm>
+          <a:prstGeom prst="rect">
+            <a:avLst/>
+          </a:prstGeom>
+        </p:spPr>
+      </p:pic>
+    </p:spTree>
+    <p:extLst>
+      <p:ext uri="{BB962C8B-B14F-4D97-AF65-F5344CB8AC3E}">
+        <p14:creationId xmlns:p14="http://schemas.microsoft.com/office/powerpoint/2010/main" val="1408285699"/>
+      </p:ext>
+    </p:extLst>
+  </p:cSld>
+  <p:clrMapOvr>
+    <a:masterClrMapping/>
+  </p:clrMapOvr>
+  <p:timing>
+    <p:tnLst>
+      <p:par>
+        <p:cTn id="1" dur="indefinite" restart="never" nodeType="tmRoot"/>
+      </p:par>
+    </p:tnLst>
+  </p:timing>
+</p:sld>
+</file>
+
+<file path=ppt/slides/slide64.xml><?xml version="1.0" encoding="utf-8"?>
+<p:sld xmlns:a="http://schemas.openxmlformats.org/drawingml/2006/main" xmlns:r="http://schemas.openxmlformats.org/officeDocument/2006/relationships" xmlns:p="http://schemas.openxmlformats.org/presentationml/2006/main">
+  <p:cSld>
+    <p:spTree>
+      <p:nvGrpSpPr>
+        <p:cNvPr id="1" name=""/>
+        <p:cNvGrpSpPr/>
+        <p:nvPr/>
+      </p:nvGrpSpPr>
+      <p:grpSpPr>
+        <a:xfrm>
+          <a:off x="0" y="0"/>
+          <a:ext cx="0" cy="0"/>
+          <a:chOff x="0" y="0"/>
+          <a:chExt cx="0" cy="0"/>
+        </a:xfrm>
+      </p:grpSpPr>
+      <p:sp>
+        <p:nvSpPr>
+          <p:cNvPr id="2" name="Titre 1"/>
+          <p:cNvSpPr>
+            <a:spLocks noGrp="1"/>
+          </p:cNvSpPr>
+          <p:nvPr>
+            <p:ph type="title"/>
+          </p:nvPr>
+        </p:nvSpPr>
+        <p:spPr/>
+        <p:txBody>
+          <a:bodyPr/>
+          <a:lstStyle/>
+          <a:p>
+            <a:r>
+              <a:rPr lang="fr-FR" dirty="0" err="1" smtClean="0"/>
+              <a:t>FriendWrapper</a:t>
+            </a:r>
+            <a:endParaRPr lang="fr-FR" dirty="0"/>
+          </a:p>
+        </p:txBody>
+      </p:sp>
+      <p:sp>
+        <p:nvSpPr>
+          <p:cNvPr id="3" name="Espace réservé du contenu 2"/>
+          <p:cNvSpPr>
+            <a:spLocks noGrp="1"/>
+          </p:cNvSpPr>
+          <p:nvPr>
+            <p:ph idx="1"/>
+          </p:nvPr>
+        </p:nvSpPr>
+        <p:spPr/>
+        <p:txBody>
+          <a:bodyPr/>
+          <a:lstStyle/>
+          <a:p>
+            <a:r>
+              <a:rPr lang="fr-FR" dirty="0" smtClean="0"/>
+              <a:t>Création d’un </a:t>
+            </a:r>
+            <a:r>
+              <a:rPr lang="fr-FR" b="1" dirty="0" err="1" smtClean="0"/>
+              <a:t>FriendWrapper</a:t>
+            </a:r>
+            <a:r>
+              <a:rPr lang="fr-FR" b="1" dirty="0" smtClean="0"/>
+              <a:t> </a:t>
+            </a:r>
+            <a:r>
+              <a:rPr lang="fr-FR" dirty="0" smtClean="0"/>
+              <a:t>dont la responsabilité va </a:t>
+            </a:r>
+            <a:r>
+              <a:rPr lang="fr-FR" dirty="0" err="1" smtClean="0"/>
+              <a:t>etre</a:t>
+            </a:r>
+            <a:r>
+              <a:rPr lang="fr-FR" dirty="0" smtClean="0"/>
+              <a:t> d’implémenter cette interface. ( je ne veux pas polluer la classe </a:t>
+            </a:r>
+            <a:r>
+              <a:rPr lang="fr-FR" dirty="0" err="1" smtClean="0"/>
+              <a:t>Friend</a:t>
+            </a:r>
+            <a:r>
+              <a:rPr lang="fr-FR" dirty="0" smtClean="0"/>
+              <a:t>)</a:t>
+            </a:r>
+          </a:p>
+          <a:p>
+            <a:endParaRPr lang="fr-FR" b="1" dirty="0"/>
+          </a:p>
+          <a:p>
+            <a:endParaRPr lang="fr-FR" b="1" dirty="0"/>
+          </a:p>
+        </p:txBody>
+      </p:sp>
+      <p:pic>
+        <p:nvPicPr>
+          <p:cNvPr id="4" name="Image 3"/>
+          <p:cNvPicPr>
+            <a:picLocks noChangeAspect="1"/>
+          </p:cNvPicPr>
+          <p:nvPr/>
+        </p:nvPicPr>
+        <p:blipFill>
+          <a:blip r:embed="rId2"/>
+          <a:stretch>
+            <a:fillRect/>
+          </a:stretch>
+        </p:blipFill>
+        <p:spPr>
+          <a:xfrm>
+            <a:off x="1278522" y="3313643"/>
+            <a:ext cx="8020050" cy="3629025"/>
+          </a:xfrm>
+          <a:prstGeom prst="rect">
+            <a:avLst/>
+          </a:prstGeom>
+        </p:spPr>
+      </p:pic>
+    </p:spTree>
+    <p:extLst>
+      <p:ext uri="{BB962C8B-B14F-4D97-AF65-F5344CB8AC3E}">
+        <p14:creationId xmlns:p14="http://schemas.microsoft.com/office/powerpoint/2010/main" val="3919984"/>
+      </p:ext>
+    </p:extLst>
+  </p:cSld>
+  <p:clrMapOvr>
+    <a:masterClrMapping/>
+  </p:clrMapOvr>
+  <p:timing>
+    <p:tnLst>
+      <p:par>
+        <p:cTn id="1" dur="indefinite" restart="never" nodeType="tmRoot"/>
+      </p:par>
+    </p:tnLst>
+  </p:timing>
+</p:sld>
+</file>
+
+<file path=ppt/slides/slide65.xml><?xml version="1.0" encoding="utf-8"?>
+<p:sld xmlns:a="http://schemas.openxmlformats.org/drawingml/2006/main" xmlns:r="http://schemas.openxmlformats.org/officeDocument/2006/relationships" xmlns:p="http://schemas.openxmlformats.org/presentationml/2006/main">
+  <p:cSld>
+    <p:spTree>
+      <p:nvGrpSpPr>
+        <p:cNvPr id="1" name=""/>
+        <p:cNvGrpSpPr/>
+        <p:nvPr/>
+      </p:nvGrpSpPr>
+      <p:grpSpPr>
+        <a:xfrm>
+          <a:off x="0" y="0"/>
+          <a:ext cx="0" cy="0"/>
+          <a:chOff x="0" y="0"/>
+          <a:chExt cx="0" cy="0"/>
+        </a:xfrm>
+      </p:grpSpPr>
+      <p:sp>
+        <p:nvSpPr>
+          <p:cNvPr id="2" name="Titre 1"/>
+          <p:cNvSpPr>
+            <a:spLocks noGrp="1"/>
+          </p:cNvSpPr>
+          <p:nvPr>
+            <p:ph type="title"/>
+          </p:nvPr>
+        </p:nvSpPr>
+        <p:spPr/>
+        <p:txBody>
+          <a:bodyPr/>
+          <a:lstStyle/>
+          <a:p>
+            <a:r>
+              <a:rPr lang="fr-FR" dirty="0" smtClean="0"/>
+              <a:t>Créer la classe </a:t>
+            </a:r>
+            <a:r>
+              <a:rPr lang="fr-FR" dirty="0" err="1" smtClean="0"/>
+              <a:t>FriendWrapper</a:t>
+            </a:r>
+            <a:endParaRPr lang="fr-FR" dirty="0"/>
+          </a:p>
+        </p:txBody>
+      </p:sp>
+      <p:sp>
+        <p:nvSpPr>
+          <p:cNvPr id="3" name="Espace réservé du contenu 2"/>
+          <p:cNvSpPr>
+            <a:spLocks noGrp="1"/>
+          </p:cNvSpPr>
+          <p:nvPr>
+            <p:ph idx="1"/>
+          </p:nvPr>
+        </p:nvSpPr>
+        <p:spPr/>
+        <p:txBody>
+          <a:bodyPr/>
+          <a:lstStyle/>
+          <a:p>
+            <a:r>
+              <a:rPr lang="fr-FR" dirty="0" smtClean="0"/>
+              <a:t>Cette classe dérive de </a:t>
+            </a:r>
+            <a:r>
+              <a:rPr lang="fr-FR" dirty="0" err="1" smtClean="0"/>
+              <a:t>ViewModelBase</a:t>
+            </a:r>
+            <a:r>
+              <a:rPr lang="fr-FR" dirty="0" smtClean="0"/>
+              <a:t>  et </a:t>
+            </a:r>
+            <a:r>
+              <a:rPr lang="fr-FR" dirty="0" err="1" smtClean="0"/>
+              <a:t>INotifyDataErrorInfo</a:t>
+            </a:r>
+            <a:endParaRPr lang="fr-FR" dirty="0" smtClean="0"/>
+          </a:p>
+          <a:p>
+            <a:r>
+              <a:rPr lang="fr-FR" dirty="0" smtClean="0"/>
+              <a:t>Elle encapsule un </a:t>
+            </a:r>
+            <a:r>
+              <a:rPr lang="fr-FR" dirty="0" err="1" smtClean="0"/>
+              <a:t>Friend</a:t>
+            </a:r>
+            <a:r>
+              <a:rPr lang="fr-FR" dirty="0" smtClean="0"/>
+              <a:t> mais expose les </a:t>
+            </a:r>
+            <a:r>
+              <a:rPr lang="fr-FR" dirty="0" err="1" smtClean="0"/>
+              <a:t>memes</a:t>
+            </a:r>
+            <a:r>
+              <a:rPr lang="fr-FR" dirty="0" smtClean="0"/>
+              <a:t> propriétés de ce </a:t>
+            </a:r>
+            <a:r>
+              <a:rPr lang="fr-FR" dirty="0" err="1" smtClean="0"/>
+              <a:t>Friend</a:t>
+            </a:r>
+            <a:endParaRPr lang="fr-FR" dirty="0"/>
+          </a:p>
+        </p:txBody>
+      </p:sp>
+      <p:pic>
+        <p:nvPicPr>
+          <p:cNvPr id="4" name="Image 3"/>
+          <p:cNvPicPr>
+            <a:picLocks noChangeAspect="1"/>
+          </p:cNvPicPr>
+          <p:nvPr/>
+        </p:nvPicPr>
+        <p:blipFill>
+          <a:blip r:embed="rId2"/>
+          <a:stretch>
+            <a:fillRect/>
+          </a:stretch>
+        </p:blipFill>
+        <p:spPr>
+          <a:xfrm>
+            <a:off x="1154954" y="3552825"/>
+            <a:ext cx="5772150" cy="3305175"/>
+          </a:xfrm>
+          <a:prstGeom prst="rect">
+            <a:avLst/>
+          </a:prstGeom>
+        </p:spPr>
+      </p:pic>
+    </p:spTree>
+    <p:extLst>
+      <p:ext uri="{BB962C8B-B14F-4D97-AF65-F5344CB8AC3E}">
+        <p14:creationId xmlns:p14="http://schemas.microsoft.com/office/powerpoint/2010/main" val="1888879935"/>
+      </p:ext>
+    </p:extLst>
+  </p:cSld>
+  <p:clrMapOvr>
+    <a:masterClrMapping/>
+  </p:clrMapOvr>
+  <p:timing>
+    <p:tnLst>
+      <p:par>
+        <p:cTn id="1" dur="indefinite" restart="never" nodeType="tmRoot"/>
+      </p:par>
+    </p:tnLst>
+  </p:timing>
+</p:sld>
+</file>
+
+<file path=ppt/slides/slide66.xml><?xml version="1.0" encoding="utf-8"?>
+<p:sld xmlns:a="http://schemas.openxmlformats.org/drawingml/2006/main" xmlns:r="http://schemas.openxmlformats.org/officeDocument/2006/relationships" xmlns:p="http://schemas.openxmlformats.org/presentationml/2006/main">
+  <p:cSld>
+    <p:spTree>
+      <p:nvGrpSpPr>
+        <p:cNvPr id="1" name=""/>
+        <p:cNvGrpSpPr/>
+        <p:nvPr/>
+      </p:nvGrpSpPr>
+      <p:grpSpPr>
+        <a:xfrm>
+          <a:off x="0" y="0"/>
+          <a:ext cx="0" cy="0"/>
+          <a:chOff x="0" y="0"/>
+          <a:chExt cx="0" cy="0"/>
+        </a:xfrm>
+      </p:grpSpPr>
+      <p:sp>
+        <p:nvSpPr>
+          <p:cNvPr id="2" name="Titre 1"/>
+          <p:cNvSpPr>
+            <a:spLocks noGrp="1"/>
+          </p:cNvSpPr>
+          <p:nvPr>
+            <p:ph type="title"/>
+          </p:nvPr>
+        </p:nvSpPr>
+        <p:spPr/>
+        <p:txBody>
+          <a:bodyPr/>
+          <a:lstStyle/>
+          <a:p>
+            <a:r>
+              <a:rPr lang="fr-FR" dirty="0" smtClean="0"/>
+              <a:t>Implémenter </a:t>
+            </a:r>
+            <a:r>
+              <a:rPr lang="fr-FR" dirty="0" err="1"/>
+              <a:t>INotifyDataErrorInfo</a:t>
+            </a:r>
+            <a:endParaRPr lang="fr-FR" dirty="0"/>
+          </a:p>
+        </p:txBody>
+      </p:sp>
+      <p:sp>
+        <p:nvSpPr>
+          <p:cNvPr id="3" name="Espace réservé du contenu 2"/>
+          <p:cNvSpPr>
+            <a:spLocks noGrp="1"/>
+          </p:cNvSpPr>
+          <p:nvPr>
+            <p:ph idx="1"/>
+          </p:nvPr>
+        </p:nvSpPr>
+        <p:spPr/>
+        <p:txBody>
+          <a:bodyPr/>
+          <a:lstStyle/>
+          <a:p>
+            <a:r>
+              <a:rPr lang="fr-FR" dirty="0" smtClean="0"/>
+              <a:t>Créer un </a:t>
+            </a:r>
+            <a:r>
+              <a:rPr lang="fr-FR" dirty="0" err="1" smtClean="0"/>
+              <a:t>Dictionnary</a:t>
+            </a:r>
+            <a:r>
+              <a:rPr lang="fr-FR" dirty="0" smtClean="0"/>
+              <a:t> pour stocker nos erreurs par propriété</a:t>
+            </a:r>
+          </a:p>
+          <a:p>
+            <a:endParaRPr lang="fr-FR" dirty="0"/>
+          </a:p>
+          <a:p>
+            <a:endParaRPr lang="fr-FR" dirty="0" smtClean="0"/>
+          </a:p>
+          <a:p>
+            <a:endParaRPr lang="fr-FR" dirty="0"/>
+          </a:p>
+          <a:p>
+            <a:r>
+              <a:rPr lang="fr-FR" dirty="0" smtClean="0"/>
+              <a:t>Implémenter la propriété </a:t>
+            </a:r>
+            <a:r>
+              <a:rPr lang="fr-FR" dirty="0" err="1" smtClean="0"/>
+              <a:t>HasErrors</a:t>
+            </a:r>
+            <a:r>
+              <a:rPr lang="fr-FR" dirty="0" smtClean="0"/>
+              <a:t> ( indice si le </a:t>
+            </a:r>
+            <a:r>
+              <a:rPr lang="fr-FR" dirty="0" err="1" smtClean="0"/>
+              <a:t>dictionary</a:t>
+            </a:r>
+            <a:r>
+              <a:rPr lang="fr-FR" dirty="0" smtClean="0"/>
+              <a:t> contient des erreurs la valeur sera </a:t>
+            </a:r>
+            <a:r>
+              <a:rPr lang="fr-FR" dirty="0" err="1" smtClean="0"/>
+              <a:t>true</a:t>
+            </a:r>
+            <a:r>
+              <a:rPr lang="fr-FR" dirty="0" smtClean="0"/>
+              <a:t>)</a:t>
+            </a:r>
+          </a:p>
+          <a:p>
+            <a:r>
+              <a:rPr lang="fr-FR" dirty="0" smtClean="0"/>
+              <a:t>Implémenter </a:t>
+            </a:r>
+            <a:r>
+              <a:rPr lang="fr-FR" dirty="0" err="1" smtClean="0"/>
+              <a:t>GetErrors</a:t>
+            </a:r>
+            <a:r>
+              <a:rPr lang="fr-FR" dirty="0" smtClean="0"/>
+              <a:t> en se servant de notre </a:t>
+            </a:r>
+            <a:r>
+              <a:rPr lang="fr-FR" dirty="0" err="1" smtClean="0"/>
+              <a:t>dictionnary</a:t>
+            </a:r>
+            <a:endParaRPr lang="fr-FR" dirty="0" smtClean="0"/>
+          </a:p>
+          <a:p>
+            <a:r>
+              <a:rPr lang="fr-FR" dirty="0" err="1" smtClean="0"/>
+              <a:t>Implementer</a:t>
+            </a:r>
+            <a:r>
+              <a:rPr lang="fr-FR" dirty="0" smtClean="0"/>
+              <a:t> </a:t>
+            </a:r>
+            <a:r>
+              <a:rPr lang="fr-FR" dirty="0" err="1" smtClean="0"/>
+              <a:t>OnErrorsChanged</a:t>
+            </a:r>
+            <a:r>
+              <a:rPr lang="fr-FR" dirty="0" smtClean="0"/>
+              <a:t> </a:t>
+            </a:r>
+          </a:p>
+          <a:p>
+            <a:endParaRPr lang="fr-FR" dirty="0"/>
+          </a:p>
+        </p:txBody>
+      </p:sp>
+      <p:pic>
+        <p:nvPicPr>
+          <p:cNvPr id="4" name="Image 3"/>
+          <p:cNvPicPr>
+            <a:picLocks noChangeAspect="1"/>
+          </p:cNvPicPr>
+          <p:nvPr/>
+        </p:nvPicPr>
+        <p:blipFill>
+          <a:blip r:embed="rId2"/>
+          <a:stretch>
+            <a:fillRect/>
+          </a:stretch>
+        </p:blipFill>
+        <p:spPr>
+          <a:xfrm>
+            <a:off x="1314836" y="3217389"/>
+            <a:ext cx="8665777" cy="894917"/>
+          </a:xfrm>
+          <a:prstGeom prst="rect">
+            <a:avLst/>
+          </a:prstGeom>
+        </p:spPr>
+      </p:pic>
+      <p:pic>
+        <p:nvPicPr>
+          <p:cNvPr id="5" name="Image 4"/>
+          <p:cNvPicPr>
+            <a:picLocks noChangeAspect="1"/>
+          </p:cNvPicPr>
+          <p:nvPr/>
+        </p:nvPicPr>
+        <p:blipFill>
+          <a:blip r:embed="rId3"/>
+          <a:stretch>
+            <a:fillRect/>
+          </a:stretch>
+        </p:blipFill>
+        <p:spPr>
+          <a:xfrm>
+            <a:off x="1066543" y="5759109"/>
+            <a:ext cx="6648450" cy="809625"/>
+          </a:xfrm>
+          <a:prstGeom prst="rect">
+            <a:avLst/>
+          </a:prstGeom>
+        </p:spPr>
+      </p:pic>
+    </p:spTree>
+    <p:extLst>
+      <p:ext uri="{BB962C8B-B14F-4D97-AF65-F5344CB8AC3E}">
+        <p14:creationId xmlns:p14="http://schemas.microsoft.com/office/powerpoint/2010/main" val="865279558"/>
+      </p:ext>
+    </p:extLst>
+  </p:cSld>
+  <p:clrMapOvr>
+    <a:masterClrMapping/>
+  </p:clrMapOvr>
+  <p:timing>
+    <p:tnLst>
+      <p:par>
+        <p:cTn id="1" dur="indefinite" restart="never" nodeType="tmRoot"/>
+      </p:par>
+    </p:tnLst>
+  </p:timing>
+</p:sld>
+</file>
+
+<file path=ppt/slides/slide67.xml><?xml version="1.0" encoding="utf-8"?>
+<p:sld xmlns:a="http://schemas.openxmlformats.org/drawingml/2006/main" xmlns:r="http://schemas.openxmlformats.org/officeDocument/2006/relationships" xmlns:p="http://schemas.openxmlformats.org/presentationml/2006/main">
+  <p:cSld>
+    <p:spTree>
+      <p:nvGrpSpPr>
+        <p:cNvPr id="1" name=""/>
+        <p:cNvGrpSpPr/>
+        <p:nvPr/>
+      </p:nvGrpSpPr>
+      <p:grpSpPr>
+        <a:xfrm>
+          <a:off x="0" y="0"/>
+          <a:ext cx="0" cy="0"/>
+          <a:chOff x="0" y="0"/>
+          <a:chExt cx="0" cy="0"/>
+        </a:xfrm>
+      </p:grpSpPr>
+      <p:sp>
+        <p:nvSpPr>
+          <p:cNvPr id="2" name="Titre 1"/>
+          <p:cNvSpPr>
+            <a:spLocks noGrp="1"/>
+          </p:cNvSpPr>
+          <p:nvPr>
+            <p:ph type="title"/>
+          </p:nvPr>
+        </p:nvSpPr>
+        <p:spPr/>
+        <p:txBody>
+          <a:bodyPr/>
+          <a:lstStyle/>
+          <a:p>
+            <a:r>
+              <a:rPr lang="fr-FR" dirty="0" err="1" smtClean="0"/>
+              <a:t>AddErrors</a:t>
+            </a:r>
+            <a:r>
+              <a:rPr lang="fr-FR" dirty="0" smtClean="0"/>
+              <a:t> et </a:t>
+            </a:r>
+            <a:r>
+              <a:rPr lang="fr-FR" dirty="0" err="1" smtClean="0"/>
+              <a:t>ClearErrors</a:t>
+            </a:r>
+            <a:endParaRPr lang="fr-FR" dirty="0"/>
+          </a:p>
+        </p:txBody>
+      </p:sp>
+      <p:sp>
+        <p:nvSpPr>
+          <p:cNvPr id="3" name="Espace réservé du contenu 2"/>
+          <p:cNvSpPr>
+            <a:spLocks noGrp="1"/>
+          </p:cNvSpPr>
+          <p:nvPr>
+            <p:ph idx="1"/>
+          </p:nvPr>
+        </p:nvSpPr>
+        <p:spPr/>
+        <p:txBody>
+          <a:bodyPr/>
+          <a:lstStyle/>
+          <a:p>
+            <a:r>
+              <a:rPr lang="fr-FR" dirty="0" smtClean="0"/>
+              <a:t>Ajout de 2 méthodes </a:t>
+            </a:r>
+            <a:r>
+              <a:rPr lang="fr-FR" dirty="0" err="1" smtClean="0"/>
+              <a:t>AddErrors</a:t>
+            </a:r>
+            <a:r>
+              <a:rPr lang="fr-FR" dirty="0" smtClean="0"/>
+              <a:t> et </a:t>
+            </a:r>
+            <a:r>
+              <a:rPr lang="fr-FR" dirty="0" err="1" smtClean="0"/>
+              <a:t>ClearErrors</a:t>
+            </a:r>
+            <a:r>
+              <a:rPr lang="fr-FR" dirty="0" smtClean="0"/>
+              <a:t> pour faciliter l’ajout et la suppression d’erreurs dans le </a:t>
+            </a:r>
+            <a:r>
+              <a:rPr lang="fr-FR" dirty="0" err="1" smtClean="0"/>
+              <a:t>dictionary</a:t>
+            </a:r>
+            <a:endParaRPr lang="fr-FR" dirty="0"/>
+          </a:p>
+        </p:txBody>
+      </p:sp>
+      <p:pic>
+        <p:nvPicPr>
+          <p:cNvPr id="4" name="Image 3"/>
+          <p:cNvPicPr>
+            <a:picLocks noChangeAspect="1"/>
+          </p:cNvPicPr>
+          <p:nvPr/>
+        </p:nvPicPr>
+        <p:blipFill>
+          <a:blip r:embed="rId2"/>
+          <a:stretch>
+            <a:fillRect/>
+          </a:stretch>
+        </p:blipFill>
+        <p:spPr>
+          <a:xfrm>
+            <a:off x="1154954" y="3381118"/>
+            <a:ext cx="5324475" cy="2171700"/>
+          </a:xfrm>
+          <a:prstGeom prst="rect">
+            <a:avLst/>
+          </a:prstGeom>
+        </p:spPr>
+      </p:pic>
+      <p:pic>
+        <p:nvPicPr>
+          <p:cNvPr id="5" name="Image 4"/>
+          <p:cNvPicPr>
+            <a:picLocks noChangeAspect="1"/>
+          </p:cNvPicPr>
+          <p:nvPr/>
+        </p:nvPicPr>
+        <p:blipFill>
+          <a:blip r:embed="rId3"/>
+          <a:stretch>
+            <a:fillRect/>
+          </a:stretch>
+        </p:blipFill>
+        <p:spPr>
+          <a:xfrm>
+            <a:off x="6720531" y="3381118"/>
+            <a:ext cx="4533900" cy="1571625"/>
+          </a:xfrm>
+          <a:prstGeom prst="rect">
+            <a:avLst/>
+          </a:prstGeom>
+        </p:spPr>
+      </p:pic>
+    </p:spTree>
+    <p:extLst>
+      <p:ext uri="{BB962C8B-B14F-4D97-AF65-F5344CB8AC3E}">
+        <p14:creationId xmlns:p14="http://schemas.microsoft.com/office/powerpoint/2010/main" val="489303408"/>
+      </p:ext>
+    </p:extLst>
+  </p:cSld>
+  <p:clrMapOvr>
+    <a:masterClrMapping/>
+  </p:clrMapOvr>
+  <p:timing>
+    <p:tnLst>
+      <p:par>
+        <p:cTn id="1" dur="indefinite" restart="never" nodeType="tmRoot"/>
+      </p:par>
+    </p:tnLst>
+  </p:timing>
+</p:sld>
+</file>
+
+<file path=ppt/slides/slide68.xml><?xml version="1.0" encoding="utf-8"?>
+<p:sld xmlns:a="http://schemas.openxmlformats.org/drawingml/2006/main" xmlns:r="http://schemas.openxmlformats.org/officeDocument/2006/relationships" xmlns:p="http://schemas.openxmlformats.org/presentationml/2006/main">
+  <p:cSld>
+    <p:spTree>
+      <p:nvGrpSpPr>
+        <p:cNvPr id="1" name=""/>
+        <p:cNvGrpSpPr/>
+        <p:nvPr/>
+      </p:nvGrpSpPr>
+      <p:grpSpPr>
+        <a:xfrm>
+          <a:off x="0" y="0"/>
+          <a:ext cx="0" cy="0"/>
+          <a:chOff x="0" y="0"/>
+          <a:chExt cx="0" cy="0"/>
+        </a:xfrm>
+      </p:grpSpPr>
+      <p:sp>
+        <p:nvSpPr>
+          <p:cNvPr id="2" name="Titre 1"/>
+          <p:cNvSpPr>
+            <a:spLocks noGrp="1"/>
+          </p:cNvSpPr>
+          <p:nvPr>
+            <p:ph type="title"/>
+          </p:nvPr>
+        </p:nvSpPr>
+        <p:spPr/>
+        <p:txBody>
+          <a:bodyPr/>
+          <a:lstStyle/>
+          <a:p>
+            <a:r>
+              <a:rPr lang="fr-FR" dirty="0" smtClean="0"/>
+              <a:t>Ajout de logique de validation</a:t>
+            </a:r>
+            <a:endParaRPr lang="fr-FR" dirty="0"/>
+          </a:p>
+        </p:txBody>
+      </p:sp>
+      <p:sp>
+        <p:nvSpPr>
+          <p:cNvPr id="3" name="Espace réservé du contenu 2"/>
+          <p:cNvSpPr>
+            <a:spLocks noGrp="1"/>
+          </p:cNvSpPr>
+          <p:nvPr>
+            <p:ph idx="1"/>
+          </p:nvPr>
+        </p:nvSpPr>
+        <p:spPr/>
+        <p:txBody>
+          <a:bodyPr/>
+          <a:lstStyle/>
+          <a:p>
+            <a:r>
+              <a:rPr lang="fr-FR" dirty="0" smtClean="0"/>
+              <a:t>Ajout de logique personnalisée pour interdire à un ami de mettre le prénom robot :</a:t>
+            </a:r>
+          </a:p>
+          <a:p>
+            <a:endParaRPr lang="fr-FR" dirty="0"/>
+          </a:p>
+          <a:p>
+            <a:endParaRPr lang="fr-FR" dirty="0"/>
+          </a:p>
+        </p:txBody>
+      </p:sp>
+      <p:pic>
+        <p:nvPicPr>
+          <p:cNvPr id="5" name="Image 4"/>
+          <p:cNvPicPr>
+            <a:picLocks noChangeAspect="1"/>
+          </p:cNvPicPr>
+          <p:nvPr/>
+        </p:nvPicPr>
+        <p:blipFill>
+          <a:blip r:embed="rId2"/>
+          <a:stretch>
+            <a:fillRect/>
+          </a:stretch>
+        </p:blipFill>
+        <p:spPr>
+          <a:xfrm>
+            <a:off x="3626305" y="3036543"/>
+            <a:ext cx="6096000" cy="3552825"/>
+          </a:xfrm>
+          <a:prstGeom prst="rect">
+            <a:avLst/>
+          </a:prstGeom>
+        </p:spPr>
+      </p:pic>
+    </p:spTree>
+    <p:extLst>
+      <p:ext uri="{BB962C8B-B14F-4D97-AF65-F5344CB8AC3E}">
+        <p14:creationId xmlns:p14="http://schemas.microsoft.com/office/powerpoint/2010/main" val="983356393"/>
+      </p:ext>
+    </p:extLst>
+  </p:cSld>
+  <p:clrMapOvr>
+    <a:masterClrMapping/>
+  </p:clrMapOvr>
+  <p:timing>
+    <p:tnLst>
+      <p:par>
+        <p:cTn id="1" dur="indefinite" restart="never" nodeType="tmRoot"/>
+      </p:par>
+    </p:tnLst>
+  </p:timing>
+</p:sld>
+</file>
+
+<file path=ppt/slides/slide69.xml><?xml version="1.0" encoding="utf-8"?>
+<p:sld xmlns:a="http://schemas.openxmlformats.org/drawingml/2006/main" xmlns:r="http://schemas.openxmlformats.org/officeDocument/2006/relationships" xmlns:p="http://schemas.openxmlformats.org/presentationml/2006/main">
+  <p:cSld>
+    <p:spTree>
+      <p:nvGrpSpPr>
+        <p:cNvPr id="1" name=""/>
+        <p:cNvGrpSpPr/>
+        <p:nvPr/>
+      </p:nvGrpSpPr>
+      <p:grpSpPr>
+        <a:xfrm>
+          <a:off x="0" y="0"/>
+          <a:ext cx="0" cy="0"/>
+          <a:chOff x="0" y="0"/>
+          <a:chExt cx="0" cy="0"/>
+        </a:xfrm>
+      </p:grpSpPr>
+      <p:sp>
+        <p:nvSpPr>
+          <p:cNvPr id="2" name="Titre 1"/>
+          <p:cNvSpPr>
+            <a:spLocks noGrp="1"/>
+          </p:cNvSpPr>
+          <p:nvPr>
+            <p:ph type="title"/>
+          </p:nvPr>
+        </p:nvSpPr>
+        <p:spPr/>
+        <p:txBody>
+          <a:bodyPr/>
+          <a:lstStyle/>
+          <a:p>
+            <a:r>
+              <a:rPr lang="fr-FR" dirty="0" smtClean="0"/>
+              <a:t>Afficher l’erreur dans un </a:t>
+            </a:r>
+            <a:r>
+              <a:rPr lang="fr-FR" dirty="0" err="1" smtClean="0"/>
+              <a:t>ToolTip</a:t>
+            </a:r>
+            <a:endParaRPr lang="fr-FR" dirty="0"/>
+          </a:p>
+        </p:txBody>
+      </p:sp>
+      <p:sp>
+        <p:nvSpPr>
+          <p:cNvPr id="3" name="Espace réservé du contenu 2"/>
+          <p:cNvSpPr>
+            <a:spLocks noGrp="1"/>
+          </p:cNvSpPr>
+          <p:nvPr>
+            <p:ph idx="1"/>
+          </p:nvPr>
+        </p:nvSpPr>
+        <p:spPr/>
+        <p:txBody>
+          <a:bodyPr/>
+          <a:lstStyle/>
+          <a:p>
+            <a:r>
+              <a:rPr lang="fr-FR" dirty="0" smtClean="0"/>
+              <a:t>On va utiliser les propriétés de chaque contrôle </a:t>
+            </a:r>
+            <a:r>
+              <a:rPr lang="fr-FR" b="1" dirty="0" err="1" smtClean="0"/>
+              <a:t>Validation.HasErrors</a:t>
+            </a:r>
+            <a:r>
+              <a:rPr lang="fr-FR" dirty="0" smtClean="0"/>
+              <a:t> et </a:t>
+            </a:r>
+            <a:r>
+              <a:rPr lang="fr-FR" b="1" dirty="0" err="1" smtClean="0"/>
+              <a:t>Validation.Errors</a:t>
+            </a:r>
+            <a:endParaRPr lang="fr-FR" b="1" dirty="0" smtClean="0"/>
+          </a:p>
+          <a:p>
+            <a:endParaRPr lang="fr-FR" dirty="0"/>
+          </a:p>
+          <a:p>
+            <a:endParaRPr lang="fr-FR" dirty="0"/>
+          </a:p>
+        </p:txBody>
+      </p:sp>
+      <p:pic>
+        <p:nvPicPr>
+          <p:cNvPr id="4" name="Image 3"/>
+          <p:cNvPicPr>
+            <a:picLocks noChangeAspect="1"/>
+          </p:cNvPicPr>
+          <p:nvPr/>
+        </p:nvPicPr>
+        <p:blipFill>
+          <a:blip r:embed="rId2"/>
+          <a:stretch>
+            <a:fillRect/>
+          </a:stretch>
+        </p:blipFill>
+        <p:spPr>
+          <a:xfrm>
+            <a:off x="2410245" y="3288056"/>
+            <a:ext cx="6315075" cy="3000375"/>
+          </a:xfrm>
+          <a:prstGeom prst="rect">
+            <a:avLst/>
+          </a:prstGeom>
+        </p:spPr>
+      </p:pic>
+    </p:spTree>
+    <p:extLst>
+      <p:ext uri="{BB962C8B-B14F-4D97-AF65-F5344CB8AC3E}">
+        <p14:creationId xmlns:p14="http://schemas.microsoft.com/office/powerpoint/2010/main" val="4172739101"/>
+      </p:ext>
+    </p:extLst>
+  </p:cSld>
+  <p:clrMapOvr>
+    <a:masterClrMapping/>
+  </p:clrMapOvr>
+  <p:timing>
+    <p:tnLst>
+      <p:par>
+        <p:cTn id="1" dur="indefinite" restart="never" nodeType="tmRoot"/>
+      </p:par>
+    </p:tnLst>
+  </p:timing>
+</p:sld>
+</file>
+
 <file path=ppt/slides/slide7.xml><?xml version="1.0" encoding="utf-8"?>
 <p:sld xmlns:a="http://schemas.openxmlformats.org/drawingml/2006/main" xmlns:r="http://schemas.openxmlformats.org/officeDocument/2006/relationships" xmlns:p="http://schemas.openxmlformats.org/presentationml/2006/main">
   <p:cSld>
@@ -19333,6 +21974,1412 @@
 </p:sld>
 </file>
 
+<file path=ppt/slides/slide70.xml><?xml version="1.0" encoding="utf-8"?>
+<p:sld xmlns:a="http://schemas.openxmlformats.org/drawingml/2006/main" xmlns:r="http://schemas.openxmlformats.org/officeDocument/2006/relationships" xmlns:p="http://schemas.openxmlformats.org/presentationml/2006/main">
+  <p:cSld>
+    <p:spTree>
+      <p:nvGrpSpPr>
+        <p:cNvPr id="1" name=""/>
+        <p:cNvGrpSpPr/>
+        <p:nvPr/>
+      </p:nvGrpSpPr>
+      <p:grpSpPr>
+        <a:xfrm>
+          <a:off x="0" y="0"/>
+          <a:ext cx="0" cy="0"/>
+          <a:chOff x="0" y="0"/>
+          <a:chExt cx="0" cy="0"/>
+        </a:xfrm>
+      </p:grpSpPr>
+      <p:sp>
+        <p:nvSpPr>
+          <p:cNvPr id="2" name="Titre 1"/>
+          <p:cNvSpPr>
+            <a:spLocks noGrp="1"/>
+          </p:cNvSpPr>
+          <p:nvPr>
+            <p:ph type="title"/>
+          </p:nvPr>
+        </p:nvSpPr>
+        <p:spPr/>
+        <p:txBody>
+          <a:bodyPr/>
+          <a:lstStyle/>
+          <a:p>
+            <a:r>
+              <a:rPr lang="fr-FR" dirty="0" smtClean="0"/>
+              <a:t>Mettre le background en rouge en cas d’erreur</a:t>
+            </a:r>
+            <a:endParaRPr lang="fr-FR" dirty="0"/>
+          </a:p>
+        </p:txBody>
+      </p:sp>
+      <p:sp>
+        <p:nvSpPr>
+          <p:cNvPr id="3" name="Espace réservé du contenu 2"/>
+          <p:cNvSpPr>
+            <a:spLocks noGrp="1"/>
+          </p:cNvSpPr>
+          <p:nvPr>
+            <p:ph idx="1"/>
+          </p:nvPr>
+        </p:nvSpPr>
+        <p:spPr/>
+        <p:txBody>
+          <a:bodyPr/>
+          <a:lstStyle/>
+          <a:p>
+            <a:r>
+              <a:rPr lang="fr-FR" dirty="0" smtClean="0"/>
+              <a:t>On utilise pour cela un Trigger qui va se déclencher dès que </a:t>
+            </a:r>
+            <a:r>
+              <a:rPr lang="fr-FR" dirty="0" err="1" smtClean="0"/>
+              <a:t>Validation.HasErrors</a:t>
+            </a:r>
+            <a:r>
+              <a:rPr lang="fr-FR" dirty="0" smtClean="0"/>
+              <a:t> du contrôle est </a:t>
+            </a:r>
+            <a:r>
+              <a:rPr lang="fr-FR" dirty="0" err="1" smtClean="0"/>
+              <a:t>true</a:t>
+            </a:r>
+            <a:r>
+              <a:rPr lang="fr-FR" dirty="0" smtClean="0"/>
+              <a:t> :</a:t>
+            </a:r>
+            <a:endParaRPr lang="fr-FR" dirty="0"/>
+          </a:p>
+        </p:txBody>
+      </p:sp>
+      <p:pic>
+        <p:nvPicPr>
+          <p:cNvPr id="4" name="Image 3"/>
+          <p:cNvPicPr>
+            <a:picLocks noChangeAspect="1"/>
+          </p:cNvPicPr>
+          <p:nvPr/>
+        </p:nvPicPr>
+        <p:blipFill>
+          <a:blip r:embed="rId2"/>
+          <a:stretch>
+            <a:fillRect/>
+          </a:stretch>
+        </p:blipFill>
+        <p:spPr>
+          <a:xfrm>
+            <a:off x="1560838" y="3550701"/>
+            <a:ext cx="7949644" cy="2469099"/>
+          </a:xfrm>
+          <a:prstGeom prst="rect">
+            <a:avLst/>
+          </a:prstGeom>
+        </p:spPr>
+      </p:pic>
+    </p:spTree>
+    <p:extLst>
+      <p:ext uri="{BB962C8B-B14F-4D97-AF65-F5344CB8AC3E}">
+        <p14:creationId xmlns:p14="http://schemas.microsoft.com/office/powerpoint/2010/main" val="2685283153"/>
+      </p:ext>
+    </p:extLst>
+  </p:cSld>
+  <p:clrMapOvr>
+    <a:masterClrMapping/>
+  </p:clrMapOvr>
+  <p:timing>
+    <p:tnLst>
+      <p:par>
+        <p:cTn id="1" dur="indefinite" restart="never" nodeType="tmRoot"/>
+      </p:par>
+    </p:tnLst>
+  </p:timing>
+</p:sld>
+</file>
+
+<file path=ppt/slides/slide71.xml><?xml version="1.0" encoding="utf-8"?>
+<p:sld xmlns:a="http://schemas.openxmlformats.org/drawingml/2006/main" xmlns:r="http://schemas.openxmlformats.org/officeDocument/2006/relationships" xmlns:p="http://schemas.openxmlformats.org/presentationml/2006/main">
+  <p:cSld>
+    <p:spTree>
+      <p:nvGrpSpPr>
+        <p:cNvPr id="1" name=""/>
+        <p:cNvGrpSpPr/>
+        <p:nvPr/>
+      </p:nvGrpSpPr>
+      <p:grpSpPr>
+        <a:xfrm>
+          <a:off x="0" y="0"/>
+          <a:ext cx="0" cy="0"/>
+          <a:chOff x="0" y="0"/>
+          <a:chExt cx="0" cy="0"/>
+        </a:xfrm>
+      </p:grpSpPr>
+      <p:sp>
+        <p:nvSpPr>
+          <p:cNvPr id="2" name="Titre 1"/>
+          <p:cNvSpPr>
+            <a:spLocks noGrp="1"/>
+          </p:cNvSpPr>
+          <p:nvPr>
+            <p:ph type="title"/>
+          </p:nvPr>
+        </p:nvSpPr>
+        <p:spPr/>
+        <p:txBody>
+          <a:bodyPr/>
+          <a:lstStyle/>
+          <a:p>
+            <a:r>
+              <a:rPr lang="fr-FR" dirty="0" smtClean="0"/>
+              <a:t>Afficher le </a:t>
+            </a:r>
+            <a:r>
+              <a:rPr lang="fr-FR" dirty="0" err="1" smtClean="0"/>
+              <a:t>tooltip</a:t>
+            </a:r>
+            <a:endParaRPr lang="fr-FR" dirty="0"/>
+          </a:p>
+        </p:txBody>
+      </p:sp>
+      <p:sp>
+        <p:nvSpPr>
+          <p:cNvPr id="3" name="Espace réservé du contenu 2"/>
+          <p:cNvSpPr>
+            <a:spLocks noGrp="1"/>
+          </p:cNvSpPr>
+          <p:nvPr>
+            <p:ph idx="1"/>
+          </p:nvPr>
+        </p:nvSpPr>
+        <p:spPr/>
+        <p:txBody>
+          <a:bodyPr/>
+          <a:lstStyle/>
+          <a:p>
+            <a:r>
+              <a:rPr lang="fr-FR" dirty="0" smtClean="0"/>
+              <a:t>De la </a:t>
+            </a:r>
+            <a:r>
+              <a:rPr lang="fr-FR" dirty="0" err="1" smtClean="0"/>
+              <a:t>meme</a:t>
+            </a:r>
+            <a:r>
+              <a:rPr lang="fr-FR" dirty="0" smtClean="0"/>
+              <a:t> manière on en profite pour afficher le </a:t>
+            </a:r>
+            <a:r>
+              <a:rPr lang="fr-FR" dirty="0" err="1" smtClean="0"/>
+              <a:t>tooltip</a:t>
+            </a:r>
+            <a:r>
+              <a:rPr lang="fr-FR" dirty="0" smtClean="0"/>
+              <a:t> avec le </a:t>
+            </a:r>
+            <a:r>
+              <a:rPr lang="fr-FR" dirty="0" err="1" smtClean="0"/>
+              <a:t>meme</a:t>
+            </a:r>
+            <a:r>
+              <a:rPr lang="fr-FR" dirty="0" smtClean="0"/>
+              <a:t> trigger :</a:t>
+            </a:r>
+            <a:endParaRPr lang="fr-FR" dirty="0"/>
+          </a:p>
+        </p:txBody>
+      </p:sp>
+      <p:pic>
+        <p:nvPicPr>
+          <p:cNvPr id="5" name="Image 4"/>
+          <p:cNvPicPr>
+            <a:picLocks noChangeAspect="1"/>
+          </p:cNvPicPr>
+          <p:nvPr/>
+        </p:nvPicPr>
+        <p:blipFill>
+          <a:blip r:embed="rId2"/>
+          <a:stretch>
+            <a:fillRect/>
+          </a:stretch>
+        </p:blipFill>
+        <p:spPr>
+          <a:xfrm>
+            <a:off x="1257815" y="3325249"/>
+            <a:ext cx="9912694" cy="2580896"/>
+          </a:xfrm>
+          <a:prstGeom prst="rect">
+            <a:avLst/>
+          </a:prstGeom>
+        </p:spPr>
+      </p:pic>
+      <p:pic>
+        <p:nvPicPr>
+          <p:cNvPr id="6" name="Image 5"/>
+          <p:cNvPicPr>
+            <a:picLocks noChangeAspect="1"/>
+          </p:cNvPicPr>
+          <p:nvPr/>
+        </p:nvPicPr>
+        <p:blipFill>
+          <a:blip r:embed="rId3"/>
+          <a:stretch>
+            <a:fillRect/>
+          </a:stretch>
+        </p:blipFill>
+        <p:spPr>
+          <a:xfrm>
+            <a:off x="6102951" y="689562"/>
+            <a:ext cx="4176663" cy="1275176"/>
+          </a:xfrm>
+          <a:prstGeom prst="rect">
+            <a:avLst/>
+          </a:prstGeom>
+        </p:spPr>
+      </p:pic>
+    </p:spTree>
+    <p:extLst>
+      <p:ext uri="{BB962C8B-B14F-4D97-AF65-F5344CB8AC3E}">
+        <p14:creationId xmlns:p14="http://schemas.microsoft.com/office/powerpoint/2010/main" val="1626060171"/>
+      </p:ext>
+    </p:extLst>
+  </p:cSld>
+  <p:clrMapOvr>
+    <a:masterClrMapping/>
+  </p:clrMapOvr>
+  <p:timing>
+    <p:tnLst>
+      <p:par>
+        <p:cTn id="1" dur="indefinite" restart="never" nodeType="tmRoot"/>
+      </p:par>
+    </p:tnLst>
+  </p:timing>
+</p:sld>
+</file>
+
+<file path=ppt/slides/slide72.xml><?xml version="1.0" encoding="utf-8"?>
+<p:sld xmlns:a="http://schemas.openxmlformats.org/drawingml/2006/main" xmlns:r="http://schemas.openxmlformats.org/officeDocument/2006/relationships" xmlns:p="http://schemas.openxmlformats.org/presentationml/2006/main">
+  <p:cSld>
+    <p:spTree>
+      <p:nvGrpSpPr>
+        <p:cNvPr id="1" name=""/>
+        <p:cNvGrpSpPr/>
+        <p:nvPr/>
+      </p:nvGrpSpPr>
+      <p:grpSpPr>
+        <a:xfrm>
+          <a:off x="0" y="0"/>
+          <a:ext cx="0" cy="0"/>
+          <a:chOff x="0" y="0"/>
+          <a:chExt cx="0" cy="0"/>
+        </a:xfrm>
+      </p:grpSpPr>
+      <p:sp>
+        <p:nvSpPr>
+          <p:cNvPr id="2" name="Titre 1"/>
+          <p:cNvSpPr>
+            <a:spLocks noGrp="1"/>
+          </p:cNvSpPr>
+          <p:nvPr>
+            <p:ph type="title"/>
+          </p:nvPr>
+        </p:nvSpPr>
+        <p:spPr/>
+        <p:txBody>
+          <a:bodyPr/>
+          <a:lstStyle/>
+          <a:p>
+            <a:r>
+              <a:rPr lang="fr-FR" dirty="0" smtClean="0"/>
+              <a:t>Affichage de l’erreur sous le </a:t>
+            </a:r>
+            <a:r>
+              <a:rPr lang="fr-FR" dirty="0" err="1" smtClean="0"/>
+              <a:t>TextBox</a:t>
+            </a:r>
+            <a:endParaRPr lang="fr-FR" dirty="0"/>
+          </a:p>
+        </p:txBody>
+      </p:sp>
+      <p:sp>
+        <p:nvSpPr>
+          <p:cNvPr id="3" name="Espace réservé du contenu 2"/>
+          <p:cNvSpPr>
+            <a:spLocks noGrp="1"/>
+          </p:cNvSpPr>
+          <p:nvPr>
+            <p:ph idx="1"/>
+          </p:nvPr>
+        </p:nvSpPr>
+        <p:spPr/>
+        <p:txBody>
+          <a:bodyPr/>
+          <a:lstStyle/>
+          <a:p>
+            <a:r>
+              <a:rPr lang="fr-FR" dirty="0" smtClean="0"/>
+              <a:t>On va se baser sur la propriété </a:t>
+            </a:r>
+            <a:r>
+              <a:rPr lang="fr-FR" dirty="0" err="1" smtClean="0"/>
+              <a:t>ErrorTemplate</a:t>
+            </a:r>
+            <a:r>
+              <a:rPr lang="fr-FR" dirty="0" smtClean="0"/>
+              <a:t> afin de créer un comportement reproductible pour tous nos </a:t>
+            </a:r>
+            <a:r>
+              <a:rPr lang="fr-FR" dirty="0" err="1" smtClean="0"/>
+              <a:t>controles</a:t>
+            </a:r>
+            <a:r>
+              <a:rPr lang="fr-FR" dirty="0" smtClean="0"/>
+              <a:t> :</a:t>
+            </a:r>
+          </a:p>
+          <a:p>
+            <a:endParaRPr lang="fr-FR" dirty="0"/>
+          </a:p>
+          <a:p>
+            <a:endParaRPr lang="fr-FR" dirty="0"/>
+          </a:p>
+        </p:txBody>
+      </p:sp>
+      <p:pic>
+        <p:nvPicPr>
+          <p:cNvPr id="4" name="Image 3"/>
+          <p:cNvPicPr>
+            <a:picLocks noChangeAspect="1"/>
+          </p:cNvPicPr>
+          <p:nvPr/>
+        </p:nvPicPr>
+        <p:blipFill>
+          <a:blip r:embed="rId2"/>
+          <a:stretch>
+            <a:fillRect/>
+          </a:stretch>
+        </p:blipFill>
+        <p:spPr>
+          <a:xfrm>
+            <a:off x="1631477" y="3351348"/>
+            <a:ext cx="6573409" cy="3321301"/>
+          </a:xfrm>
+          <a:prstGeom prst="rect">
+            <a:avLst/>
+          </a:prstGeom>
+        </p:spPr>
+      </p:pic>
+    </p:spTree>
+    <p:extLst>
+      <p:ext uri="{BB962C8B-B14F-4D97-AF65-F5344CB8AC3E}">
+        <p14:creationId xmlns:p14="http://schemas.microsoft.com/office/powerpoint/2010/main" val="139735009"/>
+      </p:ext>
+    </p:extLst>
+  </p:cSld>
+  <p:clrMapOvr>
+    <a:masterClrMapping/>
+  </p:clrMapOvr>
+  <p:timing>
+    <p:tnLst>
+      <p:par>
+        <p:cTn id="1" dur="indefinite" restart="never" nodeType="tmRoot"/>
+      </p:par>
+    </p:tnLst>
+  </p:timing>
+</p:sld>
+</file>
+
+<file path=ppt/slides/slide73.xml><?xml version="1.0" encoding="utf-8"?>
+<p:sld xmlns:a="http://schemas.openxmlformats.org/drawingml/2006/main" xmlns:r="http://schemas.openxmlformats.org/officeDocument/2006/relationships" xmlns:p="http://schemas.openxmlformats.org/presentationml/2006/main">
+  <p:cSld>
+    <p:spTree>
+      <p:nvGrpSpPr>
+        <p:cNvPr id="1" name=""/>
+        <p:cNvGrpSpPr/>
+        <p:nvPr/>
+      </p:nvGrpSpPr>
+      <p:grpSpPr>
+        <a:xfrm>
+          <a:off x="0" y="0"/>
+          <a:ext cx="0" cy="0"/>
+          <a:chOff x="0" y="0"/>
+          <a:chExt cx="0" cy="0"/>
+        </a:xfrm>
+      </p:grpSpPr>
+      <p:sp>
+        <p:nvSpPr>
+          <p:cNvPr id="2" name="Titre 1"/>
+          <p:cNvSpPr>
+            <a:spLocks noGrp="1"/>
+          </p:cNvSpPr>
+          <p:nvPr>
+            <p:ph type="title"/>
+          </p:nvPr>
+        </p:nvSpPr>
+        <p:spPr/>
+        <p:txBody>
+          <a:bodyPr/>
+          <a:lstStyle/>
+          <a:p>
+            <a:r>
+              <a:rPr lang="fr-FR" dirty="0" err="1" smtClean="0"/>
+              <a:t>AdornedElementPlaceholder</a:t>
+            </a:r>
+            <a:endParaRPr lang="fr-FR" dirty="0"/>
+          </a:p>
+        </p:txBody>
+      </p:sp>
+      <p:sp>
+        <p:nvSpPr>
+          <p:cNvPr id="3" name="Espace réservé du contenu 2"/>
+          <p:cNvSpPr>
+            <a:spLocks noGrp="1"/>
+          </p:cNvSpPr>
+          <p:nvPr>
+            <p:ph idx="1"/>
+          </p:nvPr>
+        </p:nvSpPr>
+        <p:spPr>
+          <a:xfrm>
+            <a:off x="1154954" y="2603500"/>
+            <a:ext cx="3824819" cy="3416300"/>
+          </a:xfrm>
+        </p:spPr>
+        <p:txBody>
+          <a:bodyPr/>
+          <a:lstStyle/>
+          <a:p>
+            <a:r>
+              <a:rPr lang="fr-FR" dirty="0" err="1" smtClean="0"/>
+              <a:t>AdornedElementPlaceholder</a:t>
+            </a:r>
+            <a:r>
+              <a:rPr lang="fr-FR" dirty="0" smtClean="0"/>
+              <a:t> fait </a:t>
+            </a:r>
+            <a:r>
+              <a:rPr lang="fr-FR" dirty="0" err="1" smtClean="0"/>
+              <a:t>reference</a:t>
+            </a:r>
+            <a:r>
+              <a:rPr lang="fr-FR" dirty="0" smtClean="0"/>
+              <a:t> à notre contrôle qui va </a:t>
+            </a:r>
+            <a:r>
+              <a:rPr lang="fr-FR" dirty="0" err="1" smtClean="0"/>
+              <a:t>etre</a:t>
+            </a:r>
+            <a:r>
+              <a:rPr lang="fr-FR" dirty="0" smtClean="0"/>
+              <a:t> au centre du </a:t>
+            </a:r>
+            <a:r>
+              <a:rPr lang="fr-FR" dirty="0" err="1" smtClean="0"/>
+              <a:t>template</a:t>
+            </a:r>
+            <a:r>
+              <a:rPr lang="fr-FR" dirty="0" smtClean="0"/>
+              <a:t>.</a:t>
+            </a:r>
+          </a:p>
+          <a:p>
+            <a:r>
+              <a:rPr lang="fr-FR" dirty="0" smtClean="0"/>
+              <a:t>Ici on va mettre le message d’erreur sous ce contrôle dans la </a:t>
+            </a:r>
+            <a:r>
+              <a:rPr lang="fr-FR" dirty="0" err="1" smtClean="0"/>
+              <a:t>TextBlock</a:t>
+            </a:r>
+            <a:endParaRPr lang="fr-FR" dirty="0"/>
+          </a:p>
+        </p:txBody>
+      </p:sp>
+      <p:pic>
+        <p:nvPicPr>
+          <p:cNvPr id="5" name="Image 4"/>
+          <p:cNvPicPr>
+            <a:picLocks noChangeAspect="1"/>
+          </p:cNvPicPr>
+          <p:nvPr/>
+        </p:nvPicPr>
+        <p:blipFill>
+          <a:blip r:embed="rId2"/>
+          <a:stretch>
+            <a:fillRect/>
+          </a:stretch>
+        </p:blipFill>
+        <p:spPr>
+          <a:xfrm>
+            <a:off x="5129341" y="3076833"/>
+            <a:ext cx="7062659" cy="2657475"/>
+          </a:xfrm>
+          <a:prstGeom prst="rect">
+            <a:avLst/>
+          </a:prstGeom>
+        </p:spPr>
+      </p:pic>
+      <p:pic>
+        <p:nvPicPr>
+          <p:cNvPr id="6" name="Image 5"/>
+          <p:cNvPicPr>
+            <a:picLocks noChangeAspect="1"/>
+          </p:cNvPicPr>
+          <p:nvPr/>
+        </p:nvPicPr>
+        <p:blipFill>
+          <a:blip r:embed="rId3"/>
+          <a:stretch>
+            <a:fillRect/>
+          </a:stretch>
+        </p:blipFill>
+        <p:spPr>
+          <a:xfrm>
+            <a:off x="9118900" y="487949"/>
+            <a:ext cx="2595305" cy="1678401"/>
+          </a:xfrm>
+          <a:prstGeom prst="rect">
+            <a:avLst/>
+          </a:prstGeom>
+        </p:spPr>
+      </p:pic>
+    </p:spTree>
+    <p:extLst>
+      <p:ext uri="{BB962C8B-B14F-4D97-AF65-F5344CB8AC3E}">
+        <p14:creationId xmlns:p14="http://schemas.microsoft.com/office/powerpoint/2010/main" val="3548812356"/>
+      </p:ext>
+    </p:extLst>
+  </p:cSld>
+  <p:clrMapOvr>
+    <a:masterClrMapping/>
+  </p:clrMapOvr>
+  <p:timing>
+    <p:tnLst>
+      <p:par>
+        <p:cTn id="1" dur="indefinite" restart="never" nodeType="tmRoot"/>
+      </p:par>
+    </p:tnLst>
+  </p:timing>
+</p:sld>
+</file>
+
+<file path=ppt/slides/slide74.xml><?xml version="1.0" encoding="utf-8"?>
+<p:sld xmlns:a="http://schemas.openxmlformats.org/drawingml/2006/main" xmlns:r="http://schemas.openxmlformats.org/officeDocument/2006/relationships" xmlns:p="http://schemas.openxmlformats.org/presentationml/2006/main">
+  <p:cSld>
+    <p:spTree>
+      <p:nvGrpSpPr>
+        <p:cNvPr id="1" name=""/>
+        <p:cNvGrpSpPr/>
+        <p:nvPr/>
+      </p:nvGrpSpPr>
+      <p:grpSpPr>
+        <a:xfrm>
+          <a:off x="0" y="0"/>
+          <a:ext cx="0" cy="0"/>
+          <a:chOff x="0" y="0"/>
+          <a:chExt cx="0" cy="0"/>
+        </a:xfrm>
+      </p:grpSpPr>
+      <p:sp>
+        <p:nvSpPr>
+          <p:cNvPr id="2" name="Titre 1"/>
+          <p:cNvSpPr>
+            <a:spLocks noGrp="1"/>
+          </p:cNvSpPr>
+          <p:nvPr>
+            <p:ph type="title"/>
+          </p:nvPr>
+        </p:nvSpPr>
+        <p:spPr/>
+        <p:txBody>
+          <a:bodyPr/>
+          <a:lstStyle/>
+          <a:p>
+            <a:r>
+              <a:rPr lang="fr-FR" dirty="0" smtClean="0"/>
+              <a:t>Afficher le vrai message d’erreur</a:t>
+            </a:r>
+            <a:endParaRPr lang="fr-FR" dirty="0"/>
+          </a:p>
+        </p:txBody>
+      </p:sp>
+      <p:sp>
+        <p:nvSpPr>
+          <p:cNvPr id="3" name="Espace réservé du contenu 2"/>
+          <p:cNvSpPr>
+            <a:spLocks noGrp="1"/>
+          </p:cNvSpPr>
+          <p:nvPr>
+            <p:ph idx="1"/>
+          </p:nvPr>
+        </p:nvSpPr>
+        <p:spPr/>
+        <p:txBody>
+          <a:bodyPr/>
+          <a:lstStyle/>
+          <a:p>
+            <a:r>
+              <a:rPr lang="fr-FR" dirty="0" smtClean="0"/>
+              <a:t>Pour afficher le vrai message d’erreur remplacer </a:t>
+            </a:r>
+            <a:r>
+              <a:rPr lang="fr-FR" dirty="0" err="1" smtClean="0"/>
+              <a:t>Error</a:t>
+            </a:r>
+            <a:r>
+              <a:rPr lang="fr-FR" dirty="0" smtClean="0"/>
+              <a:t> par </a:t>
+            </a:r>
+            <a:endParaRPr lang="fr-FR" dirty="0"/>
+          </a:p>
+        </p:txBody>
+      </p:sp>
+      <p:pic>
+        <p:nvPicPr>
+          <p:cNvPr id="5" name="Image 4"/>
+          <p:cNvPicPr>
+            <a:picLocks noChangeAspect="1"/>
+          </p:cNvPicPr>
+          <p:nvPr/>
+        </p:nvPicPr>
+        <p:blipFill>
+          <a:blip r:embed="rId2"/>
+          <a:stretch>
+            <a:fillRect/>
+          </a:stretch>
+        </p:blipFill>
+        <p:spPr>
+          <a:xfrm>
+            <a:off x="1154954" y="4071149"/>
+            <a:ext cx="3267828" cy="718580"/>
+          </a:xfrm>
+          <a:prstGeom prst="rect">
+            <a:avLst/>
+          </a:prstGeom>
+        </p:spPr>
+      </p:pic>
+      <p:pic>
+        <p:nvPicPr>
+          <p:cNvPr id="6" name="Image 5"/>
+          <p:cNvPicPr>
+            <a:picLocks noChangeAspect="1"/>
+          </p:cNvPicPr>
+          <p:nvPr/>
+        </p:nvPicPr>
+        <p:blipFill>
+          <a:blip r:embed="rId3"/>
+          <a:stretch>
+            <a:fillRect/>
+          </a:stretch>
+        </p:blipFill>
+        <p:spPr>
+          <a:xfrm>
+            <a:off x="1395283" y="3014073"/>
+            <a:ext cx="9638663" cy="907009"/>
+          </a:xfrm>
+          <a:prstGeom prst="rect">
+            <a:avLst/>
+          </a:prstGeom>
+        </p:spPr>
+      </p:pic>
+    </p:spTree>
+    <p:extLst>
+      <p:ext uri="{BB962C8B-B14F-4D97-AF65-F5344CB8AC3E}">
+        <p14:creationId xmlns:p14="http://schemas.microsoft.com/office/powerpoint/2010/main" val="2431260988"/>
+      </p:ext>
+    </p:extLst>
+  </p:cSld>
+  <p:clrMapOvr>
+    <a:masterClrMapping/>
+  </p:clrMapOvr>
+  <p:timing>
+    <p:tnLst>
+      <p:par>
+        <p:cTn id="1" dur="indefinite" restart="never" nodeType="tmRoot"/>
+      </p:par>
+    </p:tnLst>
+  </p:timing>
+</p:sld>
+</file>
+
+<file path=ppt/slides/slide75.xml><?xml version="1.0" encoding="utf-8"?>
+<p:sld xmlns:a="http://schemas.openxmlformats.org/drawingml/2006/main" xmlns:r="http://schemas.openxmlformats.org/officeDocument/2006/relationships" xmlns:p="http://schemas.openxmlformats.org/presentationml/2006/main">
+  <p:cSld>
+    <p:spTree>
+      <p:nvGrpSpPr>
+        <p:cNvPr id="1" name=""/>
+        <p:cNvGrpSpPr/>
+        <p:nvPr/>
+      </p:nvGrpSpPr>
+      <p:grpSpPr>
+        <a:xfrm>
+          <a:off x="0" y="0"/>
+          <a:ext cx="0" cy="0"/>
+          <a:chOff x="0" y="0"/>
+          <a:chExt cx="0" cy="0"/>
+        </a:xfrm>
+      </p:grpSpPr>
+      <p:sp>
+        <p:nvSpPr>
+          <p:cNvPr id="2" name="Titre 1"/>
+          <p:cNvSpPr>
+            <a:spLocks noGrp="1"/>
+          </p:cNvSpPr>
+          <p:nvPr>
+            <p:ph type="title"/>
+          </p:nvPr>
+        </p:nvSpPr>
+        <p:spPr/>
+        <p:txBody>
+          <a:bodyPr/>
+          <a:lstStyle/>
+          <a:p>
+            <a:r>
+              <a:rPr lang="fr-FR" dirty="0" smtClean="0"/>
+              <a:t>Validation  des </a:t>
+            </a:r>
+            <a:r>
+              <a:rPr lang="fr-FR" dirty="0" err="1" smtClean="0"/>
+              <a:t>DataAnnotations</a:t>
+            </a:r>
+            <a:endParaRPr lang="fr-FR" dirty="0"/>
+          </a:p>
+        </p:txBody>
+      </p:sp>
+      <p:sp>
+        <p:nvSpPr>
+          <p:cNvPr id="3" name="Espace réservé du contenu 2"/>
+          <p:cNvSpPr>
+            <a:spLocks noGrp="1"/>
+          </p:cNvSpPr>
+          <p:nvPr>
+            <p:ph idx="1"/>
+          </p:nvPr>
+        </p:nvSpPr>
+        <p:spPr/>
+        <p:txBody>
+          <a:bodyPr/>
+          <a:lstStyle/>
+          <a:p>
+            <a:r>
+              <a:rPr lang="fr-FR" dirty="0" smtClean="0"/>
+              <a:t>On a besoin de 3 classes : </a:t>
+            </a:r>
+          </a:p>
+          <a:p>
+            <a:endParaRPr lang="fr-FR" dirty="0"/>
+          </a:p>
+        </p:txBody>
+      </p:sp>
+      <p:pic>
+        <p:nvPicPr>
+          <p:cNvPr id="4" name="Image 3"/>
+          <p:cNvPicPr>
+            <a:picLocks noChangeAspect="1"/>
+          </p:cNvPicPr>
+          <p:nvPr/>
+        </p:nvPicPr>
+        <p:blipFill>
+          <a:blip r:embed="rId2"/>
+          <a:stretch>
+            <a:fillRect/>
+          </a:stretch>
+        </p:blipFill>
+        <p:spPr>
+          <a:xfrm>
+            <a:off x="1654389" y="3035128"/>
+            <a:ext cx="8067675" cy="3219450"/>
+          </a:xfrm>
+          <a:prstGeom prst="rect">
+            <a:avLst/>
+          </a:prstGeom>
+        </p:spPr>
+      </p:pic>
+    </p:spTree>
+    <p:extLst>
+      <p:ext uri="{BB962C8B-B14F-4D97-AF65-F5344CB8AC3E}">
+        <p14:creationId xmlns:p14="http://schemas.microsoft.com/office/powerpoint/2010/main" val="2518934662"/>
+      </p:ext>
+    </p:extLst>
+  </p:cSld>
+  <p:clrMapOvr>
+    <a:masterClrMapping/>
+  </p:clrMapOvr>
+  <p:timing>
+    <p:tnLst>
+      <p:par>
+        <p:cTn id="1" dur="indefinite" restart="never" nodeType="tmRoot"/>
+      </p:par>
+    </p:tnLst>
+  </p:timing>
+</p:sld>
+</file>
+
+<file path=ppt/slides/slide76.xml><?xml version="1.0" encoding="utf-8"?>
+<p:sld xmlns:a="http://schemas.openxmlformats.org/drawingml/2006/main" xmlns:r="http://schemas.openxmlformats.org/officeDocument/2006/relationships" xmlns:p="http://schemas.openxmlformats.org/presentationml/2006/main">
+  <p:cSld>
+    <p:spTree>
+      <p:nvGrpSpPr>
+        <p:cNvPr id="1" name=""/>
+        <p:cNvGrpSpPr/>
+        <p:nvPr/>
+      </p:nvGrpSpPr>
+      <p:grpSpPr>
+        <a:xfrm>
+          <a:off x="0" y="0"/>
+          <a:ext cx="0" cy="0"/>
+          <a:chOff x="0" y="0"/>
+          <a:chExt cx="0" cy="0"/>
+        </a:xfrm>
+      </p:grpSpPr>
+      <p:sp>
+        <p:nvSpPr>
+          <p:cNvPr id="2" name="Titre 1"/>
+          <p:cNvSpPr>
+            <a:spLocks noGrp="1"/>
+          </p:cNvSpPr>
+          <p:nvPr>
+            <p:ph type="title"/>
+          </p:nvPr>
+        </p:nvSpPr>
+        <p:spPr/>
+        <p:txBody>
+          <a:bodyPr/>
+          <a:lstStyle/>
+          <a:p>
+            <a:r>
+              <a:rPr lang="fr-FR" dirty="0"/>
+              <a:t>Validation  des </a:t>
+            </a:r>
+            <a:r>
+              <a:rPr lang="fr-FR" dirty="0" err="1"/>
+              <a:t>DataAnnotations</a:t>
+            </a:r>
+            <a:endParaRPr lang="fr-FR" dirty="0"/>
+          </a:p>
+        </p:txBody>
+      </p:sp>
+      <p:sp>
+        <p:nvSpPr>
+          <p:cNvPr id="3" name="Espace réservé du contenu 2"/>
+          <p:cNvSpPr>
+            <a:spLocks noGrp="1"/>
+          </p:cNvSpPr>
+          <p:nvPr>
+            <p:ph idx="1"/>
+          </p:nvPr>
+        </p:nvSpPr>
+        <p:spPr/>
+        <p:txBody>
+          <a:bodyPr/>
+          <a:lstStyle/>
+          <a:p>
+            <a:r>
+              <a:rPr lang="fr-FR" dirty="0" smtClean="0"/>
+              <a:t>La méthode </a:t>
+            </a:r>
+            <a:r>
+              <a:rPr lang="fr-FR" dirty="0" err="1" smtClean="0"/>
+              <a:t>TryValidateProperty</a:t>
+            </a:r>
+            <a:r>
+              <a:rPr lang="fr-FR" dirty="0" smtClean="0"/>
+              <a:t> de la classe </a:t>
+            </a:r>
+            <a:r>
+              <a:rPr lang="fr-FR" dirty="0" err="1" smtClean="0"/>
+              <a:t>Validator</a:t>
+            </a:r>
+            <a:r>
+              <a:rPr lang="fr-FR" dirty="0" smtClean="0"/>
+              <a:t> va </a:t>
+            </a:r>
+            <a:r>
+              <a:rPr lang="fr-FR" dirty="0" err="1" smtClean="0"/>
+              <a:t>etre</a:t>
+            </a:r>
+            <a:r>
+              <a:rPr lang="fr-FR" dirty="0" smtClean="0"/>
+              <a:t> </a:t>
+            </a:r>
+            <a:r>
+              <a:rPr lang="fr-FR" dirty="0" err="1" smtClean="0"/>
+              <a:t>appellée</a:t>
+            </a:r>
+            <a:r>
+              <a:rPr lang="fr-FR" dirty="0" smtClean="0"/>
+              <a:t> :</a:t>
+            </a:r>
+          </a:p>
+          <a:p>
+            <a:r>
+              <a:rPr lang="fr-FR" dirty="0" smtClean="0"/>
+              <a:t>value est la value à valider ( ex: Marc pour la propriété </a:t>
+            </a:r>
+            <a:r>
+              <a:rPr lang="fr-FR" dirty="0" err="1" smtClean="0"/>
+              <a:t>FirstName</a:t>
+            </a:r>
+            <a:r>
+              <a:rPr lang="fr-FR" dirty="0" smtClean="0"/>
+              <a:t>)</a:t>
+            </a:r>
+          </a:p>
+          <a:p>
+            <a:endParaRPr lang="fr-FR" dirty="0"/>
+          </a:p>
+        </p:txBody>
+      </p:sp>
+      <p:pic>
+        <p:nvPicPr>
+          <p:cNvPr id="4" name="Image 3"/>
+          <p:cNvPicPr>
+            <a:picLocks noChangeAspect="1"/>
+          </p:cNvPicPr>
+          <p:nvPr/>
+        </p:nvPicPr>
+        <p:blipFill>
+          <a:blip r:embed="rId2"/>
+          <a:stretch>
+            <a:fillRect/>
+          </a:stretch>
+        </p:blipFill>
+        <p:spPr>
+          <a:xfrm>
+            <a:off x="1154954" y="3700419"/>
+            <a:ext cx="9556227" cy="1222461"/>
+          </a:xfrm>
+          <a:prstGeom prst="rect">
+            <a:avLst/>
+          </a:prstGeom>
+        </p:spPr>
+      </p:pic>
+      <p:pic>
+        <p:nvPicPr>
+          <p:cNvPr id="5" name="Image 4"/>
+          <p:cNvPicPr>
+            <a:picLocks noChangeAspect="1"/>
+          </p:cNvPicPr>
+          <p:nvPr/>
+        </p:nvPicPr>
+        <p:blipFill>
+          <a:blip r:embed="rId3"/>
+          <a:stretch>
+            <a:fillRect/>
+          </a:stretch>
+        </p:blipFill>
+        <p:spPr>
+          <a:xfrm>
+            <a:off x="1154954" y="5093583"/>
+            <a:ext cx="9607765" cy="926216"/>
+          </a:xfrm>
+          <a:prstGeom prst="rect">
+            <a:avLst/>
+          </a:prstGeom>
+        </p:spPr>
+      </p:pic>
+    </p:spTree>
+    <p:extLst>
+      <p:ext uri="{BB962C8B-B14F-4D97-AF65-F5344CB8AC3E}">
+        <p14:creationId xmlns:p14="http://schemas.microsoft.com/office/powerpoint/2010/main" val="3372925313"/>
+      </p:ext>
+    </p:extLst>
+  </p:cSld>
+  <p:clrMapOvr>
+    <a:masterClrMapping/>
+  </p:clrMapOvr>
+  <p:timing>
+    <p:tnLst>
+      <p:par>
+        <p:cTn id="1" dur="indefinite" restart="never" nodeType="tmRoot"/>
+      </p:par>
+    </p:tnLst>
+  </p:timing>
+</p:sld>
+</file>
+
+<file path=ppt/slides/slide77.xml><?xml version="1.0" encoding="utf-8"?>
+<p:sld xmlns:a="http://schemas.openxmlformats.org/drawingml/2006/main" xmlns:r="http://schemas.openxmlformats.org/officeDocument/2006/relationships" xmlns:p="http://schemas.openxmlformats.org/presentationml/2006/main">
+  <p:cSld>
+    <p:spTree>
+      <p:nvGrpSpPr>
+        <p:cNvPr id="1" name=""/>
+        <p:cNvGrpSpPr/>
+        <p:nvPr/>
+      </p:nvGrpSpPr>
+      <p:grpSpPr>
+        <a:xfrm>
+          <a:off x="0" y="0"/>
+          <a:ext cx="0" cy="0"/>
+          <a:chOff x="0" y="0"/>
+          <a:chExt cx="0" cy="0"/>
+        </a:xfrm>
+      </p:grpSpPr>
+      <p:sp>
+        <p:nvSpPr>
+          <p:cNvPr id="2" name="Titre 1"/>
+          <p:cNvSpPr>
+            <a:spLocks noGrp="1"/>
+          </p:cNvSpPr>
+          <p:nvPr>
+            <p:ph type="title"/>
+          </p:nvPr>
+        </p:nvSpPr>
+        <p:spPr/>
+        <p:txBody>
+          <a:bodyPr/>
+          <a:lstStyle/>
+          <a:p>
+            <a:r>
+              <a:rPr lang="fr-FR" dirty="0"/>
+              <a:t>Validation  des </a:t>
+            </a:r>
+            <a:r>
+              <a:rPr lang="fr-FR" dirty="0" err="1"/>
+              <a:t>DataAnnotations</a:t>
+            </a:r>
+            <a:endParaRPr lang="fr-FR" dirty="0"/>
+          </a:p>
+        </p:txBody>
+      </p:sp>
+      <p:sp>
+        <p:nvSpPr>
+          <p:cNvPr id="3" name="Espace réservé du contenu 2"/>
+          <p:cNvSpPr>
+            <a:spLocks noGrp="1"/>
+          </p:cNvSpPr>
+          <p:nvPr>
+            <p:ph idx="1"/>
+          </p:nvPr>
+        </p:nvSpPr>
+        <p:spPr/>
+        <p:txBody>
+          <a:bodyPr/>
+          <a:lstStyle/>
+          <a:p>
+            <a:r>
+              <a:rPr lang="fr-FR" dirty="0" smtClean="0"/>
+              <a:t>Ne pas oublier d’afficher les erreurs remontées :</a:t>
+            </a:r>
+          </a:p>
+          <a:p>
+            <a:endParaRPr lang="fr-FR" dirty="0"/>
+          </a:p>
+        </p:txBody>
+      </p:sp>
+      <p:pic>
+        <p:nvPicPr>
+          <p:cNvPr id="4" name="Image 3"/>
+          <p:cNvPicPr>
+            <a:picLocks noChangeAspect="1"/>
+          </p:cNvPicPr>
+          <p:nvPr/>
+        </p:nvPicPr>
+        <p:blipFill>
+          <a:blip r:embed="rId2"/>
+          <a:stretch>
+            <a:fillRect/>
+          </a:stretch>
+        </p:blipFill>
+        <p:spPr>
+          <a:xfrm>
+            <a:off x="1487958" y="3026388"/>
+            <a:ext cx="9089425" cy="2190223"/>
+          </a:xfrm>
+          <a:prstGeom prst="rect">
+            <a:avLst/>
+          </a:prstGeom>
+        </p:spPr>
+      </p:pic>
+    </p:spTree>
+    <p:extLst>
+      <p:ext uri="{BB962C8B-B14F-4D97-AF65-F5344CB8AC3E}">
+        <p14:creationId xmlns:p14="http://schemas.microsoft.com/office/powerpoint/2010/main" val="327608277"/>
+      </p:ext>
+    </p:extLst>
+  </p:cSld>
+  <p:clrMapOvr>
+    <a:masterClrMapping/>
+  </p:clrMapOvr>
+  <p:timing>
+    <p:tnLst>
+      <p:par>
+        <p:cTn id="1" dur="indefinite" restart="never" nodeType="tmRoot"/>
+      </p:par>
+    </p:tnLst>
+  </p:timing>
+</p:sld>
+</file>
+
+<file path=ppt/slides/slide78.xml><?xml version="1.0" encoding="utf-8"?>
+<p:sld xmlns:a="http://schemas.openxmlformats.org/drawingml/2006/main" xmlns:r="http://schemas.openxmlformats.org/officeDocument/2006/relationships" xmlns:p="http://schemas.openxmlformats.org/presentationml/2006/main">
+  <p:cSld>
+    <p:spTree>
+      <p:nvGrpSpPr>
+        <p:cNvPr id="1" name=""/>
+        <p:cNvGrpSpPr/>
+        <p:nvPr/>
+      </p:nvGrpSpPr>
+      <p:grpSpPr>
+        <a:xfrm>
+          <a:off x="0" y="0"/>
+          <a:ext cx="0" cy="0"/>
+          <a:chOff x="0" y="0"/>
+          <a:chExt cx="0" cy="0"/>
+        </a:xfrm>
+      </p:grpSpPr>
+      <p:sp>
+        <p:nvSpPr>
+          <p:cNvPr id="2" name="Titre 1"/>
+          <p:cNvSpPr>
+            <a:spLocks noGrp="1"/>
+          </p:cNvSpPr>
+          <p:nvPr>
+            <p:ph type="ctrTitle"/>
+          </p:nvPr>
+        </p:nvSpPr>
+        <p:spPr/>
+        <p:txBody>
+          <a:bodyPr/>
+          <a:lstStyle/>
+          <a:p>
+            <a:r>
+              <a:rPr lang="fr-FR" dirty="0" smtClean="0"/>
+              <a:t>Bonus : </a:t>
+            </a:r>
+            <a:r>
+              <a:rPr lang="fr-FR" dirty="0" err="1" smtClean="0"/>
+              <a:t>Refacto</a:t>
+            </a:r>
+            <a:r>
+              <a:rPr lang="fr-FR" dirty="0" smtClean="0"/>
+              <a:t> avec </a:t>
+            </a:r>
+            <a:r>
+              <a:rPr lang="fr-FR" dirty="0" err="1" smtClean="0"/>
+              <a:t>Generics</a:t>
+            </a:r>
+            <a:endParaRPr lang="fr-FR" dirty="0"/>
+          </a:p>
+        </p:txBody>
+      </p:sp>
+      <p:sp>
+        <p:nvSpPr>
+          <p:cNvPr id="3" name="Sous-titre 2"/>
+          <p:cNvSpPr>
+            <a:spLocks noGrp="1"/>
+          </p:cNvSpPr>
+          <p:nvPr>
+            <p:ph type="subTitle" idx="1"/>
+          </p:nvPr>
+        </p:nvSpPr>
+        <p:spPr/>
+        <p:txBody>
+          <a:bodyPr/>
+          <a:lstStyle/>
+          <a:p>
+            <a:r>
+              <a:rPr lang="fr-FR" dirty="0" smtClean="0"/>
+              <a:t>AU cas où certains suivraient encore</a:t>
+            </a:r>
+            <a:endParaRPr lang="fr-FR" dirty="0"/>
+          </a:p>
+        </p:txBody>
+      </p:sp>
+    </p:spTree>
+    <p:extLst>
+      <p:ext uri="{BB962C8B-B14F-4D97-AF65-F5344CB8AC3E}">
+        <p14:creationId xmlns:p14="http://schemas.microsoft.com/office/powerpoint/2010/main" val="272073396"/>
+      </p:ext>
+    </p:extLst>
+  </p:cSld>
+  <p:clrMapOvr>
+    <a:masterClrMapping/>
+  </p:clrMapOvr>
+  <p:timing>
+    <p:tnLst>
+      <p:par>
+        <p:cTn id="1" dur="indefinite" restart="never" nodeType="tmRoot"/>
+      </p:par>
+    </p:tnLst>
+  </p:timing>
+</p:sld>
+</file>
+
+<file path=ppt/slides/slide79.xml><?xml version="1.0" encoding="utf-8"?>
+<p:sld xmlns:a="http://schemas.openxmlformats.org/drawingml/2006/main" xmlns:r="http://schemas.openxmlformats.org/officeDocument/2006/relationships" xmlns:p="http://schemas.openxmlformats.org/presentationml/2006/main">
+  <p:cSld>
+    <p:spTree>
+      <p:nvGrpSpPr>
+        <p:cNvPr id="1" name=""/>
+        <p:cNvGrpSpPr/>
+        <p:nvPr/>
+      </p:nvGrpSpPr>
+      <p:grpSpPr>
+        <a:xfrm>
+          <a:off x="0" y="0"/>
+          <a:ext cx="0" cy="0"/>
+          <a:chOff x="0" y="0"/>
+          <a:chExt cx="0" cy="0"/>
+        </a:xfrm>
+      </p:grpSpPr>
+      <p:sp>
+        <p:nvSpPr>
+          <p:cNvPr id="2" name="Titre 1"/>
+          <p:cNvSpPr>
+            <a:spLocks noGrp="1"/>
+          </p:cNvSpPr>
+          <p:nvPr>
+            <p:ph type="title"/>
+          </p:nvPr>
+        </p:nvSpPr>
+        <p:spPr/>
+        <p:txBody>
+          <a:bodyPr/>
+          <a:lstStyle/>
+          <a:p>
+            <a:r>
+              <a:rPr lang="fr-FR" dirty="0" err="1" smtClean="0"/>
+              <a:t>NotifyDataErrorInffoBase</a:t>
+            </a:r>
+            <a:endParaRPr lang="fr-FR" dirty="0"/>
+          </a:p>
+        </p:txBody>
+      </p:sp>
+      <p:sp>
+        <p:nvSpPr>
+          <p:cNvPr id="3" name="Espace réservé du contenu 2"/>
+          <p:cNvSpPr>
+            <a:spLocks noGrp="1"/>
+          </p:cNvSpPr>
+          <p:nvPr>
+            <p:ph idx="1"/>
+          </p:nvPr>
+        </p:nvSpPr>
+        <p:spPr/>
+        <p:txBody>
+          <a:bodyPr/>
+          <a:lstStyle/>
+          <a:p>
+            <a:r>
+              <a:rPr lang="fr-FR" dirty="0" smtClean="0"/>
+              <a:t>Le code que l’o na codé pour gérer la validation est toujours le </a:t>
+            </a:r>
+            <a:r>
+              <a:rPr lang="fr-FR" dirty="0" err="1" smtClean="0"/>
+              <a:t>meme</a:t>
+            </a:r>
+            <a:r>
+              <a:rPr lang="fr-FR" dirty="0" smtClean="0"/>
+              <a:t>. Si on devait </a:t>
+            </a:r>
+            <a:r>
+              <a:rPr lang="fr-FR" dirty="0" err="1" smtClean="0"/>
+              <a:t>créér</a:t>
+            </a:r>
+            <a:r>
+              <a:rPr lang="fr-FR" dirty="0" smtClean="0"/>
+              <a:t> une autre classe </a:t>
+            </a:r>
+            <a:r>
+              <a:rPr lang="fr-FR" dirty="0" err="1" smtClean="0"/>
+              <a:t>TotoWrapper</a:t>
+            </a:r>
+            <a:r>
+              <a:rPr lang="fr-FR" dirty="0" smtClean="0"/>
+              <a:t>, on </a:t>
+            </a:r>
+            <a:r>
+              <a:rPr lang="fr-FR" dirty="0" err="1" smtClean="0"/>
+              <a:t>ecrirait</a:t>
+            </a:r>
+            <a:r>
+              <a:rPr lang="fr-FR" dirty="0" smtClean="0"/>
+              <a:t> la </a:t>
+            </a:r>
+            <a:r>
+              <a:rPr lang="fr-FR" dirty="0" err="1" smtClean="0"/>
+              <a:t>meme</a:t>
+            </a:r>
+            <a:r>
+              <a:rPr lang="fr-FR" dirty="0" smtClean="0"/>
+              <a:t> chose =&gt; on va donc mettre ce code dans une classe de base </a:t>
+            </a:r>
+            <a:r>
+              <a:rPr lang="fr-FR" b="1" dirty="0" err="1" smtClean="0"/>
+              <a:t>NotifyDataErrorInfoBase</a:t>
+            </a:r>
+            <a:endParaRPr lang="fr-FR" b="1" dirty="0"/>
+          </a:p>
+        </p:txBody>
+      </p:sp>
+      <p:pic>
+        <p:nvPicPr>
+          <p:cNvPr id="4" name="Image 3"/>
+          <p:cNvPicPr>
+            <a:picLocks noChangeAspect="1"/>
+          </p:cNvPicPr>
+          <p:nvPr/>
+        </p:nvPicPr>
+        <p:blipFill>
+          <a:blip r:embed="rId2"/>
+          <a:stretch>
+            <a:fillRect/>
+          </a:stretch>
+        </p:blipFill>
+        <p:spPr>
+          <a:xfrm>
+            <a:off x="1435057" y="3824416"/>
+            <a:ext cx="6010275" cy="2743200"/>
+          </a:xfrm>
+          <a:prstGeom prst="rect">
+            <a:avLst/>
+          </a:prstGeom>
+        </p:spPr>
+      </p:pic>
+      <p:pic>
+        <p:nvPicPr>
+          <p:cNvPr id="5" name="Image 4"/>
+          <p:cNvPicPr>
+            <a:picLocks noChangeAspect="1"/>
+          </p:cNvPicPr>
+          <p:nvPr/>
+        </p:nvPicPr>
+        <p:blipFill>
+          <a:blip r:embed="rId3"/>
+          <a:stretch>
+            <a:fillRect/>
+          </a:stretch>
+        </p:blipFill>
+        <p:spPr>
+          <a:xfrm>
+            <a:off x="7311853" y="1169987"/>
+            <a:ext cx="4438650" cy="314325"/>
+          </a:xfrm>
+          <a:prstGeom prst="rect">
+            <a:avLst/>
+          </a:prstGeom>
+        </p:spPr>
+      </p:pic>
+    </p:spTree>
+    <p:extLst>
+      <p:ext uri="{BB962C8B-B14F-4D97-AF65-F5344CB8AC3E}">
+        <p14:creationId xmlns:p14="http://schemas.microsoft.com/office/powerpoint/2010/main" val="2498814136"/>
+      </p:ext>
+    </p:extLst>
+  </p:cSld>
+  <p:clrMapOvr>
+    <a:masterClrMapping/>
+  </p:clrMapOvr>
+  <p:timing>
+    <p:tnLst>
+      <p:par>
+        <p:cTn id="1" dur="indefinite" restart="never" nodeType="tmRoot"/>
+      </p:par>
+    </p:tnLst>
+  </p:timing>
+</p:sld>
+</file>
+
 <file path=ppt/slides/slide8.xml><?xml version="1.0" encoding="utf-8"?>
 <p:sld xmlns:a="http://schemas.openxmlformats.org/drawingml/2006/main" xmlns:r="http://schemas.openxmlformats.org/officeDocument/2006/relationships" xmlns:p="http://schemas.openxmlformats.org/presentationml/2006/main">
   <p:cSld>
@@ -19414,6 +23461,522 @@
     <p:extLst>
       <p:ext uri="{BB962C8B-B14F-4D97-AF65-F5344CB8AC3E}">
         <p14:creationId xmlns:p14="http://schemas.microsoft.com/office/powerpoint/2010/main" val="2603331952"/>
+      </p:ext>
+    </p:extLst>
+  </p:cSld>
+  <p:clrMapOvr>
+    <a:masterClrMapping/>
+  </p:clrMapOvr>
+</p:sld>
+</file>
+
+<file path=ppt/slides/slide80.xml><?xml version="1.0" encoding="utf-8"?>
+<p:sld xmlns:a="http://schemas.openxmlformats.org/drawingml/2006/main" xmlns:r="http://schemas.openxmlformats.org/officeDocument/2006/relationships" xmlns:p="http://schemas.openxmlformats.org/presentationml/2006/main">
+  <p:cSld>
+    <p:spTree>
+      <p:nvGrpSpPr>
+        <p:cNvPr id="1" name=""/>
+        <p:cNvGrpSpPr/>
+        <p:nvPr/>
+      </p:nvGrpSpPr>
+      <p:grpSpPr>
+        <a:xfrm>
+          <a:off x="0" y="0"/>
+          <a:ext cx="0" cy="0"/>
+          <a:chOff x="0" y="0"/>
+          <a:chExt cx="0" cy="0"/>
+        </a:xfrm>
+      </p:grpSpPr>
+      <p:sp>
+        <p:nvSpPr>
+          <p:cNvPr id="2" name="Titre 1"/>
+          <p:cNvSpPr>
+            <a:spLocks noGrp="1"/>
+          </p:cNvSpPr>
+          <p:nvPr>
+            <p:ph type="title"/>
+          </p:nvPr>
+        </p:nvSpPr>
+        <p:spPr/>
+        <p:txBody>
+          <a:bodyPr/>
+          <a:lstStyle/>
+          <a:p>
+            <a:r>
+              <a:rPr lang="fr-FR" dirty="0" err="1" smtClean="0"/>
+              <a:t>FriendWrapper</a:t>
+            </a:r>
+            <a:r>
+              <a:rPr lang="fr-FR" dirty="0" smtClean="0"/>
+              <a:t> présente des redondances</a:t>
+            </a:r>
+            <a:endParaRPr lang="fr-FR" dirty="0"/>
+          </a:p>
+        </p:txBody>
+      </p:sp>
+      <p:sp>
+        <p:nvSpPr>
+          <p:cNvPr id="3" name="Espace réservé du contenu 2"/>
+          <p:cNvSpPr>
+            <a:spLocks noGrp="1"/>
+          </p:cNvSpPr>
+          <p:nvPr>
+            <p:ph idx="1"/>
+          </p:nvPr>
+        </p:nvSpPr>
+        <p:spPr>
+          <a:xfrm>
+            <a:off x="1154954" y="2603500"/>
+            <a:ext cx="9471857" cy="4032078"/>
+          </a:xfrm>
+        </p:spPr>
+        <p:txBody>
+          <a:bodyPr/>
+          <a:lstStyle/>
+          <a:p>
+            <a:r>
+              <a:rPr lang="fr-FR" dirty="0" smtClean="0"/>
+              <a:t>Le propriétés dans </a:t>
+            </a:r>
+            <a:r>
+              <a:rPr lang="fr-FR" dirty="0" err="1" smtClean="0"/>
+              <a:t>FriendWrapper</a:t>
+            </a:r>
+            <a:r>
+              <a:rPr lang="fr-FR" dirty="0" smtClean="0"/>
+              <a:t> sont un peu redondantes :</a:t>
+            </a:r>
+          </a:p>
+          <a:p>
+            <a:endParaRPr lang="fr-FR" dirty="0"/>
+          </a:p>
+          <a:p>
+            <a:endParaRPr lang="fr-FR" dirty="0" smtClean="0"/>
+          </a:p>
+          <a:p>
+            <a:endParaRPr lang="fr-FR" dirty="0"/>
+          </a:p>
+          <a:p>
+            <a:endParaRPr lang="fr-FR" dirty="0" smtClean="0"/>
+          </a:p>
+          <a:p>
+            <a:endParaRPr lang="fr-FR" dirty="0"/>
+          </a:p>
+          <a:p>
+            <a:endParaRPr lang="fr-FR" dirty="0" smtClean="0"/>
+          </a:p>
+          <a:p>
+            <a:endParaRPr lang="fr-FR" dirty="0" smtClean="0"/>
+          </a:p>
+          <a:p>
+            <a:endParaRPr lang="fr-FR" dirty="0"/>
+          </a:p>
+          <a:p>
+            <a:r>
+              <a:rPr lang="fr-FR" dirty="0" smtClean="0"/>
+              <a:t>On va créer une classe de base pour améliorer cela  </a:t>
+            </a:r>
+          </a:p>
+          <a:p>
+            <a:endParaRPr lang="fr-FR" dirty="0"/>
+          </a:p>
+        </p:txBody>
+      </p:sp>
+      <p:pic>
+        <p:nvPicPr>
+          <p:cNvPr id="4" name="Image 3"/>
+          <p:cNvPicPr>
+            <a:picLocks noChangeAspect="1"/>
+          </p:cNvPicPr>
+          <p:nvPr/>
+        </p:nvPicPr>
+        <p:blipFill>
+          <a:blip r:embed="rId2"/>
+          <a:stretch>
+            <a:fillRect/>
+          </a:stretch>
+        </p:blipFill>
+        <p:spPr>
+          <a:xfrm>
+            <a:off x="2001795" y="3071555"/>
+            <a:ext cx="5906530" cy="2797083"/>
+          </a:xfrm>
+          <a:prstGeom prst="rect">
+            <a:avLst/>
+          </a:prstGeom>
+        </p:spPr>
+      </p:pic>
+    </p:spTree>
+    <p:extLst>
+      <p:ext uri="{BB962C8B-B14F-4D97-AF65-F5344CB8AC3E}">
+        <p14:creationId xmlns:p14="http://schemas.microsoft.com/office/powerpoint/2010/main" val="4149134863"/>
+      </p:ext>
+    </p:extLst>
+  </p:cSld>
+  <p:clrMapOvr>
+    <a:masterClrMapping/>
+  </p:clrMapOvr>
+</p:sld>
+</file>
+
+<file path=ppt/slides/slide81.xml><?xml version="1.0" encoding="utf-8"?>
+<p:sld xmlns:a="http://schemas.openxmlformats.org/drawingml/2006/main" xmlns:r="http://schemas.openxmlformats.org/officeDocument/2006/relationships" xmlns:p="http://schemas.openxmlformats.org/presentationml/2006/main">
+  <p:cSld>
+    <p:spTree>
+      <p:nvGrpSpPr>
+        <p:cNvPr id="1" name=""/>
+        <p:cNvGrpSpPr/>
+        <p:nvPr/>
+      </p:nvGrpSpPr>
+      <p:grpSpPr>
+        <a:xfrm>
+          <a:off x="0" y="0"/>
+          <a:ext cx="0" cy="0"/>
+          <a:chOff x="0" y="0"/>
+          <a:chExt cx="0" cy="0"/>
+        </a:xfrm>
+      </p:grpSpPr>
+      <p:sp>
+        <p:nvSpPr>
+          <p:cNvPr id="2" name="Titre 1"/>
+          <p:cNvSpPr>
+            <a:spLocks noGrp="1"/>
+          </p:cNvSpPr>
+          <p:nvPr>
+            <p:ph type="title"/>
+          </p:nvPr>
+        </p:nvSpPr>
+        <p:spPr/>
+        <p:txBody>
+          <a:bodyPr/>
+          <a:lstStyle/>
+          <a:p>
+            <a:r>
+              <a:rPr lang="fr-FR" dirty="0" err="1" smtClean="0"/>
+              <a:t>ModelWrapper</a:t>
+            </a:r>
+            <a:r>
+              <a:rPr lang="fr-FR" dirty="0" smtClean="0"/>
+              <a:t>&lt;T&gt; </a:t>
+            </a:r>
+            <a:endParaRPr lang="fr-FR" dirty="0"/>
+          </a:p>
+        </p:txBody>
+      </p:sp>
+      <p:pic>
+        <p:nvPicPr>
+          <p:cNvPr id="7" name="Image 6"/>
+          <p:cNvPicPr>
+            <a:picLocks noChangeAspect="1"/>
+          </p:cNvPicPr>
+          <p:nvPr/>
+        </p:nvPicPr>
+        <p:blipFill>
+          <a:blip r:embed="rId2"/>
+          <a:stretch>
+            <a:fillRect/>
+          </a:stretch>
+        </p:blipFill>
+        <p:spPr>
+          <a:xfrm>
+            <a:off x="808980" y="2361475"/>
+            <a:ext cx="10373884" cy="3383644"/>
+          </a:xfrm>
+          <a:prstGeom prst="rect">
+            <a:avLst/>
+          </a:prstGeom>
+        </p:spPr>
+      </p:pic>
+      <p:pic>
+        <p:nvPicPr>
+          <p:cNvPr id="8" name="Image 7"/>
+          <p:cNvPicPr>
+            <a:picLocks noChangeAspect="1"/>
+          </p:cNvPicPr>
+          <p:nvPr/>
+        </p:nvPicPr>
+        <p:blipFill>
+          <a:blip r:embed="rId3"/>
+          <a:stretch>
+            <a:fillRect/>
+          </a:stretch>
+        </p:blipFill>
+        <p:spPr>
+          <a:xfrm>
+            <a:off x="8284175" y="522287"/>
+            <a:ext cx="3581400" cy="1609725"/>
+          </a:xfrm>
+          <a:prstGeom prst="rect">
+            <a:avLst/>
+          </a:prstGeom>
+        </p:spPr>
+      </p:pic>
+    </p:spTree>
+    <p:extLst>
+      <p:ext uri="{BB962C8B-B14F-4D97-AF65-F5344CB8AC3E}">
+        <p14:creationId xmlns:p14="http://schemas.microsoft.com/office/powerpoint/2010/main" val="1385082861"/>
+      </p:ext>
+    </p:extLst>
+  </p:cSld>
+  <p:clrMapOvr>
+    <a:masterClrMapping/>
+  </p:clrMapOvr>
+</p:sld>
+</file>
+
+<file path=ppt/slides/slide82.xml><?xml version="1.0" encoding="utf-8"?>
+<p:sld xmlns:a="http://schemas.openxmlformats.org/drawingml/2006/main" xmlns:r="http://schemas.openxmlformats.org/officeDocument/2006/relationships" xmlns:p="http://schemas.openxmlformats.org/presentationml/2006/main">
+  <p:cSld>
+    <p:spTree>
+      <p:nvGrpSpPr>
+        <p:cNvPr id="1" name=""/>
+        <p:cNvGrpSpPr/>
+        <p:nvPr/>
+      </p:nvGrpSpPr>
+      <p:grpSpPr>
+        <a:xfrm>
+          <a:off x="0" y="0"/>
+          <a:ext cx="0" cy="0"/>
+          <a:chOff x="0" y="0"/>
+          <a:chExt cx="0" cy="0"/>
+        </a:xfrm>
+      </p:grpSpPr>
+      <p:sp>
+        <p:nvSpPr>
+          <p:cNvPr id="2" name="Titre 1"/>
+          <p:cNvSpPr>
+            <a:spLocks noGrp="1"/>
+          </p:cNvSpPr>
+          <p:nvPr>
+            <p:ph type="title"/>
+          </p:nvPr>
+        </p:nvSpPr>
+        <p:spPr/>
+        <p:txBody>
+          <a:bodyPr/>
+          <a:lstStyle/>
+          <a:p>
+            <a:r>
+              <a:rPr lang="fr-FR" dirty="0" err="1" smtClean="0"/>
+              <a:t>ModelWrapper</a:t>
+            </a:r>
+            <a:r>
+              <a:rPr lang="fr-FR" dirty="0" smtClean="0"/>
+              <a:t>&lt;T&gt;</a:t>
+            </a:r>
+            <a:endParaRPr lang="fr-FR" dirty="0"/>
+          </a:p>
+        </p:txBody>
+      </p:sp>
+      <p:sp>
+        <p:nvSpPr>
+          <p:cNvPr id="3" name="Espace réservé du contenu 2"/>
+          <p:cNvSpPr>
+            <a:spLocks noGrp="1"/>
+          </p:cNvSpPr>
+          <p:nvPr>
+            <p:ph idx="1"/>
+          </p:nvPr>
+        </p:nvSpPr>
+        <p:spPr/>
+        <p:txBody>
+          <a:bodyPr/>
+          <a:lstStyle/>
+          <a:p>
+            <a:r>
+              <a:rPr lang="fr-FR" dirty="0" smtClean="0"/>
+              <a:t>Pareil pour le setter :</a:t>
+            </a:r>
+          </a:p>
+          <a:p>
+            <a:endParaRPr lang="fr-FR" dirty="0"/>
+          </a:p>
+          <a:p>
+            <a:endParaRPr lang="fr-FR" dirty="0" smtClean="0"/>
+          </a:p>
+          <a:p>
+            <a:endParaRPr lang="fr-FR" dirty="0"/>
+          </a:p>
+          <a:p>
+            <a:endParaRPr lang="fr-FR" dirty="0" smtClean="0"/>
+          </a:p>
+          <a:p>
+            <a:endParaRPr lang="fr-FR" dirty="0"/>
+          </a:p>
+          <a:p>
+            <a:r>
+              <a:rPr lang="fr-FR" dirty="0" smtClean="0"/>
+              <a:t>Les méthodes utilisées ici utilisent de la </a:t>
+            </a:r>
+            <a:r>
+              <a:rPr lang="fr-FR" dirty="0" err="1" smtClean="0"/>
+              <a:t>Reflection</a:t>
+            </a:r>
+            <a:r>
+              <a:rPr lang="fr-FR" dirty="0" smtClean="0"/>
+              <a:t> ( concept C# qui permet de récupérer le nom des propriétés pendant l’</a:t>
+            </a:r>
+            <a:r>
+              <a:rPr lang="fr-FR" dirty="0" err="1" smtClean="0"/>
+              <a:t>execution</a:t>
+            </a:r>
+            <a:r>
+              <a:rPr lang="fr-FR" dirty="0" smtClean="0"/>
+              <a:t> )</a:t>
+            </a:r>
+            <a:endParaRPr lang="fr-FR" dirty="0"/>
+          </a:p>
+        </p:txBody>
+      </p:sp>
+      <p:pic>
+        <p:nvPicPr>
+          <p:cNvPr id="4" name="Image 3"/>
+          <p:cNvPicPr>
+            <a:picLocks noChangeAspect="1"/>
+          </p:cNvPicPr>
+          <p:nvPr/>
+        </p:nvPicPr>
+        <p:blipFill>
+          <a:blip r:embed="rId2"/>
+          <a:stretch>
+            <a:fillRect/>
+          </a:stretch>
+        </p:blipFill>
+        <p:spPr>
+          <a:xfrm>
+            <a:off x="1278923" y="3002692"/>
+            <a:ext cx="7720419" cy="1668162"/>
+          </a:xfrm>
+          <a:prstGeom prst="rect">
+            <a:avLst/>
+          </a:prstGeom>
+        </p:spPr>
+      </p:pic>
+    </p:spTree>
+    <p:extLst>
+      <p:ext uri="{BB962C8B-B14F-4D97-AF65-F5344CB8AC3E}">
+        <p14:creationId xmlns:p14="http://schemas.microsoft.com/office/powerpoint/2010/main" val="2107585454"/>
+      </p:ext>
+    </p:extLst>
+  </p:cSld>
+  <p:clrMapOvr>
+    <a:masterClrMapping/>
+  </p:clrMapOvr>
+</p:sld>
+</file>
+
+<file path=ppt/slides/slide83.xml><?xml version="1.0" encoding="utf-8"?>
+<p:sld xmlns:a="http://schemas.openxmlformats.org/drawingml/2006/main" xmlns:r="http://schemas.openxmlformats.org/officeDocument/2006/relationships" xmlns:p="http://schemas.openxmlformats.org/presentationml/2006/main">
+  <p:cSld>
+    <p:spTree>
+      <p:nvGrpSpPr>
+        <p:cNvPr id="1" name=""/>
+        <p:cNvGrpSpPr/>
+        <p:nvPr/>
+      </p:nvGrpSpPr>
+      <p:grpSpPr>
+        <a:xfrm>
+          <a:off x="0" y="0"/>
+          <a:ext cx="0" cy="0"/>
+          <a:chOff x="0" y="0"/>
+          <a:chExt cx="0" cy="0"/>
+        </a:xfrm>
+      </p:grpSpPr>
+      <p:sp>
+        <p:nvSpPr>
+          <p:cNvPr id="2" name="Titre 1"/>
+          <p:cNvSpPr>
+            <a:spLocks noGrp="1"/>
+          </p:cNvSpPr>
+          <p:nvPr>
+            <p:ph type="title"/>
+          </p:nvPr>
+        </p:nvSpPr>
+        <p:spPr/>
+        <p:txBody>
+          <a:bodyPr/>
+          <a:lstStyle/>
+          <a:p>
+            <a:r>
+              <a:rPr lang="fr-FR" dirty="0" smtClean="0"/>
+              <a:t>Utilisation de notre </a:t>
+            </a:r>
+            <a:r>
+              <a:rPr lang="fr-FR" dirty="0" err="1" smtClean="0"/>
+              <a:t>ModelWrapper</a:t>
+            </a:r>
+            <a:endParaRPr lang="fr-FR" dirty="0"/>
+          </a:p>
+        </p:txBody>
+      </p:sp>
+      <p:sp>
+        <p:nvSpPr>
+          <p:cNvPr id="3" name="Espace réservé du contenu 2"/>
+          <p:cNvSpPr>
+            <a:spLocks noGrp="1"/>
+          </p:cNvSpPr>
+          <p:nvPr>
+            <p:ph idx="1"/>
+          </p:nvPr>
+        </p:nvSpPr>
+        <p:spPr>
+          <a:xfrm>
+            <a:off x="7537622" y="2603500"/>
+            <a:ext cx="2442991" cy="3416300"/>
+          </a:xfrm>
+        </p:spPr>
+        <p:txBody>
+          <a:bodyPr/>
+          <a:lstStyle/>
+          <a:p>
+            <a:r>
+              <a:rPr lang="fr-FR" dirty="0" smtClean="0"/>
+              <a:t>TODO : remplacer le code dans le set de la </a:t>
+            </a:r>
+            <a:r>
+              <a:rPr lang="fr-FR" dirty="0" err="1" smtClean="0"/>
+              <a:t>meme</a:t>
+            </a:r>
+            <a:r>
+              <a:rPr lang="fr-FR" dirty="0" smtClean="0"/>
+              <a:t> manière que dans le </a:t>
+            </a:r>
+            <a:r>
+              <a:rPr lang="fr-FR" dirty="0" err="1" smtClean="0"/>
+              <a:t>get</a:t>
+            </a:r>
+            <a:endParaRPr lang="fr-FR" dirty="0"/>
+          </a:p>
+        </p:txBody>
+      </p:sp>
+      <p:pic>
+        <p:nvPicPr>
+          <p:cNvPr id="5" name="Image 4"/>
+          <p:cNvPicPr>
+            <a:picLocks noChangeAspect="1"/>
+          </p:cNvPicPr>
+          <p:nvPr/>
+        </p:nvPicPr>
+        <p:blipFill>
+          <a:blip r:embed="rId2"/>
+          <a:stretch>
+            <a:fillRect/>
+          </a:stretch>
+        </p:blipFill>
+        <p:spPr>
+          <a:xfrm>
+            <a:off x="1253808" y="2365242"/>
+            <a:ext cx="5768160" cy="4139949"/>
+          </a:xfrm>
+          <a:prstGeom prst="rect">
+            <a:avLst/>
+          </a:prstGeom>
+        </p:spPr>
+      </p:pic>
+    </p:spTree>
+    <p:extLst>
+      <p:ext uri="{BB962C8B-B14F-4D97-AF65-F5344CB8AC3E}">
+        <p14:creationId xmlns:p14="http://schemas.microsoft.com/office/powerpoint/2010/main" val="2519340697"/>
       </p:ext>
     </p:extLst>
   </p:cSld>

--- a/WPF MVVM/3.Projet Friend Organizer.pptx
+++ b/WPF MVVM/3.Projet Friend Organizer.pptx
@@ -88,6 +88,7 @@
     <p:sldId id="329" r:id="rId82"/>
     <p:sldId id="336" r:id="rId83"/>
     <p:sldId id="337" r:id="rId84"/>
+    <p:sldId id="340" r:id="rId85"/>
   </p:sldIdLst>
   <p:sldSz cx="12192000" cy="6858000"/>
   <p:notesSz cx="6858000" cy="9144000"/>
@@ -530,7 +531,7 @@
             <a:fld id="{5923F103-BC34-4FE4-A40E-EDDEECFDA5D0}" type="datetimeFigureOut">
               <a:rPr lang="en-US" dirty="0"/>
               <a:pPr/>
-              <a:t>5/9/2019</a:t>
+              <a:t>5/10/2019</a:t>
             </a:fld>
             <a:endParaRPr lang="en-US" dirty="0"/>
           </a:p>
@@ -1618,7 +1619,7 @@
           <a:p>
             <a:fld id="{923A1CC3-2375-41D4-9E03-427CAF2A4C1A}" type="datetimeFigureOut">
               <a:rPr lang="en-US" dirty="0"/>
-              <a:t>5/9/2019</a:t>
+              <a:t>5/10/2019</a:t>
             </a:fld>
             <a:endParaRPr lang="en-US" dirty="0"/>
           </a:p>
@@ -2598,7 +2599,7 @@
           <a:p>
             <a:fld id="{AFF16868-8199-4C2C-A5B1-63AEE139F88E}" type="datetimeFigureOut">
               <a:rPr lang="en-US" dirty="0"/>
-              <a:t>5/9/2019</a:t>
+              <a:t>5/10/2019</a:t>
             </a:fld>
             <a:endParaRPr lang="en-US" dirty="0"/>
           </a:p>
@@ -3732,7 +3733,7 @@
           <a:p>
             <a:fld id="{AAD9FF7F-6988-44CC-821B-644E70CD2F73}" type="datetimeFigureOut">
               <a:rPr lang="en-US" dirty="0"/>
-              <a:t>5/9/2019</a:t>
+              <a:t>5/10/2019</a:t>
             </a:fld>
             <a:endParaRPr lang="en-US" dirty="0"/>
           </a:p>
@@ -4765,7 +4766,7 @@
           <a:p>
             <a:fld id="{5C12C299-16B2-4475-990D-751901EACC14}" type="datetimeFigureOut">
               <a:rPr lang="en-US" dirty="0"/>
-              <a:t>5/9/2019</a:t>
+              <a:t>5/10/2019</a:t>
             </a:fld>
             <a:endParaRPr lang="en-US" dirty="0"/>
           </a:p>
@@ -5425,7 +5426,7 @@
           <a:p>
             <a:fld id="{9FE86839-B9D8-4651-8783-F325ECE74E65}" type="datetimeFigureOut">
               <a:rPr lang="en-US" dirty="0"/>
-              <a:t>5/9/2019</a:t>
+              <a:t>5/10/2019</a:t>
             </a:fld>
             <a:endParaRPr lang="en-US" dirty="0"/>
           </a:p>
@@ -6286,7 +6287,7 @@
           <a:p>
             <a:fld id="{FD484F64-32F6-45C5-931F-ADC1662401D0}" type="datetimeFigureOut">
               <a:rPr lang="en-US" dirty="0"/>
-              <a:t>5/9/2019</a:t>
+              <a:t>5/10/2019</a:t>
             </a:fld>
             <a:endParaRPr lang="en-US" dirty="0"/>
           </a:p>
@@ -6476,7 +6477,7 @@
           <a:p>
             <a:fld id="{53086D93-FCAC-47E0-A2EE-787E62CA814C}" type="datetimeFigureOut">
               <a:rPr lang="en-US" dirty="0"/>
-              <a:t>5/9/2019</a:t>
+              <a:t>5/10/2019</a:t>
             </a:fld>
             <a:endParaRPr lang="en-US" dirty="0"/>
           </a:p>
@@ -7448,7 +7449,7 @@
           <a:p>
             <a:fld id="{CDA879A6-0FD0-4734-A311-86BFCA472E6E}" type="datetimeFigureOut">
               <a:rPr lang="en-US" dirty="0"/>
-              <a:t>5/9/2019</a:t>
+              <a:t>5/10/2019</a:t>
             </a:fld>
             <a:endParaRPr lang="en-US" dirty="0"/>
           </a:p>
@@ -7659,7 +7660,7 @@
           <a:p>
             <a:fld id="{19C9CA7B-DFD4-44B5-8C60-D14B8CD1FB59}" type="datetimeFigureOut">
               <a:rPr lang="en-US" dirty="0"/>
-              <a:t>5/9/2019</a:t>
+              <a:t>5/10/2019</a:t>
             </a:fld>
             <a:endParaRPr lang="en-US" dirty="0"/>
           </a:p>
@@ -8693,7 +8694,7 @@
           <a:p>
             <a:fld id="{F34E6425-0181-43F2-84FC-787E803FD2F8}" type="datetimeFigureOut">
               <a:rPr lang="en-US" dirty="0"/>
-              <a:t>5/9/2019</a:t>
+              <a:t>5/10/2019</a:t>
             </a:fld>
             <a:endParaRPr lang="en-US" dirty="0"/>
           </a:p>
@@ -8965,7 +8966,7 @@
           <a:p>
             <a:fld id="{3BDB8791-F1B0-41E7-B7FD-A781E65C4266}" type="datetimeFigureOut">
               <a:rPr lang="en-US" dirty="0"/>
-              <a:t>5/9/2019</a:t>
+              <a:t>5/10/2019</a:t>
             </a:fld>
             <a:endParaRPr lang="en-US" dirty="0"/>
           </a:p>
@@ -9375,7 +9376,7 @@
           <a:p>
             <a:fld id="{5FDD63B2-E120-4ED8-B27B-C685F510A5FE}" type="datetimeFigureOut">
               <a:rPr lang="en-US" dirty="0"/>
-              <a:t>5/9/2019</a:t>
+              <a:t>5/10/2019</a:t>
             </a:fld>
             <a:endParaRPr lang="en-US" dirty="0"/>
           </a:p>
@@ -9502,7 +9503,7 @@
           <a:p>
             <a:fld id="{7AA18ACC-A947-437B-A130-35BD54FDF1E9}" type="datetimeFigureOut">
               <a:rPr lang="en-US" dirty="0"/>
-              <a:t>5/9/2019</a:t>
+              <a:t>5/10/2019</a:t>
             </a:fld>
             <a:endParaRPr lang="en-US" dirty="0"/>
           </a:p>
@@ -9597,7 +9598,7 @@
           <a:p>
             <a:fld id="{7C8D7E02-BCB8-4D50-A234-369438C08659}" type="datetimeFigureOut">
               <a:rPr lang="en-US" dirty="0"/>
-              <a:t>5/9/2019</a:t>
+              <a:t>5/10/2019</a:t>
             </a:fld>
             <a:endParaRPr lang="en-US" dirty="0"/>
           </a:p>
@@ -10678,7 +10679,7 @@
           <a:p>
             <a:fld id="{76E86A4C-8E40-4F87-A4F0-01A0687C5742}" type="datetimeFigureOut">
               <a:rPr lang="en-US" dirty="0"/>
-              <a:t>5/9/2019</a:t>
+              <a:t>5/10/2019</a:t>
             </a:fld>
             <a:endParaRPr lang="en-US" dirty="0"/>
           </a:p>
@@ -11786,7 +11787,7 @@
           <a:p>
             <a:fld id="{35E72C73-2D91-4E12-BA25-F0AA0C03599B}" type="datetimeFigureOut">
               <a:rPr lang="en-US" dirty="0"/>
-              <a:t>5/9/2019</a:t>
+              <a:t>5/10/2019</a:t>
             </a:fld>
             <a:endParaRPr lang="en-US" dirty="0"/>
           </a:p>
@@ -12783,7 +12784,7 @@
           <a:p>
             <a:fld id="{2BE451C3-0FF4-47C4-B829-773ADF60F88C}" type="datetimeFigureOut">
               <a:rPr lang="en-US" dirty="0"/>
-              <a:t>5/9/2019</a:t>
+              <a:t>5/10/2019</a:t>
             </a:fld>
             <a:endParaRPr lang="en-US" dirty="0"/>
           </a:p>
@@ -17117,11 +17118,7 @@
           <a:p>
             <a:r>
               <a:rPr lang="fr-FR" dirty="0" smtClean="0"/>
-              <a:t>Même </a:t>
-            </a:r>
-            <a:r>
-              <a:rPr lang="fr-FR" dirty="0" smtClean="0"/>
-              <a:t>si la valeur de </a:t>
+              <a:t>Même si la valeur de </a:t>
             </a:r>
             <a:r>
               <a:rPr lang="fr-FR" dirty="0" err="1" smtClean="0"/>
@@ -17802,10 +17799,18 @@
           <a:lstStyle/>
           <a:p>
             <a:r>
-              <a:rPr lang="fr-FR" smtClean="0"/>
-              <a:t>Sauvegarder un nouveau Friend en base</a:t>
-            </a:r>
-            <a:endParaRPr lang="fr-FR"/>
+              <a:rPr lang="fr-FR" dirty="0" smtClean="0"/>
+              <a:t>Sauvegarder les modifications d’un  </a:t>
+            </a:r>
+            <a:r>
+              <a:rPr lang="fr-FR" dirty="0" err="1" smtClean="0"/>
+              <a:t>Friend</a:t>
+            </a:r>
+            <a:r>
+              <a:rPr lang="fr-FR" dirty="0" smtClean="0"/>
+              <a:t> en base</a:t>
+            </a:r>
+            <a:endParaRPr lang="fr-FR" dirty="0"/>
           </a:p>
         </p:txBody>
       </p:sp>
@@ -17856,7 +17861,7 @@
           <a:p>
             <a:r>
               <a:rPr lang="fr-FR" dirty="0" smtClean="0"/>
-              <a:t>Enregistrer le </a:t>
+              <a:t>Enregistrer les modifications du  </a:t>
             </a:r>
             <a:r>
               <a:rPr lang="fr-FR" dirty="0" err="1" smtClean="0"/>
@@ -17864,7 +17869,7 @@
             </a:r>
             <a:r>
               <a:rPr lang="fr-FR" dirty="0" smtClean="0"/>
-              <a:t> en base</a:t>
+              <a:t> en base </a:t>
             </a:r>
           </a:p>
           <a:p>
@@ -19639,97 +19644,93 @@
               <a:t>L</a:t>
             </a:r>
             <a:r>
-              <a:rPr lang="fr-FR" smtClean="0"/>
+              <a:rPr lang="fr-FR" dirty="0" err="1" smtClean="0"/>
               <a:t>istview</a:t>
+            </a:r>
+            <a:r>
+              <a:rPr lang="fr-FR" dirty="0" smtClean="0"/>
+              <a:t> de navigation</a:t>
+            </a:r>
+            <a:endParaRPr lang="fr-FR" dirty="0"/>
+          </a:p>
+        </p:txBody>
+      </p:sp>
+      <p:sp>
+        <p:nvSpPr>
+          <p:cNvPr id="3" name="Espace réservé du contenu 2"/>
+          <p:cNvSpPr>
+            <a:spLocks noGrp="1"/>
+          </p:cNvSpPr>
+          <p:nvPr>
+            <p:ph idx="1"/>
+          </p:nvPr>
+        </p:nvSpPr>
+        <p:spPr/>
+        <p:txBody>
+          <a:bodyPr/>
+          <a:lstStyle/>
+          <a:p>
+            <a:r>
+              <a:rPr lang="fr-FR" dirty="0" smtClean="0"/>
+              <a:t>Quand on sauvegarde un </a:t>
+            </a:r>
+            <a:r>
+              <a:rPr lang="fr-FR" dirty="0" err="1" smtClean="0"/>
+              <a:t>friend</a:t>
+            </a:r>
+            <a:r>
+              <a:rPr lang="fr-FR" dirty="0" smtClean="0"/>
+              <a:t> et qu’on a changé le prénom, la </a:t>
+            </a:r>
+            <a:r>
+              <a:rPr lang="fr-FR" dirty="0" err="1" smtClean="0"/>
+              <a:t>ListView</a:t>
+            </a:r>
+            <a:r>
+              <a:rPr lang="fr-FR" dirty="0" smtClean="0"/>
+              <a:t> de navigation n’est pas mise à jour et il faut </a:t>
+            </a:r>
+            <a:r>
+              <a:rPr lang="fr-FR" dirty="0" err="1" smtClean="0"/>
+              <a:t>redemarrer</a:t>
+            </a:r>
+            <a:r>
+              <a:rPr lang="fr-FR" dirty="0" smtClean="0"/>
+              <a:t> l’application pour voir le changement</a:t>
+            </a:r>
+          </a:p>
+          <a:p>
+            <a:r>
+              <a:rPr lang="fr-FR" b="1" dirty="0" smtClean="0"/>
+              <a:t>Comment faire pour mettre à jour cette </a:t>
+            </a:r>
+            <a:r>
+              <a:rPr lang="fr-FR" b="1" dirty="0" err="1" smtClean="0"/>
+              <a:t>listView</a:t>
+            </a:r>
+            <a:r>
+              <a:rPr lang="fr-FR" b="1" dirty="0" smtClean="0"/>
+              <a:t> ?</a:t>
+            </a:r>
+          </a:p>
+          <a:p>
+            <a:r>
+              <a:rPr lang="fr-FR" dirty="0" smtClean="0"/>
+              <a:t>Créer un </a:t>
+            </a:r>
+            <a:r>
+              <a:rPr lang="fr-FR" dirty="0" err="1" smtClean="0"/>
+              <a:t>evenement</a:t>
             </a:r>
             <a:r>
               <a:rPr lang="fr-FR" dirty="0" smtClean="0"/>
               <a:t> </a:t>
             </a:r>
             <a:r>
-              <a:rPr lang="fr-FR" dirty="0" smtClean="0"/>
-              <a:t>de navigation</a:t>
-            </a:r>
-            <a:endParaRPr lang="fr-FR" dirty="0"/>
-          </a:p>
-        </p:txBody>
-      </p:sp>
-      <p:sp>
-        <p:nvSpPr>
-          <p:cNvPr id="3" name="Espace réservé du contenu 2"/>
-          <p:cNvSpPr>
-            <a:spLocks noGrp="1"/>
-          </p:cNvSpPr>
-          <p:nvPr>
-            <p:ph idx="1"/>
-          </p:nvPr>
-        </p:nvSpPr>
-        <p:spPr/>
-        <p:txBody>
-          <a:bodyPr/>
-          <a:lstStyle/>
-          <a:p>
-            <a:r>
-              <a:rPr lang="fr-FR" dirty="0" smtClean="0"/>
-              <a:t>Quand on sauvegarde un </a:t>
-            </a:r>
-            <a:r>
-              <a:rPr lang="fr-FR" dirty="0" err="1" smtClean="0"/>
-              <a:t>friend</a:t>
-            </a:r>
-            <a:r>
-              <a:rPr lang="fr-FR" dirty="0" smtClean="0"/>
-              <a:t> et qu’on a changé le prénom, la </a:t>
-            </a:r>
-            <a:r>
-              <a:rPr lang="fr-FR" dirty="0" err="1" smtClean="0"/>
-              <a:t>ListView</a:t>
-            </a:r>
-            <a:r>
-              <a:rPr lang="fr-FR" dirty="0" smtClean="0"/>
-              <a:t> de navigation n’est pas mise à jour et il faut </a:t>
-            </a:r>
-            <a:r>
-              <a:rPr lang="fr-FR" dirty="0" err="1" smtClean="0"/>
-              <a:t>redemarrer</a:t>
-            </a:r>
-            <a:r>
-              <a:rPr lang="fr-FR" dirty="0" smtClean="0"/>
-              <a:t> l’application pour voir le changement</a:t>
-            </a:r>
-          </a:p>
-          <a:p>
-            <a:r>
-              <a:rPr lang="fr-FR" dirty="0" smtClean="0"/>
-              <a:t>Comment faire pour mettre à jour cette </a:t>
-            </a:r>
-            <a:r>
-              <a:rPr lang="fr-FR" dirty="0" err="1" smtClean="0"/>
-              <a:t>listView</a:t>
-            </a:r>
-            <a:r>
-              <a:rPr lang="fr-FR" dirty="0" smtClean="0"/>
-              <a:t> ?</a:t>
-            </a:r>
-          </a:p>
-          <a:p>
-            <a:r>
-              <a:rPr lang="fr-FR" dirty="0" smtClean="0"/>
-              <a:t>Créer un </a:t>
-            </a:r>
-            <a:r>
-              <a:rPr lang="fr-FR" dirty="0" err="1" smtClean="0"/>
-              <a:t>evenement</a:t>
-            </a:r>
-            <a:r>
-              <a:rPr lang="fr-FR" dirty="0" smtClean="0"/>
-              <a:t> </a:t>
-            </a:r>
-            <a:r>
-              <a:rPr lang="fr-FR" dirty="0" err="1" smtClean="0"/>
+              <a:rPr lang="fr-FR" b="1" dirty="0" err="1" smtClean="0"/>
               <a:t>SaveFriendEvent</a:t>
             </a:r>
-            <a:endParaRPr lang="fr-FR" dirty="0" smtClean="0"/>
+            <a:endParaRPr lang="fr-FR" b="1" dirty="0" smtClean="0"/>
           </a:p>
           <a:p>
             <a:r>
@@ -19737,8 +19738,12 @@
               <a:t>A chaque fois qu’une sauvegarde est faite on publie l’</a:t>
             </a:r>
             <a:r>
+              <a:rPr lang="fr-FR" dirty="0" err="1"/>
+              <a:t>é</a:t>
+            </a:r>
+            <a:r>
               <a:rPr lang="fr-FR" dirty="0" err="1" smtClean="0"/>
-              <a:t>evenement</a:t>
+              <a:t>venement</a:t>
             </a:r>
             <a:endParaRPr lang="fr-FR" dirty="0" smtClean="0"/>
           </a:p>
@@ -19748,7 +19753,7 @@
               <a:t>Notre </a:t>
             </a:r>
             <a:r>
-              <a:rPr lang="fr-FR" dirty="0" err="1" smtClean="0"/>
+              <a:rPr lang="fr-FR" b="1" dirty="0" err="1" smtClean="0"/>
               <a:t>NavigationViewModel</a:t>
             </a:r>
             <a:r>
@@ -19756,16 +19761,16 @@
               <a:t> souscrit à l’</a:t>
             </a:r>
             <a:r>
+              <a:rPr lang="fr-FR" dirty="0" err="1"/>
+              <a:t>é</a:t>
+            </a:r>
+            <a:r>
               <a:rPr lang="fr-FR" dirty="0" err="1" smtClean="0"/>
-              <a:t>evenement</a:t>
-            </a:r>
-            <a:r>
-              <a:rPr lang="fr-FR" dirty="0"/>
-              <a:t> </a:t>
+              <a:t>venement</a:t>
             </a:r>
             <a:r>
               <a:rPr lang="fr-FR" dirty="0" smtClean="0"/>
-              <a:t>afin de récupérer la liste de </a:t>
+              <a:t> afin de récupérer la liste de </a:t>
             </a:r>
             <a:r>
               <a:rPr lang="fr-FR" dirty="0" err="1" smtClean="0"/>
@@ -20061,23 +20066,57 @@
         </p:nvSpPr>
         <p:spPr/>
         <p:txBody>
-          <a:bodyPr/>
+          <a:bodyPr>
+            <a:normAutofit/>
+          </a:bodyPr>
           <a:lstStyle/>
           <a:p>
             <a:r>
-              <a:rPr lang="fr-FR" dirty="0" smtClean="0"/>
-              <a:t>La validation de données consiste à empêcher l’utilisateur d’entrer des valeurs erronées dans notre application.</a:t>
-            </a:r>
-          </a:p>
-          <a:p>
-            <a:r>
-              <a:rPr lang="fr-FR" dirty="0" smtClean="0"/>
+              <a:rPr lang="fr-FR" sz="2400" dirty="0" smtClean="0"/>
+              <a:t>La validation de données consiste à empêcher l’utilisateur d’entrer des </a:t>
+            </a:r>
+            <a:r>
+              <a:rPr lang="fr-FR" sz="2400" b="1" dirty="0" smtClean="0"/>
+              <a:t>valeurs erronées </a:t>
+            </a:r>
+            <a:r>
+              <a:rPr lang="fr-FR" sz="2400" dirty="0" smtClean="0"/>
+              <a:t>dans notre application.</a:t>
+            </a:r>
+          </a:p>
+          <a:p>
+            <a:r>
+              <a:rPr lang="fr-FR" sz="2400" dirty="0" smtClean="0"/>
               <a:t>Ex : prénom vide =&gt; on lui affiche un message d’erreur</a:t>
             </a:r>
-            <a:endParaRPr lang="fr-FR" dirty="0"/>
-          </a:p>
-        </p:txBody>
-      </p:sp>
+            <a:endParaRPr lang="fr-FR" sz="2400" dirty="0"/>
+          </a:p>
+        </p:txBody>
+      </p:sp>
+      <p:pic>
+        <p:nvPicPr>
+          <p:cNvPr id="4" name="Image 3"/>
+          <p:cNvPicPr>
+            <a:picLocks noChangeAspect="1"/>
+          </p:cNvPicPr>
+          <p:nvPr/>
+        </p:nvPicPr>
+        <p:blipFill>
+          <a:blip r:embed="rId2"/>
+          <a:stretch>
+            <a:fillRect/>
+          </a:stretch>
+        </p:blipFill>
+        <p:spPr>
+          <a:xfrm>
+            <a:off x="3479451" y="4606654"/>
+            <a:ext cx="4176663" cy="1275176"/>
+          </a:xfrm>
+          <a:prstGeom prst="rect">
+            <a:avLst/>
+          </a:prstGeom>
+        </p:spPr>
+      </p:pic>
     </p:spTree>
     <p:extLst>
       <p:ext uri="{BB962C8B-B14F-4D97-AF65-F5344CB8AC3E}">
@@ -22681,6 +22720,30 @@
           </a:prstGeom>
         </p:spPr>
       </p:pic>
+      <p:pic>
+        <p:nvPicPr>
+          <p:cNvPr id="4" name="Image 3"/>
+          <p:cNvPicPr>
+            <a:picLocks noChangeAspect="1"/>
+          </p:cNvPicPr>
+          <p:nvPr/>
+        </p:nvPicPr>
+        <p:blipFill>
+          <a:blip r:embed="rId4"/>
+          <a:stretch>
+            <a:fillRect/>
+          </a:stretch>
+        </p:blipFill>
+        <p:spPr>
+          <a:xfrm>
+            <a:off x="1410851" y="3320418"/>
+            <a:ext cx="10781149" cy="600664"/>
+          </a:xfrm>
+          <a:prstGeom prst="rect">
+            <a:avLst/>
+          </a:prstGeom>
+        </p:spPr>
+      </p:pic>
     </p:spTree>
     <p:extLst>
       <p:ext uri="{BB962C8B-B14F-4D97-AF65-F5344CB8AC3E}">
@@ -23262,23 +23325,7 @@
           <a:p>
             <a:r>
               <a:rPr lang="fr-FR" dirty="0" smtClean="0"/>
-              <a:t>Le code que l’o na codé pour gérer la validation est toujours le </a:t>
-            </a:r>
-            <a:r>
-              <a:rPr lang="fr-FR" dirty="0" err="1" smtClean="0"/>
-              <a:t>meme</a:t>
-            </a:r>
-            <a:r>
-              <a:rPr lang="fr-FR" dirty="0" smtClean="0"/>
-              <a:t>. Si on devait </a:t>
-            </a:r>
-            <a:r>
-              <a:rPr lang="fr-FR" dirty="0" err="1" smtClean="0"/>
-              <a:t>créér</a:t>
-            </a:r>
-            <a:r>
-              <a:rPr lang="fr-FR" dirty="0" smtClean="0"/>
-              <a:t> une autre classe </a:t>
+              <a:t>Le code que l’on a écrit pour gérer la validation est toujours le même. Si on devait créer une autre classe </a:t>
             </a:r>
             <a:r>
               <a:rPr lang="fr-FR" dirty="0" err="1" smtClean="0"/>
@@ -23286,23 +23333,11 @@
             </a:r>
             <a:r>
               <a:rPr lang="fr-FR" dirty="0" smtClean="0"/>
-              <a:t>, on </a:t>
-            </a:r>
-            <a:r>
-              <a:rPr lang="fr-FR" dirty="0" err="1" smtClean="0"/>
-              <a:t>ecrirait</a:t>
-            </a:r>
-            <a:r>
-              <a:rPr lang="fr-FR" dirty="0" smtClean="0"/>
-              <a:t> la </a:t>
-            </a:r>
-            <a:r>
-              <a:rPr lang="fr-FR" dirty="0" err="1" smtClean="0"/>
-              <a:t>meme</a:t>
-            </a:r>
-            <a:r>
-              <a:rPr lang="fr-FR" dirty="0" smtClean="0"/>
-              <a:t> chose =&gt; on va donc mettre ce code dans une classe de base </a:t>
+              <a:t>, on écrirait la même chose =&gt; </a:t>
+            </a:r>
+            <a:r>
+              <a:rPr lang="fr-FR" b="1" dirty="0" smtClean="0"/>
+              <a:t>on va donc mettre ce code dans une classe de base </a:t>
             </a:r>
             <a:r>
               <a:rPr lang="fr-FR" b="1" dirty="0" err="1" smtClean="0"/>
@@ -23977,6 +24012,130 @@
     <p:extLst>
       <p:ext uri="{BB962C8B-B14F-4D97-AF65-F5344CB8AC3E}">
         <p14:creationId xmlns:p14="http://schemas.microsoft.com/office/powerpoint/2010/main" val="2519340697"/>
+      </p:ext>
+    </p:extLst>
+  </p:cSld>
+  <p:clrMapOvr>
+    <a:masterClrMapping/>
+  </p:clrMapOvr>
+</p:sld>
+</file>
+
+<file path=ppt/slides/slide84.xml><?xml version="1.0" encoding="utf-8"?>
+<p:sld xmlns:a="http://schemas.openxmlformats.org/drawingml/2006/main" xmlns:r="http://schemas.openxmlformats.org/officeDocument/2006/relationships" xmlns:p="http://schemas.openxmlformats.org/presentationml/2006/main">
+  <p:cSld>
+    <p:spTree>
+      <p:nvGrpSpPr>
+        <p:cNvPr id="1" name=""/>
+        <p:cNvGrpSpPr/>
+        <p:nvPr/>
+      </p:nvGrpSpPr>
+      <p:grpSpPr>
+        <a:xfrm>
+          <a:off x="0" y="0"/>
+          <a:ext cx="0" cy="0"/>
+          <a:chOff x="0" y="0"/>
+          <a:chExt cx="0" cy="0"/>
+        </a:xfrm>
+      </p:grpSpPr>
+      <p:sp>
+        <p:nvSpPr>
+          <p:cNvPr id="2" name="Titre 1"/>
+          <p:cNvSpPr>
+            <a:spLocks noGrp="1"/>
+          </p:cNvSpPr>
+          <p:nvPr>
+            <p:ph type="title"/>
+          </p:nvPr>
+        </p:nvSpPr>
+        <p:spPr/>
+        <p:txBody>
+          <a:bodyPr/>
+          <a:lstStyle/>
+          <a:p>
+            <a:r>
+              <a:rPr lang="fr-FR" dirty="0" smtClean="0"/>
+              <a:t>Pour aller plus loin	</a:t>
+            </a:r>
+            <a:endParaRPr lang="fr-FR" dirty="0"/>
+          </a:p>
+        </p:txBody>
+      </p:sp>
+      <p:sp>
+        <p:nvSpPr>
+          <p:cNvPr id="3" name="Espace réservé du contenu 2"/>
+          <p:cNvSpPr>
+            <a:spLocks noGrp="1"/>
+          </p:cNvSpPr>
+          <p:nvPr>
+            <p:ph idx="1"/>
+          </p:nvPr>
+        </p:nvSpPr>
+        <p:spPr/>
+        <p:txBody>
+          <a:bodyPr/>
+          <a:lstStyle/>
+          <a:p>
+            <a:r>
+              <a:rPr lang="fr-FR" dirty="0" smtClean="0"/>
+              <a:t>Ce cours a été basé sur cette formation vidéo :</a:t>
+            </a:r>
+          </a:p>
+          <a:p>
+            <a:r>
+              <a:rPr lang="fr-FR" dirty="0">
+                <a:hlinkClick r:id="rId2"/>
+              </a:rPr>
+              <a:t>https://</a:t>
+            </a:r>
+            <a:r>
+              <a:rPr lang="fr-FR" dirty="0" smtClean="0">
+                <a:hlinkClick r:id="rId2"/>
+              </a:rPr>
+              <a:t>app.pluralsight.com/library/courses/wpf-mvvm-entity-framework-app/table-of-contents</a:t>
+            </a:r>
+            <a:endParaRPr lang="fr-FR" dirty="0" smtClean="0"/>
+          </a:p>
+          <a:p>
+            <a:r>
+              <a:rPr lang="fr-FR" dirty="0" smtClean="0"/>
+              <a:t>L’auteur va beaucoup plus loin ; Si vous vous destinez à faire des applis WPF de manière professionnelle il serait intéressant de poursuivre,</a:t>
+            </a:r>
+            <a:endParaRPr lang="fr-FR" dirty="0"/>
+          </a:p>
+          <a:p>
+            <a:endParaRPr lang="fr-FR" dirty="0"/>
+          </a:p>
+        </p:txBody>
+      </p:sp>
+      <p:pic>
+        <p:nvPicPr>
+          <p:cNvPr id="4" name="Image 3"/>
+          <p:cNvPicPr>
+            <a:picLocks noChangeAspect="1"/>
+          </p:cNvPicPr>
+          <p:nvPr/>
+        </p:nvPicPr>
+        <p:blipFill>
+          <a:blip r:embed="rId3"/>
+          <a:stretch>
+            <a:fillRect/>
+          </a:stretch>
+        </p:blipFill>
+        <p:spPr>
+          <a:xfrm>
+            <a:off x="2523499" y="4311650"/>
+            <a:ext cx="6024322" cy="2490753"/>
+          </a:xfrm>
+          <a:prstGeom prst="rect">
+            <a:avLst/>
+          </a:prstGeom>
+        </p:spPr>
+      </p:pic>
+    </p:spTree>
+    <p:extLst>
+      <p:ext uri="{BB962C8B-B14F-4D97-AF65-F5344CB8AC3E}">
+        <p14:creationId xmlns:p14="http://schemas.microsoft.com/office/powerpoint/2010/main" val="2253653578"/>
       </p:ext>
     </p:extLst>
   </p:cSld>
